--- a/FEE_PPT(2210990869,70,71,72).pptx
+++ b/FEE_PPT(2210990869,70,71,72).pptx
@@ -272,7 +272,7 @@
           <a:p>
             <a:fld id="{1D8BD707-D9CF-40AE-B4C6-C98DA3205C09}" type="datetimeFigureOut">
               <a:rPr lang="en-US"/>
-              <a:t>5/1/2023</a:t>
+              <a:t>5/22/2023</a:t>
             </a:fld>
             <a:endParaRPr lang="en-US"/>
           </a:p>
@@ -449,7 +449,7 @@
           <a:p>
             <a:fld id="{1D8BD707-D9CF-40AE-B4C6-C98DA3205C09}" type="datetimeFigureOut">
               <a:rPr lang="en-US"/>
-              <a:t>5/1/2023</a:t>
+              <a:t>5/22/2023</a:t>
             </a:fld>
             <a:endParaRPr lang="en-US"/>
           </a:p>
@@ -663,7 +663,7 @@
           <a:p>
             <a:fld id="{1D8BD707-D9CF-40AE-B4C6-C98DA3205C09}" type="datetimeFigureOut">
               <a:rPr lang="en-US"/>
-              <a:t>5/1/2023</a:t>
+              <a:t>5/22/2023</a:t>
             </a:fld>
             <a:endParaRPr lang="en-US"/>
           </a:p>
@@ -811,7 +811,7 @@
           <a:p>
             <a:fld id="{1D8BD707-D9CF-40AE-B4C6-C98DA3205C09}" type="datetimeFigureOut">
               <a:rPr lang="en-US"/>
-              <a:t>5/1/2023</a:t>
+              <a:t>5/22/2023</a:t>
             </a:fld>
             <a:endParaRPr lang="en-US"/>
           </a:p>
@@ -930,7 +930,7 @@
           <a:p>
             <a:fld id="{1D8BD707-D9CF-40AE-B4C6-C98DA3205C09}" type="datetimeFigureOut">
               <a:rPr lang="en-US"/>
-              <a:t>5/1/2023</a:t>
+              <a:t>5/22/2023</a:t>
             </a:fld>
             <a:endParaRPr lang="en-US"/>
           </a:p>
@@ -1421,7 +1421,7 @@
           <a:p>
             <a:fld id="{1D8BD707-D9CF-40AE-B4C6-C98DA3205C09}" type="datetimeFigureOut">
               <a:rPr lang="en-US"/>
-              <a:t>5/1/2023</a:t>
+              <a:t>5/22/2023</a:t>
             </a:fld>
             <a:endParaRPr lang="en-US"/>
           </a:p>
@@ -3813,7 +3813,7 @@
           </a:bodyPr>
           <a:lstStyle/>
           <a:p>
-            <a:pPr marL="12065" marR="5080" indent="-1270" algn="ctr">
+            <a:pPr marL="12065" marR="5080" indent="-1270">
               <a:lnSpc>
                 <a:spcPct val="100000"/>
               </a:lnSpc>

--- a/FEE_PPT(2210990869,70,71,72).pptx
+++ b/FEE_PPT(2210990869,70,71,72).pptx
@@ -12,10 +12,16 @@
     <p:sldId id="260" r:id="rId6"/>
     <p:sldId id="261" r:id="rId7"/>
     <p:sldId id="262" r:id="rId8"/>
-    <p:sldId id="263" r:id="rId9"/>
-    <p:sldId id="267" r:id="rId10"/>
+    <p:sldId id="268" r:id="rId9"/>
+    <p:sldId id="263" r:id="rId10"/>
     <p:sldId id="264" r:id="rId11"/>
-    <p:sldId id="266" r:id="rId12"/>
+    <p:sldId id="269" r:id="rId12"/>
+    <p:sldId id="270" r:id="rId13"/>
+    <p:sldId id="271" r:id="rId14"/>
+    <p:sldId id="272" r:id="rId15"/>
+    <p:sldId id="273" r:id="rId16"/>
+    <p:sldId id="274" r:id="rId17"/>
+    <p:sldId id="266" r:id="rId18"/>
   </p:sldIdLst>
   <p:sldSz cx="9144000" cy="6858000" type="screen4x3"/>
   <p:notesSz cx="9144000" cy="6858000"/>
@@ -272,7 +278,7 @@
           <a:p>
             <a:fld id="{1D8BD707-D9CF-40AE-B4C6-C98DA3205C09}" type="datetimeFigureOut">
               <a:rPr lang="en-US"/>
-              <a:t>5/22/2023</a:t>
+              <a:t>5/30/2023</a:t>
             </a:fld>
             <a:endParaRPr lang="en-US"/>
           </a:p>
@@ -449,7 +455,7 @@
           <a:p>
             <a:fld id="{1D8BD707-D9CF-40AE-B4C6-C98DA3205C09}" type="datetimeFigureOut">
               <a:rPr lang="en-US"/>
-              <a:t>5/22/2023</a:t>
+              <a:t>5/30/2023</a:t>
             </a:fld>
             <a:endParaRPr lang="en-US"/>
           </a:p>
@@ -663,7 +669,7 @@
           <a:p>
             <a:fld id="{1D8BD707-D9CF-40AE-B4C6-C98DA3205C09}" type="datetimeFigureOut">
               <a:rPr lang="en-US"/>
-              <a:t>5/22/2023</a:t>
+              <a:t>5/30/2023</a:t>
             </a:fld>
             <a:endParaRPr lang="en-US"/>
           </a:p>
@@ -811,7 +817,7 @@
           <a:p>
             <a:fld id="{1D8BD707-D9CF-40AE-B4C6-C98DA3205C09}" type="datetimeFigureOut">
               <a:rPr lang="en-US"/>
-              <a:t>5/22/2023</a:t>
+              <a:t>5/30/2023</a:t>
             </a:fld>
             <a:endParaRPr lang="en-US"/>
           </a:p>
@@ -930,7 +936,7 @@
           <a:p>
             <a:fld id="{1D8BD707-D9CF-40AE-B4C6-C98DA3205C09}" type="datetimeFigureOut">
               <a:rPr lang="en-US"/>
-              <a:t>5/22/2023</a:t>
+              <a:t>5/30/2023</a:t>
             </a:fld>
             <a:endParaRPr lang="en-US"/>
           </a:p>
@@ -1421,7 +1427,7 @@
           <a:p>
             <a:fld id="{1D8BD707-D9CF-40AE-B4C6-C98DA3205C09}" type="datetimeFigureOut">
               <a:rPr lang="en-US"/>
-              <a:t>5/22/2023</a:t>
+              <a:t>5/30/2023</a:t>
             </a:fld>
             <a:endParaRPr lang="en-US"/>
           </a:p>
@@ -1651,6 +1657,10 @@
           </p:nvPr>
         </p:nvSpPr>
         <p:spPr>
+          <a:xfrm>
+            <a:off x="380998" y="1626236"/>
+            <a:ext cx="8382000" cy="536814"/>
+          </a:xfrm>
           <a:prstGeom prst="rect">
             <a:avLst/>
           </a:prstGeom>
@@ -1661,7 +1671,7 @@
           </a:bodyPr>
           <a:lstStyle/>
           <a:p>
-            <a:pPr marL="2041525" marR="5080" indent="-2028825">
+            <a:pPr marL="2041525" marR="5080" indent="-2028825" algn="ctr">
               <a:lnSpc>
                 <a:spcPct val="100699"/>
               </a:lnSpc>
@@ -1670,34 +1680,30 @@
               </a:spcBef>
             </a:pPr>
             <a:r>
-              <a:rPr spc="-15" dirty="0">
-                <a:solidFill>
-                  <a:schemeClr val="tx1"/>
-                </a:solidFill>
+              <a:rPr b="1" spc="-15" dirty="0">
+                <a:latin typeface="Times New Roman" panose="02020603050405020304" pitchFamily="18" charset="0"/>
+                <a:cs typeface="Times New Roman" panose="02020603050405020304" pitchFamily="18" charset="0"/>
               </a:rPr>
               <a:t>Front </a:t>
             </a:r>
             <a:r>
-              <a:rPr spc="-5" dirty="0">
-                <a:solidFill>
-                  <a:schemeClr val="tx1"/>
-                </a:solidFill>
+              <a:rPr b="1" spc="-5" dirty="0">
+                <a:latin typeface="Times New Roman" panose="02020603050405020304" pitchFamily="18" charset="0"/>
+                <a:cs typeface="Times New Roman" panose="02020603050405020304" pitchFamily="18" charset="0"/>
               </a:rPr>
               <a:t>End Engineering-I </a:t>
             </a:r>
             <a:r>
-              <a:rPr spc="-1190" dirty="0">
-                <a:solidFill>
-                  <a:schemeClr val="tx1"/>
-                </a:solidFill>
+              <a:rPr b="1" spc="-1190" dirty="0">
+                <a:latin typeface="Times New Roman" panose="02020603050405020304" pitchFamily="18" charset="0"/>
+                <a:cs typeface="Times New Roman" panose="02020603050405020304" pitchFamily="18" charset="0"/>
               </a:rPr>
               <a:t> </a:t>
             </a:r>
             <a:r>
-              <a:rPr spc="5" dirty="0">
-                <a:solidFill>
-                  <a:schemeClr val="tx1"/>
-                </a:solidFill>
+              <a:rPr b="1" spc="5" dirty="0">
+                <a:latin typeface="Times New Roman" panose="02020603050405020304" pitchFamily="18" charset="0"/>
+                <a:cs typeface="Times New Roman" panose="02020603050405020304" pitchFamily="18" charset="0"/>
               </a:rPr>
               <a:t>Project</a:t>
             </a:r>
@@ -1732,14 +1738,14 @@
             </a:pPr>
             <a:r>
               <a:rPr sz="2000" b="1" spc="-30" dirty="0">
-                <a:latin typeface="Roboto Bk"/>
-                <a:cs typeface="Roboto Bk"/>
+                <a:latin typeface="Times New Roman" panose="02020603050405020304" pitchFamily="18" charset="0"/>
+                <a:cs typeface="Times New Roman" panose="02020603050405020304" pitchFamily="18" charset="0"/>
               </a:rPr>
               <a:t>:</a:t>
             </a:r>
             <a:endParaRPr sz="2000">
-              <a:latin typeface="Roboto Bk"/>
-              <a:cs typeface="Roboto Bk"/>
+              <a:latin typeface="Times New Roman" panose="02020603050405020304" pitchFamily="18" charset="0"/>
+              <a:cs typeface="Times New Roman" panose="02020603050405020304" pitchFamily="18" charset="0"/>
             </a:endParaRPr>
           </a:p>
         </p:txBody>
@@ -1790,7 +1796,10 @@
           <a:bodyPr wrap="square" lIns="0" tIns="0" rIns="0" bIns="0" rtlCol="0"/>
           <a:lstStyle/>
           <a:p>
-            <a:endParaRPr/>
+            <a:endParaRPr>
+              <a:latin typeface="Times New Roman" panose="02020603050405020304" pitchFamily="18" charset="0"/>
+              <a:cs typeface="Times New Roman" panose="02020603050405020304" pitchFamily="18" charset="0"/>
+            </a:endParaRPr>
           </a:p>
         </p:txBody>
       </p:sp>
@@ -1825,28 +1834,35 @@
             </a:pPr>
             <a:r>
               <a:rPr sz="2000" spc="-50" dirty="0">
-                <a:latin typeface="Calibri"/>
-                <a:cs typeface="Calibri"/>
+                <a:latin typeface="Times New Roman" panose="02020603050405020304" pitchFamily="18" charset="0"/>
+                <a:cs typeface="Times New Roman" panose="02020603050405020304" pitchFamily="18" charset="0"/>
               </a:rPr>
               <a:t>Team</a:t>
             </a:r>
             <a:r>
               <a:rPr sz="2000" spc="-55" dirty="0">
-                <a:latin typeface="Calibri"/>
-                <a:cs typeface="Calibri"/>
+                <a:latin typeface="Times New Roman" panose="02020603050405020304" pitchFamily="18" charset="0"/>
+                <a:cs typeface="Times New Roman" panose="02020603050405020304" pitchFamily="18" charset="0"/>
               </a:rPr>
               <a:t> </a:t>
             </a:r>
             <a:r>
               <a:rPr sz="2000" spc="-10" dirty="0">
-                <a:latin typeface="Calibri"/>
-                <a:cs typeface="Calibri"/>
-              </a:rPr>
-              <a:t>Details:</a:t>
-            </a:r>
-            <a:endParaRPr sz="2000">
-              <a:latin typeface="Calibri"/>
-              <a:cs typeface="Calibri"/>
+                <a:latin typeface="Times New Roman" panose="02020603050405020304" pitchFamily="18" charset="0"/>
+                <a:cs typeface="Times New Roman" panose="02020603050405020304" pitchFamily="18" charset="0"/>
+              </a:rPr>
+              <a:t>Details</a:t>
+            </a:r>
+            <a:r>
+              <a:rPr sz="2000" spc="-10" dirty="0" smtClean="0">
+                <a:latin typeface="Times New Roman" panose="02020603050405020304" pitchFamily="18" charset="0"/>
+                <a:cs typeface="Times New Roman" panose="02020603050405020304" pitchFamily="18" charset="0"/>
+              </a:rPr>
+              <a:t>:</a:t>
+            </a:r>
+            <a:endParaRPr sz="2000" dirty="0">
+              <a:latin typeface="Times New Roman" panose="02020603050405020304" pitchFamily="18" charset="0"/>
+              <a:cs typeface="Times New Roman" panose="02020603050405020304" pitchFamily="18" charset="0"/>
             </a:endParaRPr>
           </a:p>
         </p:txBody>
@@ -1860,7 +1876,7 @@
           <p:nvPr>
             <p:extLst>
               <p:ext uri="{D42A27DB-BD31-4B8C-83A1-F6EECF244321}">
-                <p14:modId xmlns:p14="http://schemas.microsoft.com/office/powerpoint/2010/main" val="2998294315"/>
+                <p14:modId xmlns:p14="http://schemas.microsoft.com/office/powerpoint/2010/main" val="3879715742"/>
               </p:ext>
             </p:extLst>
           </p:nvPr>
@@ -1904,14 +1920,14 @@
                       </a:pPr>
                       <a:r>
                         <a:rPr lang="en-US" sz="1800" spc="-5" dirty="0" smtClean="0">
-                          <a:latin typeface="Arial" panose="020B0604020202020204" pitchFamily="34" charset="0"/>
-                          <a:cs typeface="Arial" panose="020B0604020202020204" pitchFamily="34" charset="0"/>
+                          <a:latin typeface="Times New Roman" panose="02020603050405020304" pitchFamily="18" charset="0"/>
+                          <a:cs typeface="Times New Roman" panose="02020603050405020304" pitchFamily="18" charset="0"/>
                         </a:rPr>
                         <a:t>SUJAL RASTOGI</a:t>
                       </a:r>
                       <a:endParaRPr lang="en-US" sz="1800" dirty="0">
-                        <a:latin typeface="Arial" panose="020B0604020202020204" pitchFamily="34" charset="0"/>
-                        <a:cs typeface="Arial" panose="020B0604020202020204" pitchFamily="34" charset="0"/>
+                        <a:latin typeface="Times New Roman" panose="02020603050405020304" pitchFamily="18" charset="0"/>
+                        <a:cs typeface="Times New Roman" panose="02020603050405020304" pitchFamily="18" charset="0"/>
                       </a:endParaRPr>
                     </a:p>
                   </a:txBody>
@@ -1926,28 +1942,28 @@
                     <a:bodyPr/>
                     <a:lstStyle/>
                     <a:p>
-                      <a:pPr marR="24130" algn="r">
+                      <a:pPr marR="24130" algn="l">
                         <a:lnSpc>
                           <a:spcPts val="1989"/>
                         </a:lnSpc>
                       </a:pPr>
                       <a:r>
                         <a:rPr sz="1800" spc="-5" dirty="0" smtClean="0">
-                          <a:latin typeface="Arial" panose="020B0604020202020204" pitchFamily="34" charset="0"/>
-                          <a:cs typeface="Arial" panose="020B0604020202020204" pitchFamily="34" charset="0"/>
+                          <a:latin typeface="Times New Roman" panose="02020603050405020304" pitchFamily="18" charset="0"/>
+                          <a:cs typeface="Times New Roman" panose="02020603050405020304" pitchFamily="18" charset="0"/>
                         </a:rPr>
                         <a:t>2210990</a:t>
                       </a:r>
                       <a:r>
                         <a:rPr lang="en-US" sz="1800" spc="-5" dirty="0" smtClean="0">
-                          <a:latin typeface="Arial" panose="020B0604020202020204" pitchFamily="34" charset="0"/>
-                          <a:cs typeface="Arial" panose="020B0604020202020204" pitchFamily="34" charset="0"/>
+                          <a:latin typeface="Times New Roman" panose="02020603050405020304" pitchFamily="18" charset="0"/>
+                          <a:cs typeface="Times New Roman" panose="02020603050405020304" pitchFamily="18" charset="0"/>
                         </a:rPr>
                         <a:t>869</a:t>
                       </a:r>
                       <a:endParaRPr sz="1800" dirty="0">
-                        <a:latin typeface="Arial" panose="020B0604020202020204" pitchFamily="34" charset="0"/>
-                        <a:cs typeface="Arial" panose="020B0604020202020204" pitchFamily="34" charset="0"/>
+                        <a:latin typeface="Times New Roman" panose="02020603050405020304" pitchFamily="18" charset="0"/>
+                        <a:cs typeface="Times New Roman" panose="02020603050405020304" pitchFamily="18" charset="0"/>
                       </a:endParaRPr>
                     </a:p>
                   </a:txBody>
@@ -1976,14 +1992,14 @@
                       </a:pPr>
                       <a:r>
                         <a:rPr lang="en-US" sz="1800" spc="-5" dirty="0" smtClean="0">
-                          <a:latin typeface="Arial" panose="020B0604020202020204" pitchFamily="34" charset="0"/>
-                          <a:cs typeface="Arial" panose="020B0604020202020204" pitchFamily="34" charset="0"/>
+                          <a:latin typeface="Times New Roman" panose="02020603050405020304" pitchFamily="18" charset="0"/>
+                          <a:cs typeface="Times New Roman" panose="02020603050405020304" pitchFamily="18" charset="0"/>
                         </a:rPr>
                         <a:t>SUKOON</a:t>
                       </a:r>
                       <a:endParaRPr lang="en-US" sz="1800" dirty="0">
-                        <a:latin typeface="Arial" panose="020B0604020202020204" pitchFamily="34" charset="0"/>
-                        <a:cs typeface="Arial" panose="020B0604020202020204" pitchFamily="34" charset="0"/>
+                        <a:latin typeface="Times New Roman" panose="02020603050405020304" pitchFamily="18" charset="0"/>
+                        <a:cs typeface="Times New Roman" panose="02020603050405020304" pitchFamily="18" charset="0"/>
                       </a:endParaRPr>
                     </a:p>
                   </a:txBody>
@@ -1998,28 +2014,28 @@
                     <a:bodyPr/>
                     <a:lstStyle/>
                     <a:p>
-                      <a:pPr marR="59055" algn="r">
+                      <a:pPr marR="59055" algn="l">
                         <a:lnSpc>
                           <a:spcPts val="2065"/>
                         </a:lnSpc>
                       </a:pPr>
                       <a:r>
                         <a:rPr sz="1800" spc="-5" dirty="0" smtClean="0">
-                          <a:latin typeface="Arial" panose="020B0604020202020204" pitchFamily="34" charset="0"/>
-                          <a:cs typeface="Arial" panose="020B0604020202020204" pitchFamily="34" charset="0"/>
+                          <a:latin typeface="Times New Roman" panose="02020603050405020304" pitchFamily="18" charset="0"/>
+                          <a:cs typeface="Times New Roman" panose="02020603050405020304" pitchFamily="18" charset="0"/>
                         </a:rPr>
                         <a:t>2210990</a:t>
                       </a:r>
                       <a:r>
                         <a:rPr lang="en-US" sz="1800" spc="-5" dirty="0" smtClean="0">
-                          <a:latin typeface="Arial" panose="020B0604020202020204" pitchFamily="34" charset="0"/>
-                          <a:cs typeface="Arial" panose="020B0604020202020204" pitchFamily="34" charset="0"/>
+                          <a:latin typeface="Times New Roman" panose="02020603050405020304" pitchFamily="18" charset="0"/>
+                          <a:cs typeface="Times New Roman" panose="02020603050405020304" pitchFamily="18" charset="0"/>
                         </a:rPr>
                         <a:t>870</a:t>
                       </a:r>
                       <a:endParaRPr sz="1800" dirty="0">
-                        <a:latin typeface="Arial" panose="020B0604020202020204" pitchFamily="34" charset="0"/>
-                        <a:cs typeface="Arial" panose="020B0604020202020204" pitchFamily="34" charset="0"/>
+                        <a:latin typeface="Times New Roman" panose="02020603050405020304" pitchFamily="18" charset="0"/>
+                        <a:cs typeface="Times New Roman" panose="02020603050405020304" pitchFamily="18" charset="0"/>
                       </a:endParaRPr>
                     </a:p>
                   </a:txBody>
@@ -2055,15 +2071,15 @@
                             <a:schemeClr val="tx1"/>
                           </a:solidFill>
                           <a:effectLst/>
-                          <a:latin typeface="Arial" panose="020B0604020202020204" pitchFamily="34" charset="0"/>
+                          <a:latin typeface="Times New Roman" panose="02020603050405020304" pitchFamily="18" charset="0"/>
                           <a:ea typeface="+mn-ea"/>
-                          <a:cs typeface="Arial" panose="020B0604020202020204" pitchFamily="34" charset="0"/>
+                          <a:cs typeface="Times New Roman" panose="02020603050405020304" pitchFamily="18" charset="0"/>
                         </a:rPr>
                         <a:t>SULABH GARG</a:t>
                       </a:r>
                       <a:endParaRPr lang="en-IN" sz="1800" dirty="0">
-                        <a:latin typeface="Arial" panose="020B0604020202020204" pitchFamily="34" charset="0"/>
-                        <a:cs typeface="Arial" panose="020B0604020202020204" pitchFamily="34" charset="0"/>
+                        <a:latin typeface="Times New Roman" panose="02020603050405020304" pitchFamily="18" charset="0"/>
+                        <a:cs typeface="Times New Roman" panose="02020603050405020304" pitchFamily="18" charset="0"/>
                       </a:endParaRPr>
                     </a:p>
                   </a:txBody>
@@ -2078,7 +2094,7 @@
                     <a:bodyPr/>
                     <a:lstStyle/>
                     <a:p>
-                      <a:pPr marR="31750" algn="r">
+                      <a:pPr marR="31750" algn="l">
                         <a:lnSpc>
                           <a:spcPct val="100000"/>
                         </a:lnSpc>
@@ -2088,21 +2104,21 @@
                       </a:pPr>
                       <a:r>
                         <a:rPr sz="1800" spc="-5" dirty="0" smtClean="0">
-                          <a:latin typeface="Arial" panose="020B0604020202020204" pitchFamily="34" charset="0"/>
-                          <a:cs typeface="Arial" panose="020B0604020202020204" pitchFamily="34" charset="0"/>
+                          <a:latin typeface="Times New Roman" panose="02020603050405020304" pitchFamily="18" charset="0"/>
+                          <a:cs typeface="Times New Roman" panose="02020603050405020304" pitchFamily="18" charset="0"/>
                         </a:rPr>
                         <a:t>2210990</a:t>
                       </a:r>
                       <a:r>
                         <a:rPr lang="en-US" sz="1800" spc="-5" dirty="0" smtClean="0">
-                          <a:latin typeface="Arial" panose="020B0604020202020204" pitchFamily="34" charset="0"/>
-                          <a:cs typeface="Arial" panose="020B0604020202020204" pitchFamily="34" charset="0"/>
+                          <a:latin typeface="Times New Roman" panose="02020603050405020304" pitchFamily="18" charset="0"/>
+                          <a:cs typeface="Times New Roman" panose="02020603050405020304" pitchFamily="18" charset="0"/>
                         </a:rPr>
                         <a:t>871</a:t>
                       </a:r>
                       <a:endParaRPr sz="1800" dirty="0">
-                        <a:latin typeface="Arial" panose="020B0604020202020204" pitchFamily="34" charset="0"/>
-                        <a:cs typeface="Arial" panose="020B0604020202020204" pitchFamily="34" charset="0"/>
+                        <a:latin typeface="Times New Roman" panose="02020603050405020304" pitchFamily="18" charset="0"/>
+                        <a:cs typeface="Times New Roman" panose="02020603050405020304" pitchFamily="18" charset="0"/>
                       </a:endParaRPr>
                     </a:p>
                   </a:txBody>
@@ -2134,14 +2150,14 @@
                       </a:pPr>
                       <a:r>
                         <a:rPr lang="en-IN" sz="1800" spc="-5" dirty="0" smtClean="0">
-                          <a:latin typeface="Arial" panose="020B0604020202020204" pitchFamily="34" charset="0"/>
-                          <a:cs typeface="Arial" panose="020B0604020202020204" pitchFamily="34" charset="0"/>
+                          <a:latin typeface="Times New Roman" panose="02020603050405020304" pitchFamily="18" charset="0"/>
+                          <a:cs typeface="Times New Roman" panose="02020603050405020304" pitchFamily="18" charset="0"/>
                         </a:rPr>
                         <a:t>SUMAN RANJAN</a:t>
                       </a:r>
                       <a:endParaRPr lang="en-IN" sz="1800" dirty="0">
-                        <a:latin typeface="Arial" panose="020B0604020202020204" pitchFamily="34" charset="0"/>
-                        <a:cs typeface="Arial" panose="020B0604020202020204" pitchFamily="34" charset="0"/>
+                        <a:latin typeface="Times New Roman" panose="02020603050405020304" pitchFamily="18" charset="0"/>
+                        <a:cs typeface="Times New Roman" panose="02020603050405020304" pitchFamily="18" charset="0"/>
                       </a:endParaRPr>
                     </a:p>
                   </a:txBody>
@@ -2156,7 +2172,7 @@
                     <a:bodyPr/>
                     <a:lstStyle/>
                     <a:p>
-                      <a:pPr marR="40640" algn="r">
+                      <a:pPr marR="40640" algn="l">
                         <a:lnSpc>
                           <a:spcPts val="2080"/>
                         </a:lnSpc>
@@ -2166,21 +2182,21 @@
                       </a:pPr>
                       <a:r>
                         <a:rPr sz="1800" spc="-5" dirty="0" smtClean="0">
-                          <a:latin typeface="Arial" panose="020B0604020202020204" pitchFamily="34" charset="0"/>
-                          <a:cs typeface="Arial" panose="020B0604020202020204" pitchFamily="34" charset="0"/>
+                          <a:latin typeface="Times New Roman" panose="02020603050405020304" pitchFamily="18" charset="0"/>
+                          <a:cs typeface="Times New Roman" panose="02020603050405020304" pitchFamily="18" charset="0"/>
                         </a:rPr>
                         <a:t>2210990</a:t>
                       </a:r>
                       <a:r>
                         <a:rPr lang="en-US" sz="1800" spc="-5" dirty="0" smtClean="0">
-                          <a:latin typeface="Arial" panose="020B0604020202020204" pitchFamily="34" charset="0"/>
-                          <a:cs typeface="Arial" panose="020B0604020202020204" pitchFamily="34" charset="0"/>
+                          <a:latin typeface="Times New Roman" panose="02020603050405020304" pitchFamily="18" charset="0"/>
+                          <a:cs typeface="Times New Roman" panose="02020603050405020304" pitchFamily="18" charset="0"/>
                         </a:rPr>
                         <a:t>872</a:t>
                       </a:r>
                       <a:endParaRPr sz="1800" dirty="0">
-                        <a:latin typeface="Arial" panose="020B0604020202020204" pitchFamily="34" charset="0"/>
-                        <a:cs typeface="Arial" panose="020B0604020202020204" pitchFamily="34" charset="0"/>
+                        <a:latin typeface="Times New Roman" panose="02020603050405020304" pitchFamily="18" charset="0"/>
+                        <a:cs typeface="Times New Roman" panose="02020603050405020304" pitchFamily="18" charset="0"/>
                       </a:endParaRPr>
                     </a:p>
                   </a:txBody>
@@ -2208,8 +2224,8 @@
         </p:nvSpPr>
         <p:spPr>
           <a:xfrm>
-            <a:off x="1453831" y="4387111"/>
-            <a:ext cx="6236335" cy="2018501"/>
+            <a:off x="1453830" y="5324637"/>
+            <a:ext cx="6236335" cy="628377"/>
           </a:xfrm>
           <a:prstGeom prst="rect">
             <a:avLst/>
@@ -2221,252 +2237,285 @@
           </a:bodyPr>
           <a:lstStyle/>
           <a:p>
-            <a:pPr marL="1020444">
-              <a:lnSpc>
-                <a:spcPct val="100000"/>
-              </a:lnSpc>
-              <a:spcBef>
-                <a:spcPts val="100"/>
-              </a:spcBef>
-            </a:pPr>
-            <a:r>
-              <a:rPr sz="2000" b="1" spc="40" dirty="0">
-                <a:latin typeface="Roboto Bk"/>
-                <a:cs typeface="Roboto Bk"/>
-              </a:rPr>
-              <a:t>Faculty</a:t>
-            </a:r>
-            <a:r>
-              <a:rPr sz="2000" b="1" dirty="0">
-                <a:latin typeface="Roboto Bk"/>
-                <a:cs typeface="Roboto Bk"/>
-              </a:rPr>
-              <a:t> </a:t>
-            </a:r>
-            <a:r>
-              <a:rPr sz="2000" b="1" spc="70" dirty="0">
-                <a:latin typeface="Roboto Bk"/>
-                <a:cs typeface="Roboto Bk"/>
-              </a:rPr>
-              <a:t>Coordinator:</a:t>
-            </a:r>
-            <a:r>
-              <a:rPr lang="en-US" sz="2000" b="1" spc="70" dirty="0">
-                <a:latin typeface="Roboto Bk"/>
-                <a:cs typeface="Roboto Bk"/>
-              </a:rPr>
-              <a:t> </a:t>
-            </a:r>
-          </a:p>
-          <a:p>
-            <a:pPr marL="1020444">
-              <a:lnSpc>
-                <a:spcPct val="100000"/>
-              </a:lnSpc>
-              <a:spcBef>
-                <a:spcPts val="100"/>
-              </a:spcBef>
-            </a:pPr>
-            <a:r>
-              <a:rPr lang="en-IN" dirty="0">
-                <a:latin typeface="Arial MT"/>
-                <a:cs typeface="Arial MT"/>
-              </a:rPr>
-              <a:t>Dr </a:t>
-            </a:r>
-            <a:r>
-              <a:rPr lang="en-IN" dirty="0" err="1">
-                <a:latin typeface="Arial MT"/>
-                <a:cs typeface="Arial MT"/>
-              </a:rPr>
-              <a:t>Vikas</a:t>
-            </a:r>
-            <a:r>
-              <a:rPr lang="en-IN" dirty="0">
-                <a:latin typeface="Arial MT"/>
-                <a:cs typeface="Arial MT"/>
-              </a:rPr>
-              <a:t> </a:t>
-            </a:r>
-            <a:r>
-              <a:rPr lang="en-IN" dirty="0" smtClean="0">
-                <a:latin typeface="Arial MT"/>
-                <a:cs typeface="Arial MT"/>
-              </a:rPr>
-              <a:t>Solanki</a:t>
-            </a:r>
-            <a:endParaRPr dirty="0">
-              <a:latin typeface="Arial MT"/>
-              <a:cs typeface="Arial MT"/>
-            </a:endParaRPr>
-          </a:p>
-          <a:p>
-            <a:pPr>
+            <a:pPr marL="12700" marR="5080" algn="ctr">
               <a:lnSpc>
                 <a:spcPct val="100000"/>
               </a:lnSpc>
             </a:pPr>
+            <a:r>
+              <a:rPr sz="2000" b="1" spc="160" dirty="0" err="1" smtClean="0">
+                <a:solidFill>
+                  <a:srgbClr val="FF0000"/>
+                </a:solidFill>
+                <a:latin typeface="Times New Roman" panose="02020603050405020304" pitchFamily="18" charset="0"/>
+                <a:cs typeface="Times New Roman" panose="02020603050405020304" pitchFamily="18" charset="0"/>
+              </a:rPr>
+              <a:t>Chitkara</a:t>
+            </a:r>
+            <a:r>
+              <a:rPr sz="2000" b="1" spc="15" dirty="0" smtClean="0">
+                <a:solidFill>
+                  <a:srgbClr val="FF0000"/>
+                </a:solidFill>
+                <a:latin typeface="Times New Roman" panose="02020603050405020304" pitchFamily="18" charset="0"/>
+                <a:cs typeface="Times New Roman" panose="02020603050405020304" pitchFamily="18" charset="0"/>
+              </a:rPr>
+              <a:t> </a:t>
+            </a:r>
+            <a:r>
+              <a:rPr sz="2000" b="1" spc="145" dirty="0">
+                <a:solidFill>
+                  <a:srgbClr val="FF0000"/>
+                </a:solidFill>
+                <a:latin typeface="Times New Roman" panose="02020603050405020304" pitchFamily="18" charset="0"/>
+                <a:cs typeface="Times New Roman" panose="02020603050405020304" pitchFamily="18" charset="0"/>
+              </a:rPr>
+              <a:t>University</a:t>
+            </a:r>
+            <a:r>
+              <a:rPr sz="2000" b="1" spc="15" dirty="0">
+                <a:solidFill>
+                  <a:srgbClr val="FF0000"/>
+                </a:solidFill>
+                <a:latin typeface="Times New Roman" panose="02020603050405020304" pitchFamily="18" charset="0"/>
+                <a:cs typeface="Times New Roman" panose="02020603050405020304" pitchFamily="18" charset="0"/>
+              </a:rPr>
+              <a:t> </a:t>
+            </a:r>
+            <a:r>
+              <a:rPr sz="2000" b="1" spc="125" dirty="0">
+                <a:solidFill>
+                  <a:srgbClr val="FF0000"/>
+                </a:solidFill>
+                <a:latin typeface="Times New Roman" panose="02020603050405020304" pitchFamily="18" charset="0"/>
+                <a:cs typeface="Times New Roman" panose="02020603050405020304" pitchFamily="18" charset="0"/>
+              </a:rPr>
+              <a:t>Institute</a:t>
+            </a:r>
+            <a:r>
+              <a:rPr sz="2000" b="1" spc="15" dirty="0">
+                <a:solidFill>
+                  <a:srgbClr val="FF0000"/>
+                </a:solidFill>
+                <a:latin typeface="Times New Roman" panose="02020603050405020304" pitchFamily="18" charset="0"/>
+                <a:cs typeface="Times New Roman" panose="02020603050405020304" pitchFamily="18" charset="0"/>
+              </a:rPr>
+              <a:t> </a:t>
+            </a:r>
+            <a:r>
+              <a:rPr sz="2000" b="1" spc="100" dirty="0">
+                <a:solidFill>
+                  <a:srgbClr val="FF0000"/>
+                </a:solidFill>
+                <a:latin typeface="Times New Roman" panose="02020603050405020304" pitchFamily="18" charset="0"/>
+                <a:cs typeface="Times New Roman" panose="02020603050405020304" pitchFamily="18" charset="0"/>
+              </a:rPr>
+              <a:t>of</a:t>
+            </a:r>
+            <a:r>
+              <a:rPr sz="2000" b="1" spc="20" dirty="0">
+                <a:solidFill>
+                  <a:srgbClr val="FF0000"/>
+                </a:solidFill>
+                <a:latin typeface="Times New Roman" panose="02020603050405020304" pitchFamily="18" charset="0"/>
+                <a:cs typeface="Times New Roman" panose="02020603050405020304" pitchFamily="18" charset="0"/>
+              </a:rPr>
+              <a:t> </a:t>
+            </a:r>
+            <a:r>
+              <a:rPr sz="2000" b="1" spc="145" dirty="0">
+                <a:solidFill>
+                  <a:srgbClr val="FF0000"/>
+                </a:solidFill>
+                <a:latin typeface="Times New Roman" panose="02020603050405020304" pitchFamily="18" charset="0"/>
+                <a:cs typeface="Times New Roman" panose="02020603050405020304" pitchFamily="18" charset="0"/>
+              </a:rPr>
+              <a:t>Engineering</a:t>
+            </a:r>
+            <a:r>
+              <a:rPr sz="2000" b="1" spc="15" dirty="0">
+                <a:solidFill>
+                  <a:srgbClr val="FF0000"/>
+                </a:solidFill>
+                <a:latin typeface="Times New Roman" panose="02020603050405020304" pitchFamily="18" charset="0"/>
+                <a:cs typeface="Times New Roman" panose="02020603050405020304" pitchFamily="18" charset="0"/>
+              </a:rPr>
+              <a:t> </a:t>
+            </a:r>
+            <a:r>
+              <a:rPr sz="2000" b="1" spc="160" dirty="0">
+                <a:solidFill>
+                  <a:srgbClr val="FF0000"/>
+                </a:solidFill>
+                <a:latin typeface="Times New Roman" panose="02020603050405020304" pitchFamily="18" charset="0"/>
+                <a:cs typeface="Times New Roman" panose="02020603050405020304" pitchFamily="18" charset="0"/>
+              </a:rPr>
+              <a:t>and </a:t>
+            </a:r>
+            <a:r>
+              <a:rPr sz="2000" b="1" spc="-484" dirty="0">
+                <a:solidFill>
+                  <a:srgbClr val="FF0000"/>
+                </a:solidFill>
+                <a:latin typeface="Times New Roman" panose="02020603050405020304" pitchFamily="18" charset="0"/>
+                <a:cs typeface="Times New Roman" panose="02020603050405020304" pitchFamily="18" charset="0"/>
+              </a:rPr>
+              <a:t> </a:t>
+            </a:r>
+            <a:r>
+              <a:rPr sz="2000" b="1" spc="85" dirty="0">
+                <a:solidFill>
+                  <a:srgbClr val="FF0000"/>
+                </a:solidFill>
+                <a:latin typeface="Times New Roman" panose="02020603050405020304" pitchFamily="18" charset="0"/>
+                <a:cs typeface="Times New Roman" panose="02020603050405020304" pitchFamily="18" charset="0"/>
+              </a:rPr>
+              <a:t>Technology</a:t>
+            </a:r>
+            <a:r>
+              <a:rPr lang="en-US" sz="2000" b="1" spc="85" dirty="0">
+                <a:solidFill>
+                  <a:srgbClr val="FF0000"/>
+                </a:solidFill>
+                <a:latin typeface="Times New Roman" panose="02020603050405020304" pitchFamily="18" charset="0"/>
+                <a:cs typeface="Times New Roman" panose="02020603050405020304" pitchFamily="18" charset="0"/>
+              </a:rPr>
+              <a:t>, </a:t>
+            </a:r>
+            <a:r>
+              <a:rPr sz="2000" b="1" spc="160" dirty="0" err="1">
+                <a:solidFill>
+                  <a:srgbClr val="FF0000"/>
+                </a:solidFill>
+                <a:latin typeface="Times New Roman" panose="02020603050405020304" pitchFamily="18" charset="0"/>
+                <a:cs typeface="Times New Roman" panose="02020603050405020304" pitchFamily="18" charset="0"/>
+              </a:rPr>
+              <a:t>Chitkara</a:t>
+            </a:r>
+            <a:r>
+              <a:rPr sz="2000" b="1" dirty="0">
+                <a:solidFill>
+                  <a:srgbClr val="FF0000"/>
+                </a:solidFill>
+                <a:latin typeface="Times New Roman" panose="02020603050405020304" pitchFamily="18" charset="0"/>
+                <a:cs typeface="Times New Roman" panose="02020603050405020304" pitchFamily="18" charset="0"/>
+              </a:rPr>
+              <a:t> </a:t>
+            </a:r>
+            <a:r>
+              <a:rPr sz="2000" b="1" spc="120" dirty="0">
+                <a:solidFill>
+                  <a:srgbClr val="FF0000"/>
+                </a:solidFill>
+                <a:latin typeface="Times New Roman" panose="02020603050405020304" pitchFamily="18" charset="0"/>
+                <a:cs typeface="Times New Roman" panose="02020603050405020304" pitchFamily="18" charset="0"/>
+              </a:rPr>
+              <a:t>University,</a:t>
+            </a:r>
+            <a:r>
+              <a:rPr sz="2000" b="1" dirty="0">
+                <a:solidFill>
+                  <a:srgbClr val="FF0000"/>
+                </a:solidFill>
+                <a:latin typeface="Times New Roman" panose="02020603050405020304" pitchFamily="18" charset="0"/>
+                <a:cs typeface="Times New Roman" panose="02020603050405020304" pitchFamily="18" charset="0"/>
+              </a:rPr>
+              <a:t> </a:t>
+            </a:r>
+            <a:r>
+              <a:rPr sz="2000" b="1" spc="140" dirty="0">
+                <a:solidFill>
+                  <a:srgbClr val="FF0000"/>
+                </a:solidFill>
+                <a:latin typeface="Times New Roman" panose="02020603050405020304" pitchFamily="18" charset="0"/>
+                <a:cs typeface="Times New Roman" panose="02020603050405020304" pitchFamily="18" charset="0"/>
+              </a:rPr>
+              <a:t>Punjab</a:t>
+            </a:r>
             <a:endParaRPr sz="2000" dirty="0">
-              <a:latin typeface="Arial MT"/>
-              <a:cs typeface="Arial MT"/>
+              <a:solidFill>
+                <a:srgbClr val="FF0000"/>
+              </a:solidFill>
+              <a:latin typeface="Times New Roman" panose="02020603050405020304" pitchFamily="18" charset="0"/>
+              <a:cs typeface="Times New Roman" panose="02020603050405020304" pitchFamily="18" charset="0"/>
             </a:endParaRPr>
           </a:p>
-          <a:p>
-            <a:pPr>
-              <a:lnSpc>
-                <a:spcPct val="100000"/>
-              </a:lnSpc>
-              <a:spcBef>
-                <a:spcPts val="35"/>
-              </a:spcBef>
-            </a:pPr>
-            <a:endParaRPr sz="2950" dirty="0">
-              <a:latin typeface="Arial MT"/>
-              <a:cs typeface="Arial MT"/>
-            </a:endParaRPr>
-          </a:p>
-          <a:p>
-            <a:pPr marL="12700" marR="5080">
-              <a:lnSpc>
-                <a:spcPct val="100000"/>
-              </a:lnSpc>
-            </a:pPr>
-            <a:r>
-              <a:rPr sz="2000" b="1" spc="160" dirty="0">
-                <a:latin typeface="Roboto"/>
-                <a:cs typeface="Roboto"/>
-              </a:rPr>
-              <a:t>Chitkara</a:t>
-            </a:r>
-            <a:r>
-              <a:rPr sz="2000" b="1" spc="15" dirty="0">
-                <a:latin typeface="Roboto"/>
-                <a:cs typeface="Roboto"/>
+        </p:txBody>
+      </p:sp>
+      <p:sp>
+        <p:nvSpPr>
+          <p:cNvPr id="9" name="TextBox 8"/>
+          <p:cNvSpPr txBox="1"/>
+          <p:nvPr/>
+        </p:nvSpPr>
+        <p:spPr>
+          <a:xfrm>
+            <a:off x="2274460" y="4495800"/>
+            <a:ext cx="4812140" cy="369332"/>
+          </a:xfrm>
+          <a:prstGeom prst="rect">
+            <a:avLst/>
+          </a:prstGeom>
+          <a:noFill/>
+        </p:spPr>
+        <p:txBody>
+          <a:bodyPr wrap="square" rtlCol="0">
+            <a:spAutoFit/>
+          </a:bodyPr>
+          <a:lstStyle/>
+          <a:p>
+            <a:r>
+              <a:rPr lang="en-US" b="1" dirty="0">
+                <a:latin typeface="Times New Roman" panose="02020603050405020304" pitchFamily="18" charset="0"/>
+                <a:cs typeface="Times New Roman" panose="02020603050405020304" pitchFamily="18" charset="0"/>
+              </a:rPr>
+              <a:t>Faculty Coordinator</a:t>
+            </a:r>
+            <a:r>
+              <a:rPr lang="en-US" dirty="0">
+                <a:latin typeface="Times New Roman" panose="02020603050405020304" pitchFamily="18" charset="0"/>
+                <a:cs typeface="Times New Roman" panose="02020603050405020304" pitchFamily="18" charset="0"/>
+              </a:rPr>
+              <a:t>: </a:t>
+            </a:r>
+            <a:r>
+              <a:rPr lang="en-US" dirty="0" err="1">
+                <a:latin typeface="Times New Roman" panose="02020603050405020304" pitchFamily="18" charset="0"/>
+                <a:cs typeface="Times New Roman" panose="02020603050405020304" pitchFamily="18" charset="0"/>
+              </a:rPr>
+              <a:t>Dr</a:t>
+            </a:r>
+            <a:r>
+              <a:rPr lang="en-US" dirty="0">
+                <a:latin typeface="Times New Roman" panose="02020603050405020304" pitchFamily="18" charset="0"/>
+                <a:cs typeface="Times New Roman" panose="02020603050405020304" pitchFamily="18" charset="0"/>
               </a:rPr>
               <a:t> </a:t>
             </a:r>
             <a:r>
-              <a:rPr sz="2000" b="1" spc="145" dirty="0">
-                <a:latin typeface="Roboto"/>
-                <a:cs typeface="Roboto"/>
-              </a:rPr>
-              <a:t>University</a:t>
-            </a:r>
-            <a:r>
-              <a:rPr sz="2000" b="1" spc="15" dirty="0">
-                <a:latin typeface="Roboto"/>
-                <a:cs typeface="Roboto"/>
+              <a:rPr lang="en-US" dirty="0" err="1">
+                <a:latin typeface="Times New Roman" panose="02020603050405020304" pitchFamily="18" charset="0"/>
+                <a:cs typeface="Times New Roman" panose="02020603050405020304" pitchFamily="18" charset="0"/>
+              </a:rPr>
+              <a:t>Vikas</a:t>
+            </a:r>
+            <a:r>
+              <a:rPr lang="en-US" dirty="0">
+                <a:latin typeface="Times New Roman" panose="02020603050405020304" pitchFamily="18" charset="0"/>
+                <a:cs typeface="Times New Roman" panose="02020603050405020304" pitchFamily="18" charset="0"/>
               </a:rPr>
               <a:t> </a:t>
             </a:r>
             <a:r>
-              <a:rPr sz="2000" b="1" spc="125" dirty="0">
-                <a:latin typeface="Roboto"/>
-                <a:cs typeface="Roboto"/>
-              </a:rPr>
-              <a:t>Institute</a:t>
-            </a:r>
-            <a:r>
-              <a:rPr sz="2000" b="1" spc="15" dirty="0">
-                <a:latin typeface="Roboto"/>
-                <a:cs typeface="Roboto"/>
-              </a:rPr>
-              <a:t> </a:t>
-            </a:r>
-            <a:r>
-              <a:rPr sz="2000" b="1" spc="100" dirty="0">
-                <a:latin typeface="Roboto"/>
-                <a:cs typeface="Roboto"/>
-              </a:rPr>
-              <a:t>of</a:t>
-            </a:r>
-            <a:r>
-              <a:rPr sz="2000" b="1" spc="20" dirty="0">
-                <a:latin typeface="Roboto"/>
-                <a:cs typeface="Roboto"/>
-              </a:rPr>
-              <a:t> </a:t>
-            </a:r>
-            <a:r>
-              <a:rPr sz="2000" b="1" spc="145" dirty="0">
-                <a:latin typeface="Roboto"/>
-                <a:cs typeface="Roboto"/>
-              </a:rPr>
-              <a:t>Engineering</a:t>
-            </a:r>
-            <a:r>
-              <a:rPr sz="2000" b="1" spc="15" dirty="0">
-                <a:latin typeface="Roboto"/>
-                <a:cs typeface="Roboto"/>
-              </a:rPr>
-              <a:t> </a:t>
-            </a:r>
-            <a:r>
-              <a:rPr sz="2000" b="1" spc="160" dirty="0">
-                <a:latin typeface="Roboto"/>
-                <a:cs typeface="Roboto"/>
-              </a:rPr>
-              <a:t>and </a:t>
-            </a:r>
-            <a:r>
-              <a:rPr sz="2000" b="1" spc="-484" dirty="0">
-                <a:latin typeface="Roboto"/>
-                <a:cs typeface="Roboto"/>
-              </a:rPr>
-              <a:t> </a:t>
-            </a:r>
-            <a:r>
-              <a:rPr sz="2000" b="1" spc="85" dirty="0">
-                <a:latin typeface="Roboto"/>
-                <a:cs typeface="Roboto"/>
-              </a:rPr>
-              <a:t>Technology</a:t>
-            </a:r>
-            <a:r>
-              <a:rPr lang="en-US" sz="2000" b="1" spc="85" dirty="0">
-                <a:latin typeface="Roboto"/>
-                <a:cs typeface="Roboto"/>
-              </a:rPr>
-              <a:t>, </a:t>
-            </a:r>
-            <a:r>
-              <a:rPr sz="2000" b="1" spc="160" dirty="0" err="1">
-                <a:latin typeface="Roboto"/>
-                <a:cs typeface="Roboto"/>
-              </a:rPr>
-              <a:t>Chitkara</a:t>
-            </a:r>
-            <a:r>
-              <a:rPr sz="2000" b="1" dirty="0">
-                <a:latin typeface="Roboto"/>
-                <a:cs typeface="Roboto"/>
-              </a:rPr>
-              <a:t> </a:t>
-            </a:r>
-            <a:r>
-              <a:rPr sz="2000" b="1" spc="120" dirty="0">
-                <a:latin typeface="Roboto"/>
-                <a:cs typeface="Roboto"/>
-              </a:rPr>
-              <a:t>University,</a:t>
-            </a:r>
-            <a:r>
-              <a:rPr sz="2000" b="1" dirty="0">
-                <a:latin typeface="Roboto"/>
-                <a:cs typeface="Roboto"/>
-              </a:rPr>
-              <a:t> </a:t>
-            </a:r>
-            <a:r>
-              <a:rPr sz="2000" b="1" spc="140" dirty="0">
-                <a:latin typeface="Roboto"/>
-                <a:cs typeface="Roboto"/>
-              </a:rPr>
-              <a:t>Punjab</a:t>
-            </a:r>
-            <a:endParaRPr sz="2000" dirty="0">
-              <a:latin typeface="Roboto"/>
-              <a:cs typeface="Roboto"/>
+              <a:rPr lang="en-US" dirty="0" smtClean="0">
+                <a:latin typeface="Times New Roman" panose="02020603050405020304" pitchFamily="18" charset="0"/>
+                <a:cs typeface="Times New Roman" panose="02020603050405020304" pitchFamily="18" charset="0"/>
+              </a:rPr>
+              <a:t>Solanki</a:t>
+            </a:r>
+            <a:endParaRPr lang="en-US" dirty="0">
+              <a:latin typeface="Times New Roman" panose="02020603050405020304" pitchFamily="18" charset="0"/>
+              <a:cs typeface="Times New Roman" panose="02020603050405020304" pitchFamily="18" charset="0"/>
             </a:endParaRPr>
           </a:p>
         </p:txBody>
@@ -2505,7 +2554,7 @@
         <p:spPr>
           <a:xfrm>
             <a:off x="381000" y="1295400"/>
-            <a:ext cx="8229600" cy="2677656"/>
+            <a:ext cx="8229600" cy="3108543"/>
           </a:xfrm>
           <a:prstGeom prst="rect">
             <a:avLst/>
@@ -2519,91 +2568,106 @@
           <a:lstStyle/>
           <a:p>
             <a:r>
-              <a:rPr lang="en-US" sz="2400" dirty="0">
-                <a:latin typeface="Arial MT"/>
+              <a:rPr lang="en-US" sz="2800" dirty="0">
+                <a:latin typeface="Times New Roman" panose="02020603050405020304" pitchFamily="18" charset="0"/>
+                <a:cs typeface="Times New Roman" panose="02020603050405020304" pitchFamily="18" charset="0"/>
               </a:rPr>
               <a:t>The social share buttons project is an </a:t>
             </a:r>
             <a:r>
-              <a:rPr lang="en-US" sz="2400" dirty="0" smtClean="0">
-                <a:latin typeface="Arial MT"/>
+              <a:rPr lang="en-US" sz="2800" dirty="0" smtClean="0">
+                <a:latin typeface="Times New Roman" panose="02020603050405020304" pitchFamily="18" charset="0"/>
+                <a:cs typeface="Times New Roman" panose="02020603050405020304" pitchFamily="18" charset="0"/>
               </a:rPr>
               <a:t>excellent </a:t>
             </a:r>
             <a:r>
-              <a:rPr lang="en-US" sz="2400" dirty="0">
-                <a:latin typeface="Arial MT"/>
+              <a:rPr lang="en-US" sz="2800" dirty="0">
+                <a:latin typeface="Times New Roman" panose="02020603050405020304" pitchFamily="18" charset="0"/>
+                <a:cs typeface="Times New Roman" panose="02020603050405020304" pitchFamily="18" charset="0"/>
               </a:rPr>
               <a:t>solution for website owners who </a:t>
             </a:r>
             <a:r>
-              <a:rPr lang="en-US" sz="2400" dirty="0" smtClean="0">
-                <a:latin typeface="Arial MT"/>
+              <a:rPr lang="en-US" sz="2800" dirty="0" smtClean="0">
+                <a:latin typeface="Times New Roman" panose="02020603050405020304" pitchFamily="18" charset="0"/>
+                <a:cs typeface="Times New Roman" panose="02020603050405020304" pitchFamily="18" charset="0"/>
               </a:rPr>
               <a:t>want </a:t>
             </a:r>
             <a:r>
-              <a:rPr lang="en-US" sz="2400" dirty="0">
-                <a:latin typeface="Arial MT"/>
+              <a:rPr lang="en-US" sz="2800" dirty="0">
+                <a:latin typeface="Times New Roman" panose="02020603050405020304" pitchFamily="18" charset="0"/>
+                <a:cs typeface="Times New Roman" panose="02020603050405020304" pitchFamily="18" charset="0"/>
               </a:rPr>
               <a:t>to increase their online presence and </a:t>
             </a:r>
             <a:r>
-              <a:rPr lang="en-US" sz="2400" dirty="0" smtClean="0">
-                <a:latin typeface="Arial MT"/>
+              <a:rPr lang="en-US" sz="2800" dirty="0" smtClean="0">
+                <a:latin typeface="Times New Roman" panose="02020603050405020304" pitchFamily="18" charset="0"/>
+                <a:cs typeface="Times New Roman" panose="02020603050405020304" pitchFamily="18" charset="0"/>
               </a:rPr>
               <a:t>attract </a:t>
             </a:r>
             <a:r>
-              <a:rPr lang="en-US" sz="2400" dirty="0">
-                <a:latin typeface="Arial MT"/>
+              <a:rPr lang="en-US" sz="2800" dirty="0">
+                <a:latin typeface="Times New Roman" panose="02020603050405020304" pitchFamily="18" charset="0"/>
+                <a:cs typeface="Times New Roman" panose="02020603050405020304" pitchFamily="18" charset="0"/>
               </a:rPr>
               <a:t>more visitors to their site. The </a:t>
             </a:r>
             <a:r>
-              <a:rPr lang="en-US" sz="2400" dirty="0" smtClean="0">
-                <a:latin typeface="Arial MT"/>
+              <a:rPr lang="en-US" sz="2800" dirty="0" smtClean="0">
+                <a:latin typeface="Times New Roman" panose="02020603050405020304" pitchFamily="18" charset="0"/>
+                <a:cs typeface="Times New Roman" panose="02020603050405020304" pitchFamily="18" charset="0"/>
               </a:rPr>
               <a:t>project </a:t>
             </a:r>
             <a:r>
-              <a:rPr lang="en-US" sz="2400" dirty="0">
-                <a:latin typeface="Arial MT"/>
+              <a:rPr lang="en-US" sz="2800" dirty="0">
+                <a:latin typeface="Times New Roman" panose="02020603050405020304" pitchFamily="18" charset="0"/>
+                <a:cs typeface="Times New Roman" panose="02020603050405020304" pitchFamily="18" charset="0"/>
               </a:rPr>
               <a:t>is easy to use, visually appealing, and </a:t>
             </a:r>
             <a:r>
-              <a:rPr lang="en-US" sz="2400" dirty="0" smtClean="0">
-                <a:latin typeface="Arial MT"/>
+              <a:rPr lang="en-US" sz="2800" dirty="0" smtClean="0">
+                <a:latin typeface="Times New Roman" panose="02020603050405020304" pitchFamily="18" charset="0"/>
+                <a:cs typeface="Times New Roman" panose="02020603050405020304" pitchFamily="18" charset="0"/>
               </a:rPr>
               <a:t>supports </a:t>
             </a:r>
             <a:r>
-              <a:rPr lang="en-US" sz="2400" dirty="0">
-                <a:latin typeface="Arial MT"/>
+              <a:rPr lang="en-US" sz="2800" dirty="0">
+                <a:latin typeface="Times New Roman" panose="02020603050405020304" pitchFamily="18" charset="0"/>
+                <a:cs typeface="Times New Roman" panose="02020603050405020304" pitchFamily="18" charset="0"/>
               </a:rPr>
               <a:t>a wide range of social media </a:t>
             </a:r>
             <a:r>
-              <a:rPr lang="en-US" sz="2400" dirty="0" smtClean="0">
-                <a:latin typeface="Arial MT"/>
+              <a:rPr lang="en-US" sz="2800" dirty="0" smtClean="0">
+                <a:latin typeface="Times New Roman" panose="02020603050405020304" pitchFamily="18" charset="0"/>
+                <a:cs typeface="Times New Roman" panose="02020603050405020304" pitchFamily="18" charset="0"/>
               </a:rPr>
               <a:t>platforms</a:t>
             </a:r>
             <a:r>
-              <a:rPr lang="en-US" sz="2400" dirty="0">
-                <a:latin typeface="Arial MT"/>
+              <a:rPr lang="en-US" sz="2800" dirty="0">
+                <a:latin typeface="Times New Roman" panose="02020603050405020304" pitchFamily="18" charset="0"/>
+                <a:cs typeface="Times New Roman" panose="02020603050405020304" pitchFamily="18" charset="0"/>
               </a:rPr>
               <a:t>. </a:t>
             </a:r>
             <a:r>
-              <a:rPr lang="en-US" sz="2400" dirty="0" smtClean="0">
-                <a:latin typeface="Arial MT"/>
+              <a:rPr lang="en-US" sz="2800" dirty="0" smtClean="0">
+                <a:latin typeface="Times New Roman" panose="02020603050405020304" pitchFamily="18" charset="0"/>
+                <a:cs typeface="Times New Roman" panose="02020603050405020304" pitchFamily="18" charset="0"/>
               </a:rPr>
               <a:t>The use SVG ensures that the icons are of high quality, and the project is easily customizable through CSS.</a:t>
             </a:r>
-            <a:endParaRPr lang="en-US" sz="2400" dirty="0">
-              <a:latin typeface="Arial MT"/>
+            <a:endParaRPr lang="en-US" sz="2800" dirty="0">
+              <a:latin typeface="Times New Roman" panose="02020603050405020304" pitchFamily="18" charset="0"/>
+              <a:cs typeface="Times New Roman" panose="02020603050405020304" pitchFamily="18" charset="0"/>
             </a:endParaRPr>
           </a:p>
         </p:txBody>
@@ -2649,8 +2713,8 @@
                 <a:solidFill>
                   <a:srgbClr val="000000"/>
                 </a:solidFill>
-                <a:latin typeface="Roboto Bk"/>
-                <a:cs typeface="Roboto Bk"/>
+                <a:latin typeface="Times New Roman" panose="02020603050405020304" pitchFamily="18" charset="0"/>
+                <a:cs typeface="Times New Roman" panose="02020603050405020304" pitchFamily="18" charset="0"/>
               </a:rPr>
               <a:t>Conclusion</a:t>
             </a:r>
@@ -2658,8 +2722,8 @@
               <a:solidFill>
                 <a:sysClr val="windowText" lastClr="000000"/>
               </a:solidFill>
-              <a:latin typeface="Roboto Bk"/>
-              <a:cs typeface="Roboto Bk"/>
+              <a:latin typeface="Times New Roman" panose="02020603050405020304" pitchFamily="18" charset="0"/>
+              <a:cs typeface="Times New Roman" panose="02020603050405020304" pitchFamily="18" charset="0"/>
             </a:endParaRPr>
           </a:p>
         </p:txBody>
@@ -2673,6 +2737,874 @@
 </file>
 
 <file path=ppt/slides/slide11.xml><?xml version="1.0" encoding="utf-8"?>
+<p:sld xmlns:a="http://schemas.openxmlformats.org/drawingml/2006/main" xmlns:r="http://schemas.openxmlformats.org/officeDocument/2006/relationships" xmlns:p="http://schemas.openxmlformats.org/presentationml/2006/main">
+  <p:cSld>
+    <p:spTree>
+      <p:nvGrpSpPr>
+        <p:cNvPr id="1" name=""/>
+        <p:cNvGrpSpPr/>
+        <p:nvPr/>
+      </p:nvGrpSpPr>
+      <p:grpSpPr>
+        <a:xfrm>
+          <a:off x="0" y="0"/>
+          <a:ext cx="0" cy="0"/>
+          <a:chOff x="0" y="0"/>
+          <a:chExt cx="0" cy="0"/>
+        </a:xfrm>
+      </p:grpSpPr>
+      <p:pic>
+        <p:nvPicPr>
+          <p:cNvPr id="2" name="Picture 1"/>
+          <p:cNvPicPr>
+            <a:picLocks noChangeAspect="1"/>
+          </p:cNvPicPr>
+          <p:nvPr/>
+        </p:nvPicPr>
+        <p:blipFill>
+          <a:blip r:embed="rId2"/>
+          <a:stretch>
+            <a:fillRect/>
+          </a:stretch>
+        </p:blipFill>
+        <p:spPr>
+          <a:xfrm>
+            <a:off x="1295400" y="1981200"/>
+            <a:ext cx="6299603" cy="3067223"/>
+          </a:xfrm>
+          <a:prstGeom prst="rect">
+            <a:avLst/>
+          </a:prstGeom>
+        </p:spPr>
+      </p:pic>
+      <p:sp>
+        <p:nvSpPr>
+          <p:cNvPr id="4" name="object 2"/>
+          <p:cNvSpPr txBox="1">
+            <a:spLocks/>
+          </p:cNvSpPr>
+          <p:nvPr/>
+        </p:nvSpPr>
+        <p:spPr>
+          <a:xfrm>
+            <a:off x="152400" y="228600"/>
+            <a:ext cx="5211848" cy="513080"/>
+          </a:xfrm>
+          <a:prstGeom prst="rect">
+            <a:avLst/>
+          </a:prstGeom>
+        </p:spPr>
+        <p:txBody>
+          <a:bodyPr vert="horz" wrap="square" lIns="0" tIns="12700" rIns="0" bIns="0" rtlCol="0">
+            <a:spAutoFit/>
+          </a:bodyPr>
+          <a:lstStyle>
+            <a:lvl1pPr>
+              <a:defRPr>
+                <a:latin typeface="+mj-lt"/>
+                <a:ea typeface="+mj-ea"/>
+                <a:cs typeface="+mj-cs"/>
+              </a:defRPr>
+            </a:lvl1pPr>
+          </a:lstStyle>
+          <a:p>
+            <a:pPr marL="12700">
+              <a:spcBef>
+                <a:spcPts val="100"/>
+              </a:spcBef>
+            </a:pPr>
+            <a:r>
+              <a:rPr lang="en-IN" sz="3200" b="1" kern="0" spc="80" dirty="0" smtClean="0">
+                <a:solidFill>
+                  <a:srgbClr val="000000"/>
+                </a:solidFill>
+                <a:latin typeface="Times New Roman" panose="02020603050405020304" pitchFamily="18" charset="0"/>
+                <a:cs typeface="Times New Roman" panose="02020603050405020304" pitchFamily="18" charset="0"/>
+              </a:rPr>
+              <a:t>Result</a:t>
+            </a:r>
+            <a:endParaRPr lang="en-IN" sz="3200" kern="0" dirty="0">
+              <a:solidFill>
+                <a:sysClr val="windowText" lastClr="000000"/>
+              </a:solidFill>
+              <a:latin typeface="Times New Roman" panose="02020603050405020304" pitchFamily="18" charset="0"/>
+              <a:cs typeface="Times New Roman" panose="02020603050405020304" pitchFamily="18" charset="0"/>
+            </a:endParaRPr>
+          </a:p>
+        </p:txBody>
+      </p:sp>
+    </p:spTree>
+    <p:extLst>
+      <p:ext uri="{BB962C8B-B14F-4D97-AF65-F5344CB8AC3E}">
+        <p14:creationId xmlns:p14="http://schemas.microsoft.com/office/powerpoint/2010/main" val="2982453090"/>
+      </p:ext>
+    </p:extLst>
+  </p:cSld>
+  <p:clrMapOvr>
+    <a:masterClrMapping/>
+  </p:clrMapOvr>
+</p:sld>
+</file>
+
+<file path=ppt/slides/slide12.xml><?xml version="1.0" encoding="utf-8"?>
+<p:sld xmlns:a="http://schemas.openxmlformats.org/drawingml/2006/main" xmlns:r="http://schemas.openxmlformats.org/officeDocument/2006/relationships" xmlns:p="http://schemas.openxmlformats.org/presentationml/2006/main">
+  <p:cSld>
+    <p:spTree>
+      <p:nvGrpSpPr>
+        <p:cNvPr id="1" name=""/>
+        <p:cNvGrpSpPr/>
+        <p:nvPr/>
+      </p:nvGrpSpPr>
+      <p:grpSpPr>
+        <a:xfrm>
+          <a:off x="0" y="0"/>
+          <a:ext cx="0" cy="0"/>
+          <a:chOff x="0" y="0"/>
+          <a:chExt cx="0" cy="0"/>
+        </a:xfrm>
+      </p:grpSpPr>
+      <p:sp>
+        <p:nvSpPr>
+          <p:cNvPr id="2" name="object 2"/>
+          <p:cNvSpPr txBox="1">
+            <a:spLocks/>
+          </p:cNvSpPr>
+          <p:nvPr/>
+        </p:nvSpPr>
+        <p:spPr>
+          <a:xfrm>
+            <a:off x="152400" y="228600"/>
+            <a:ext cx="5211848" cy="513080"/>
+          </a:xfrm>
+          <a:prstGeom prst="rect">
+            <a:avLst/>
+          </a:prstGeom>
+        </p:spPr>
+        <p:txBody>
+          <a:bodyPr vert="horz" wrap="square" lIns="0" tIns="12700" rIns="0" bIns="0" rtlCol="0">
+            <a:spAutoFit/>
+          </a:bodyPr>
+          <a:lstStyle>
+            <a:lvl1pPr>
+              <a:defRPr>
+                <a:latin typeface="+mj-lt"/>
+                <a:ea typeface="+mj-ea"/>
+                <a:cs typeface="+mj-cs"/>
+              </a:defRPr>
+            </a:lvl1pPr>
+          </a:lstStyle>
+          <a:p>
+            <a:pPr marL="12700">
+              <a:spcBef>
+                <a:spcPts val="100"/>
+              </a:spcBef>
+            </a:pPr>
+            <a:r>
+              <a:rPr lang="en-IN" sz="3200" b="1" kern="0" spc="80" dirty="0" smtClean="0">
+                <a:solidFill>
+                  <a:srgbClr val="000000"/>
+                </a:solidFill>
+                <a:latin typeface="Times New Roman" panose="02020603050405020304" pitchFamily="18" charset="0"/>
+                <a:cs typeface="Times New Roman" panose="02020603050405020304" pitchFamily="18" charset="0"/>
+              </a:rPr>
+              <a:t>Code Snippet</a:t>
+            </a:r>
+            <a:endParaRPr lang="en-IN" sz="3200" kern="0" dirty="0">
+              <a:solidFill>
+                <a:sysClr val="windowText" lastClr="000000"/>
+              </a:solidFill>
+              <a:latin typeface="Times New Roman" panose="02020603050405020304" pitchFamily="18" charset="0"/>
+              <a:cs typeface="Times New Roman" panose="02020603050405020304" pitchFamily="18" charset="0"/>
+            </a:endParaRPr>
+          </a:p>
+        </p:txBody>
+      </p:sp>
+      <p:pic>
+        <p:nvPicPr>
+          <p:cNvPr id="3" name="Picture 2"/>
+          <p:cNvPicPr>
+            <a:picLocks noChangeAspect="1"/>
+          </p:cNvPicPr>
+          <p:nvPr/>
+        </p:nvPicPr>
+        <p:blipFill>
+          <a:blip r:embed="rId2"/>
+          <a:stretch>
+            <a:fillRect/>
+          </a:stretch>
+        </p:blipFill>
+        <p:spPr>
+          <a:xfrm>
+            <a:off x="152400" y="1066800"/>
+            <a:ext cx="5268758" cy="5291599"/>
+          </a:xfrm>
+          <a:prstGeom prst="rect">
+            <a:avLst/>
+          </a:prstGeom>
+        </p:spPr>
+      </p:pic>
+      <p:sp>
+        <p:nvSpPr>
+          <p:cNvPr id="4" name="TextBox 3"/>
+          <p:cNvSpPr txBox="1"/>
+          <p:nvPr/>
+        </p:nvSpPr>
+        <p:spPr>
+          <a:xfrm>
+            <a:off x="5791200" y="1371600"/>
+            <a:ext cx="3048000" cy="2862322"/>
+          </a:xfrm>
+          <a:prstGeom prst="rect">
+            <a:avLst/>
+          </a:prstGeom>
+          <a:noFill/>
+        </p:spPr>
+        <p:txBody>
+          <a:bodyPr wrap="square" rtlCol="0">
+            <a:spAutoFit/>
+          </a:bodyPr>
+          <a:lstStyle/>
+          <a:p>
+            <a:r>
+              <a:rPr lang="en-US" sz="3600" dirty="0" smtClean="0">
+                <a:latin typeface="Times New Roman" panose="02020603050405020304" pitchFamily="18" charset="0"/>
+                <a:cs typeface="Times New Roman" panose="02020603050405020304" pitchFamily="18" charset="0"/>
+              </a:rPr>
+              <a:t>Variable </a:t>
+            </a:r>
+            <a:r>
+              <a:rPr lang="en-US" sz="3600" dirty="0" err="1" smtClean="0">
+                <a:latin typeface="Times New Roman" panose="02020603050405020304" pitchFamily="18" charset="0"/>
+                <a:cs typeface="Times New Roman" panose="02020603050405020304" pitchFamily="18" charset="0"/>
+              </a:rPr>
+              <a:t>fillData</a:t>
+            </a:r>
+            <a:r>
+              <a:rPr lang="en-US" sz="3600" dirty="0" smtClean="0">
+                <a:latin typeface="Times New Roman" panose="02020603050405020304" pitchFamily="18" charset="0"/>
+                <a:cs typeface="Times New Roman" panose="02020603050405020304" pitchFamily="18" charset="0"/>
+              </a:rPr>
+              <a:t> with share buttons title, icon and click action</a:t>
+            </a:r>
+            <a:endParaRPr lang="en-IN" sz="3600" dirty="0">
+              <a:latin typeface="Times New Roman" panose="02020603050405020304" pitchFamily="18" charset="0"/>
+              <a:cs typeface="Times New Roman" panose="02020603050405020304" pitchFamily="18" charset="0"/>
+            </a:endParaRPr>
+          </a:p>
+        </p:txBody>
+      </p:sp>
+    </p:spTree>
+    <p:extLst>
+      <p:ext uri="{BB962C8B-B14F-4D97-AF65-F5344CB8AC3E}">
+        <p14:creationId xmlns:p14="http://schemas.microsoft.com/office/powerpoint/2010/main" val="2534745190"/>
+      </p:ext>
+    </p:extLst>
+  </p:cSld>
+  <p:clrMapOvr>
+    <a:masterClrMapping/>
+  </p:clrMapOvr>
+</p:sld>
+</file>
+
+<file path=ppt/slides/slide13.xml><?xml version="1.0" encoding="utf-8"?>
+<p:sld xmlns:a="http://schemas.openxmlformats.org/drawingml/2006/main" xmlns:r="http://schemas.openxmlformats.org/officeDocument/2006/relationships" xmlns:p="http://schemas.openxmlformats.org/presentationml/2006/main">
+  <p:cSld>
+    <p:spTree>
+      <p:nvGrpSpPr>
+        <p:cNvPr id="1" name=""/>
+        <p:cNvGrpSpPr/>
+        <p:nvPr/>
+      </p:nvGrpSpPr>
+      <p:grpSpPr>
+        <a:xfrm>
+          <a:off x="0" y="0"/>
+          <a:ext cx="0" cy="0"/>
+          <a:chOff x="0" y="0"/>
+          <a:chExt cx="0" cy="0"/>
+        </a:xfrm>
+      </p:grpSpPr>
+      <p:sp>
+        <p:nvSpPr>
+          <p:cNvPr id="2" name="object 2"/>
+          <p:cNvSpPr txBox="1">
+            <a:spLocks/>
+          </p:cNvSpPr>
+          <p:nvPr/>
+        </p:nvSpPr>
+        <p:spPr>
+          <a:xfrm>
+            <a:off x="152400" y="228600"/>
+            <a:ext cx="5211848" cy="513080"/>
+          </a:xfrm>
+          <a:prstGeom prst="rect">
+            <a:avLst/>
+          </a:prstGeom>
+        </p:spPr>
+        <p:txBody>
+          <a:bodyPr vert="horz" wrap="square" lIns="0" tIns="12700" rIns="0" bIns="0" rtlCol="0">
+            <a:spAutoFit/>
+          </a:bodyPr>
+          <a:lstStyle>
+            <a:lvl1pPr>
+              <a:defRPr>
+                <a:latin typeface="+mj-lt"/>
+                <a:ea typeface="+mj-ea"/>
+                <a:cs typeface="+mj-cs"/>
+              </a:defRPr>
+            </a:lvl1pPr>
+          </a:lstStyle>
+          <a:p>
+            <a:pPr marL="12700">
+              <a:spcBef>
+                <a:spcPts val="100"/>
+              </a:spcBef>
+            </a:pPr>
+            <a:r>
+              <a:rPr lang="en-IN" sz="3200" b="1" kern="0" spc="80" dirty="0" smtClean="0">
+                <a:solidFill>
+                  <a:srgbClr val="000000"/>
+                </a:solidFill>
+                <a:latin typeface="Times New Roman" panose="02020603050405020304" pitchFamily="18" charset="0"/>
+                <a:cs typeface="Times New Roman" panose="02020603050405020304" pitchFamily="18" charset="0"/>
+              </a:rPr>
+              <a:t>Code Snippet</a:t>
+            </a:r>
+            <a:endParaRPr lang="en-IN" sz="3200" kern="0" dirty="0">
+              <a:solidFill>
+                <a:sysClr val="windowText" lastClr="000000"/>
+              </a:solidFill>
+              <a:latin typeface="Times New Roman" panose="02020603050405020304" pitchFamily="18" charset="0"/>
+              <a:cs typeface="Times New Roman" panose="02020603050405020304" pitchFamily="18" charset="0"/>
+            </a:endParaRPr>
+          </a:p>
+        </p:txBody>
+      </p:sp>
+      <p:sp>
+        <p:nvSpPr>
+          <p:cNvPr id="4" name="TextBox 3"/>
+          <p:cNvSpPr txBox="1"/>
+          <p:nvPr/>
+        </p:nvSpPr>
+        <p:spPr>
+          <a:xfrm>
+            <a:off x="1756427" y="4385056"/>
+            <a:ext cx="5486400" cy="1200329"/>
+          </a:xfrm>
+          <a:prstGeom prst="rect">
+            <a:avLst/>
+          </a:prstGeom>
+          <a:noFill/>
+        </p:spPr>
+        <p:txBody>
+          <a:bodyPr wrap="square" rtlCol="0">
+            <a:spAutoFit/>
+          </a:bodyPr>
+          <a:lstStyle/>
+          <a:p>
+            <a:pPr algn="ctr"/>
+            <a:r>
+              <a:rPr lang="en-US" sz="3600" dirty="0" smtClean="0">
+                <a:latin typeface="Times New Roman" panose="02020603050405020304" pitchFamily="18" charset="0"/>
+                <a:cs typeface="Times New Roman" panose="02020603050405020304" pitchFamily="18" charset="0"/>
+              </a:rPr>
+              <a:t>Dynamically adding buttons to share modal</a:t>
+            </a:r>
+            <a:endParaRPr lang="en-IN" sz="3600" dirty="0">
+              <a:latin typeface="Times New Roman" panose="02020603050405020304" pitchFamily="18" charset="0"/>
+              <a:cs typeface="Times New Roman" panose="02020603050405020304" pitchFamily="18" charset="0"/>
+            </a:endParaRPr>
+          </a:p>
+        </p:txBody>
+      </p:sp>
+      <p:pic>
+        <p:nvPicPr>
+          <p:cNvPr id="5" name="Picture 4"/>
+          <p:cNvPicPr>
+            <a:picLocks noChangeAspect="1"/>
+          </p:cNvPicPr>
+          <p:nvPr/>
+        </p:nvPicPr>
+        <p:blipFill>
+          <a:blip r:embed="rId2"/>
+          <a:stretch>
+            <a:fillRect/>
+          </a:stretch>
+        </p:blipFill>
+        <p:spPr>
+          <a:xfrm>
+            <a:off x="457200" y="1066800"/>
+            <a:ext cx="8084855" cy="2971800"/>
+          </a:xfrm>
+          <a:prstGeom prst="rect">
+            <a:avLst/>
+          </a:prstGeom>
+        </p:spPr>
+      </p:pic>
+    </p:spTree>
+    <p:extLst>
+      <p:ext uri="{BB962C8B-B14F-4D97-AF65-F5344CB8AC3E}">
+        <p14:creationId xmlns:p14="http://schemas.microsoft.com/office/powerpoint/2010/main" val="708522200"/>
+      </p:ext>
+    </p:extLst>
+  </p:cSld>
+  <p:clrMapOvr>
+    <a:masterClrMapping/>
+  </p:clrMapOvr>
+</p:sld>
+</file>
+
+<file path=ppt/slides/slide14.xml><?xml version="1.0" encoding="utf-8"?>
+<p:sld xmlns:a="http://schemas.openxmlformats.org/drawingml/2006/main" xmlns:r="http://schemas.openxmlformats.org/officeDocument/2006/relationships" xmlns:p="http://schemas.openxmlformats.org/presentationml/2006/main">
+  <p:cSld>
+    <p:spTree>
+      <p:nvGrpSpPr>
+        <p:cNvPr id="1" name=""/>
+        <p:cNvGrpSpPr/>
+        <p:nvPr/>
+      </p:nvGrpSpPr>
+      <p:grpSpPr>
+        <a:xfrm>
+          <a:off x="0" y="0"/>
+          <a:ext cx="0" cy="0"/>
+          <a:chOff x="0" y="0"/>
+          <a:chExt cx="0" cy="0"/>
+        </a:xfrm>
+      </p:grpSpPr>
+      <p:sp>
+        <p:nvSpPr>
+          <p:cNvPr id="2" name="object 2"/>
+          <p:cNvSpPr txBox="1">
+            <a:spLocks/>
+          </p:cNvSpPr>
+          <p:nvPr/>
+        </p:nvSpPr>
+        <p:spPr>
+          <a:xfrm>
+            <a:off x="152400" y="228600"/>
+            <a:ext cx="5211848" cy="513080"/>
+          </a:xfrm>
+          <a:prstGeom prst="rect">
+            <a:avLst/>
+          </a:prstGeom>
+        </p:spPr>
+        <p:txBody>
+          <a:bodyPr vert="horz" wrap="square" lIns="0" tIns="12700" rIns="0" bIns="0" rtlCol="0">
+            <a:spAutoFit/>
+          </a:bodyPr>
+          <a:lstStyle>
+            <a:lvl1pPr>
+              <a:defRPr>
+                <a:latin typeface="+mj-lt"/>
+                <a:ea typeface="+mj-ea"/>
+                <a:cs typeface="+mj-cs"/>
+              </a:defRPr>
+            </a:lvl1pPr>
+          </a:lstStyle>
+          <a:p>
+            <a:pPr marL="12700">
+              <a:spcBef>
+                <a:spcPts val="100"/>
+              </a:spcBef>
+            </a:pPr>
+            <a:r>
+              <a:rPr lang="en-IN" sz="3200" b="1" kern="0" spc="80" dirty="0" smtClean="0">
+                <a:solidFill>
+                  <a:srgbClr val="000000"/>
+                </a:solidFill>
+                <a:latin typeface="Times New Roman" panose="02020603050405020304" pitchFamily="18" charset="0"/>
+                <a:cs typeface="Times New Roman" panose="02020603050405020304" pitchFamily="18" charset="0"/>
+              </a:rPr>
+              <a:t>Code Snippet</a:t>
+            </a:r>
+            <a:endParaRPr lang="en-IN" sz="3200" kern="0" dirty="0">
+              <a:solidFill>
+                <a:sysClr val="windowText" lastClr="000000"/>
+              </a:solidFill>
+              <a:latin typeface="Times New Roman" panose="02020603050405020304" pitchFamily="18" charset="0"/>
+              <a:cs typeface="Times New Roman" panose="02020603050405020304" pitchFamily="18" charset="0"/>
+            </a:endParaRPr>
+          </a:p>
+        </p:txBody>
+      </p:sp>
+      <p:sp>
+        <p:nvSpPr>
+          <p:cNvPr id="3" name="TextBox 2"/>
+          <p:cNvSpPr txBox="1"/>
+          <p:nvPr/>
+        </p:nvSpPr>
+        <p:spPr>
+          <a:xfrm>
+            <a:off x="6400800" y="2362200"/>
+            <a:ext cx="2576017" cy="1754326"/>
+          </a:xfrm>
+          <a:prstGeom prst="rect">
+            <a:avLst/>
+          </a:prstGeom>
+          <a:noFill/>
+        </p:spPr>
+        <p:txBody>
+          <a:bodyPr wrap="square" rtlCol="0">
+            <a:spAutoFit/>
+          </a:bodyPr>
+          <a:lstStyle/>
+          <a:p>
+            <a:pPr algn="ctr"/>
+            <a:r>
+              <a:rPr lang="en-US" sz="3600" dirty="0" smtClean="0">
+                <a:latin typeface="Times New Roman" panose="02020603050405020304" pitchFamily="18" charset="0"/>
+                <a:cs typeface="Times New Roman" panose="02020603050405020304" pitchFamily="18" charset="0"/>
+              </a:rPr>
+              <a:t>Dynamically adding </a:t>
+            </a:r>
+          </a:p>
+          <a:p>
+            <a:pPr algn="ctr"/>
+            <a:r>
+              <a:rPr lang="en-US" sz="3600" dirty="0" smtClean="0">
+                <a:latin typeface="Times New Roman" panose="02020603050405020304" pitchFamily="18" charset="0"/>
+                <a:cs typeface="Times New Roman" panose="02020603050405020304" pitchFamily="18" charset="0"/>
+              </a:rPr>
+              <a:t>Share modal</a:t>
+            </a:r>
+            <a:endParaRPr lang="en-IN" sz="3600" dirty="0">
+              <a:latin typeface="Times New Roman" panose="02020603050405020304" pitchFamily="18" charset="0"/>
+              <a:cs typeface="Times New Roman" panose="02020603050405020304" pitchFamily="18" charset="0"/>
+            </a:endParaRPr>
+          </a:p>
+        </p:txBody>
+      </p:sp>
+      <p:pic>
+        <p:nvPicPr>
+          <p:cNvPr id="5" name="Picture 4"/>
+          <p:cNvPicPr>
+            <a:picLocks noChangeAspect="1"/>
+          </p:cNvPicPr>
+          <p:nvPr/>
+        </p:nvPicPr>
+        <p:blipFill>
+          <a:blip r:embed="rId2"/>
+          <a:stretch>
+            <a:fillRect/>
+          </a:stretch>
+        </p:blipFill>
+        <p:spPr>
+          <a:xfrm>
+            <a:off x="228600" y="1295400"/>
+            <a:ext cx="6005017" cy="4679690"/>
+          </a:xfrm>
+          <a:prstGeom prst="rect">
+            <a:avLst/>
+          </a:prstGeom>
+        </p:spPr>
+      </p:pic>
+    </p:spTree>
+    <p:extLst>
+      <p:ext uri="{BB962C8B-B14F-4D97-AF65-F5344CB8AC3E}">
+        <p14:creationId xmlns:p14="http://schemas.microsoft.com/office/powerpoint/2010/main" val="1876486154"/>
+      </p:ext>
+    </p:extLst>
+  </p:cSld>
+  <p:clrMapOvr>
+    <a:masterClrMapping/>
+  </p:clrMapOvr>
+</p:sld>
+</file>
+
+<file path=ppt/slides/slide15.xml><?xml version="1.0" encoding="utf-8"?>
+<p:sld xmlns:a="http://schemas.openxmlformats.org/drawingml/2006/main" xmlns:r="http://schemas.openxmlformats.org/officeDocument/2006/relationships" xmlns:p="http://schemas.openxmlformats.org/presentationml/2006/main">
+  <p:cSld>
+    <p:spTree>
+      <p:nvGrpSpPr>
+        <p:cNvPr id="1" name=""/>
+        <p:cNvGrpSpPr/>
+        <p:nvPr/>
+      </p:nvGrpSpPr>
+      <p:grpSpPr>
+        <a:xfrm>
+          <a:off x="0" y="0"/>
+          <a:ext cx="0" cy="0"/>
+          <a:chOff x="0" y="0"/>
+          <a:chExt cx="0" cy="0"/>
+        </a:xfrm>
+      </p:grpSpPr>
+      <p:sp>
+        <p:nvSpPr>
+          <p:cNvPr id="2" name="object 2"/>
+          <p:cNvSpPr txBox="1">
+            <a:spLocks/>
+          </p:cNvSpPr>
+          <p:nvPr/>
+        </p:nvSpPr>
+        <p:spPr>
+          <a:xfrm>
+            <a:off x="152400" y="228600"/>
+            <a:ext cx="5211848" cy="513080"/>
+          </a:xfrm>
+          <a:prstGeom prst="rect">
+            <a:avLst/>
+          </a:prstGeom>
+        </p:spPr>
+        <p:txBody>
+          <a:bodyPr vert="horz" wrap="square" lIns="0" tIns="12700" rIns="0" bIns="0" rtlCol="0">
+            <a:spAutoFit/>
+          </a:bodyPr>
+          <a:lstStyle>
+            <a:lvl1pPr>
+              <a:defRPr>
+                <a:latin typeface="+mj-lt"/>
+                <a:ea typeface="+mj-ea"/>
+                <a:cs typeface="+mj-cs"/>
+              </a:defRPr>
+            </a:lvl1pPr>
+          </a:lstStyle>
+          <a:p>
+            <a:pPr marL="12700">
+              <a:spcBef>
+                <a:spcPts val="100"/>
+              </a:spcBef>
+            </a:pPr>
+            <a:r>
+              <a:rPr lang="en-IN" sz="3200" b="1" kern="0" spc="80" dirty="0" smtClean="0">
+                <a:solidFill>
+                  <a:srgbClr val="000000"/>
+                </a:solidFill>
+                <a:latin typeface="Times New Roman" panose="02020603050405020304" pitchFamily="18" charset="0"/>
+                <a:cs typeface="Times New Roman" panose="02020603050405020304" pitchFamily="18" charset="0"/>
+              </a:rPr>
+              <a:t>Code Snippet</a:t>
+            </a:r>
+            <a:endParaRPr lang="en-IN" sz="3200" kern="0" dirty="0">
+              <a:solidFill>
+                <a:sysClr val="windowText" lastClr="000000"/>
+              </a:solidFill>
+              <a:latin typeface="Times New Roman" panose="02020603050405020304" pitchFamily="18" charset="0"/>
+              <a:cs typeface="Times New Roman" panose="02020603050405020304" pitchFamily="18" charset="0"/>
+            </a:endParaRPr>
+          </a:p>
+        </p:txBody>
+      </p:sp>
+      <p:sp>
+        <p:nvSpPr>
+          <p:cNvPr id="3" name="TextBox 2"/>
+          <p:cNvSpPr txBox="1"/>
+          <p:nvPr/>
+        </p:nvSpPr>
+        <p:spPr>
+          <a:xfrm>
+            <a:off x="5867400" y="2667000"/>
+            <a:ext cx="2576017" cy="1200329"/>
+          </a:xfrm>
+          <a:prstGeom prst="rect">
+            <a:avLst/>
+          </a:prstGeom>
+          <a:noFill/>
+        </p:spPr>
+        <p:txBody>
+          <a:bodyPr wrap="square" rtlCol="0">
+            <a:spAutoFit/>
+          </a:bodyPr>
+          <a:lstStyle/>
+          <a:p>
+            <a:pPr algn="ctr"/>
+            <a:r>
+              <a:rPr lang="en-US" sz="3600" dirty="0" smtClean="0">
+                <a:latin typeface="Times New Roman" panose="02020603050405020304" pitchFamily="18" charset="0"/>
+                <a:cs typeface="Times New Roman" panose="02020603050405020304" pitchFamily="18" charset="0"/>
+              </a:rPr>
+              <a:t>Registering events</a:t>
+            </a:r>
+            <a:endParaRPr lang="en-IN" sz="3600" dirty="0">
+              <a:latin typeface="Times New Roman" panose="02020603050405020304" pitchFamily="18" charset="0"/>
+              <a:cs typeface="Times New Roman" panose="02020603050405020304" pitchFamily="18" charset="0"/>
+            </a:endParaRPr>
+          </a:p>
+        </p:txBody>
+      </p:sp>
+      <p:pic>
+        <p:nvPicPr>
+          <p:cNvPr id="5" name="Picture 4"/>
+          <p:cNvPicPr>
+            <a:picLocks noChangeAspect="1"/>
+          </p:cNvPicPr>
+          <p:nvPr/>
+        </p:nvPicPr>
+        <p:blipFill>
+          <a:blip r:embed="rId2"/>
+          <a:stretch>
+            <a:fillRect/>
+          </a:stretch>
+        </p:blipFill>
+        <p:spPr>
+          <a:xfrm>
+            <a:off x="447675" y="1219200"/>
+            <a:ext cx="5114925" cy="4772025"/>
+          </a:xfrm>
+          <a:prstGeom prst="rect">
+            <a:avLst/>
+          </a:prstGeom>
+        </p:spPr>
+      </p:pic>
+    </p:spTree>
+    <p:extLst>
+      <p:ext uri="{BB962C8B-B14F-4D97-AF65-F5344CB8AC3E}">
+        <p14:creationId xmlns:p14="http://schemas.microsoft.com/office/powerpoint/2010/main" val="721275373"/>
+      </p:ext>
+    </p:extLst>
+  </p:cSld>
+  <p:clrMapOvr>
+    <a:masterClrMapping/>
+  </p:clrMapOvr>
+</p:sld>
+</file>
+
+<file path=ppt/slides/slide16.xml><?xml version="1.0" encoding="utf-8"?>
+<p:sld xmlns:a="http://schemas.openxmlformats.org/drawingml/2006/main" xmlns:r="http://schemas.openxmlformats.org/officeDocument/2006/relationships" xmlns:p="http://schemas.openxmlformats.org/presentationml/2006/main">
+  <p:cSld>
+    <p:spTree>
+      <p:nvGrpSpPr>
+        <p:cNvPr id="1" name=""/>
+        <p:cNvGrpSpPr/>
+        <p:nvPr/>
+      </p:nvGrpSpPr>
+      <p:grpSpPr>
+        <a:xfrm>
+          <a:off x="0" y="0"/>
+          <a:ext cx="0" cy="0"/>
+          <a:chOff x="0" y="0"/>
+          <a:chExt cx="0" cy="0"/>
+        </a:xfrm>
+      </p:grpSpPr>
+      <p:sp>
+        <p:nvSpPr>
+          <p:cNvPr id="2" name="object 2"/>
+          <p:cNvSpPr txBox="1">
+            <a:spLocks/>
+          </p:cNvSpPr>
+          <p:nvPr/>
+        </p:nvSpPr>
+        <p:spPr>
+          <a:xfrm>
+            <a:off x="152400" y="228600"/>
+            <a:ext cx="5211848" cy="513080"/>
+          </a:xfrm>
+          <a:prstGeom prst="rect">
+            <a:avLst/>
+          </a:prstGeom>
+        </p:spPr>
+        <p:txBody>
+          <a:bodyPr vert="horz" wrap="square" lIns="0" tIns="12700" rIns="0" bIns="0" rtlCol="0">
+            <a:spAutoFit/>
+          </a:bodyPr>
+          <a:lstStyle>
+            <a:lvl1pPr>
+              <a:defRPr>
+                <a:latin typeface="+mj-lt"/>
+                <a:ea typeface="+mj-ea"/>
+                <a:cs typeface="+mj-cs"/>
+              </a:defRPr>
+            </a:lvl1pPr>
+          </a:lstStyle>
+          <a:p>
+            <a:pPr marL="12700">
+              <a:spcBef>
+                <a:spcPts val="100"/>
+              </a:spcBef>
+            </a:pPr>
+            <a:r>
+              <a:rPr lang="en-IN" sz="3200" b="1" kern="0" spc="80" dirty="0" smtClean="0">
+                <a:solidFill>
+                  <a:srgbClr val="000000"/>
+                </a:solidFill>
+                <a:latin typeface="Times New Roman" panose="02020603050405020304" pitchFamily="18" charset="0"/>
+                <a:cs typeface="Times New Roman" panose="02020603050405020304" pitchFamily="18" charset="0"/>
+              </a:rPr>
+              <a:t>Code Snippet</a:t>
+            </a:r>
+            <a:endParaRPr lang="en-IN" sz="3200" kern="0" dirty="0">
+              <a:solidFill>
+                <a:sysClr val="windowText" lastClr="000000"/>
+              </a:solidFill>
+              <a:latin typeface="Times New Roman" panose="02020603050405020304" pitchFamily="18" charset="0"/>
+              <a:cs typeface="Times New Roman" panose="02020603050405020304" pitchFamily="18" charset="0"/>
+            </a:endParaRPr>
+          </a:p>
+        </p:txBody>
+      </p:sp>
+      <p:sp>
+        <p:nvSpPr>
+          <p:cNvPr id="3" name="TextBox 2"/>
+          <p:cNvSpPr txBox="1"/>
+          <p:nvPr/>
+        </p:nvSpPr>
+        <p:spPr>
+          <a:xfrm>
+            <a:off x="6172200" y="1944499"/>
+            <a:ext cx="2576017" cy="2862322"/>
+          </a:xfrm>
+          <a:prstGeom prst="rect">
+            <a:avLst/>
+          </a:prstGeom>
+          <a:noFill/>
+        </p:spPr>
+        <p:txBody>
+          <a:bodyPr wrap="square" rtlCol="0">
+            <a:spAutoFit/>
+          </a:bodyPr>
+          <a:lstStyle/>
+          <a:p>
+            <a:pPr algn="ctr"/>
+            <a:r>
+              <a:rPr lang="en-US" sz="3600" dirty="0" smtClean="0">
+                <a:latin typeface="Times New Roman" panose="02020603050405020304" pitchFamily="18" charset="0"/>
+                <a:cs typeface="Times New Roman" panose="02020603050405020304" pitchFamily="18" charset="0"/>
+              </a:rPr>
+              <a:t>Code to add custom buttons and custom message</a:t>
+            </a:r>
+            <a:endParaRPr lang="en-IN" sz="3600" dirty="0">
+              <a:latin typeface="Times New Roman" panose="02020603050405020304" pitchFamily="18" charset="0"/>
+              <a:cs typeface="Times New Roman" panose="02020603050405020304" pitchFamily="18" charset="0"/>
+            </a:endParaRPr>
+          </a:p>
+        </p:txBody>
+      </p:sp>
+      <p:pic>
+        <p:nvPicPr>
+          <p:cNvPr id="5" name="Picture 4"/>
+          <p:cNvPicPr>
+            <a:picLocks noChangeAspect="1"/>
+          </p:cNvPicPr>
+          <p:nvPr/>
+        </p:nvPicPr>
+        <p:blipFill>
+          <a:blip r:embed="rId2"/>
+          <a:stretch>
+            <a:fillRect/>
+          </a:stretch>
+        </p:blipFill>
+        <p:spPr>
+          <a:xfrm>
+            <a:off x="272595" y="2057400"/>
+            <a:ext cx="5671005" cy="2636520"/>
+          </a:xfrm>
+          <a:prstGeom prst="rect">
+            <a:avLst/>
+          </a:prstGeom>
+        </p:spPr>
+      </p:pic>
+    </p:spTree>
+    <p:extLst>
+      <p:ext uri="{BB962C8B-B14F-4D97-AF65-F5344CB8AC3E}">
+        <p14:creationId xmlns:p14="http://schemas.microsoft.com/office/powerpoint/2010/main" val="1504539283"/>
+      </p:ext>
+    </p:extLst>
+  </p:cSld>
+  <p:clrMapOvr>
+    <a:masterClrMapping/>
+  </p:clrMapOvr>
+</p:sld>
+</file>
+
+<file path=ppt/slides/slide17.xml><?xml version="1.0" encoding="utf-8"?>
 <p:sld xmlns:a="http://schemas.openxmlformats.org/drawingml/2006/main" xmlns:r="http://schemas.openxmlformats.org/officeDocument/2006/relationships" xmlns:p="http://schemas.openxmlformats.org/presentationml/2006/main">
   <p:cSld>
     <p:spTree>
@@ -2748,7 +3680,7 @@
         </p:nvSpPr>
         <p:spPr>
           <a:xfrm>
-            <a:off x="111292" y="228600"/>
+            <a:off x="231648" y="228600"/>
             <a:ext cx="4254332" cy="505267"/>
           </a:xfrm>
           <a:prstGeom prst="rect">
@@ -2774,8 +3706,8 @@
                 <a:solidFill>
                   <a:srgbClr val="000000"/>
                 </a:solidFill>
-                <a:latin typeface="Roboto"/>
-                <a:cs typeface="Roboto"/>
+                <a:latin typeface="Times New Roman" panose="02020603050405020304" pitchFamily="18" charset="0"/>
+                <a:cs typeface="Times New Roman" panose="02020603050405020304" pitchFamily="18" charset="0"/>
               </a:rPr>
               <a:t>Table</a:t>
             </a:r>
@@ -2784,8 +3716,8 @@
                 <a:solidFill>
                   <a:srgbClr val="000000"/>
                 </a:solidFill>
-                <a:latin typeface="Roboto"/>
-                <a:cs typeface="Roboto"/>
+                <a:latin typeface="Times New Roman" panose="02020603050405020304" pitchFamily="18" charset="0"/>
+                <a:cs typeface="Times New Roman" panose="02020603050405020304" pitchFamily="18" charset="0"/>
               </a:rPr>
               <a:t> </a:t>
             </a:r>
@@ -2794,8 +3726,8 @@
                 <a:solidFill>
                   <a:srgbClr val="000000"/>
                 </a:solidFill>
-                <a:latin typeface="Roboto"/>
-                <a:cs typeface="Roboto"/>
+                <a:latin typeface="Times New Roman" panose="02020603050405020304" pitchFamily="18" charset="0"/>
+                <a:cs typeface="Times New Roman" panose="02020603050405020304" pitchFamily="18" charset="0"/>
               </a:rPr>
               <a:t>of</a:t>
             </a:r>
@@ -2804,8 +3736,8 @@
                 <a:solidFill>
                   <a:srgbClr val="000000"/>
                 </a:solidFill>
-                <a:latin typeface="Roboto"/>
-                <a:cs typeface="Roboto"/>
+                <a:latin typeface="Times New Roman" panose="02020603050405020304" pitchFamily="18" charset="0"/>
+                <a:cs typeface="Times New Roman" panose="02020603050405020304" pitchFamily="18" charset="0"/>
               </a:rPr>
               <a:t> </a:t>
             </a:r>
@@ -2814,8 +3746,8 @@
                 <a:solidFill>
                   <a:srgbClr val="000000"/>
                 </a:solidFill>
-                <a:latin typeface="Roboto"/>
-                <a:cs typeface="Roboto"/>
+                <a:latin typeface="Times New Roman" panose="02020603050405020304" pitchFamily="18" charset="0"/>
+                <a:cs typeface="Times New Roman" panose="02020603050405020304" pitchFamily="18" charset="0"/>
               </a:rPr>
               <a:t>Conten</a:t>
             </a:r>
@@ -2824,14 +3756,14 @@
                 <a:solidFill>
                   <a:srgbClr val="000000"/>
                 </a:solidFill>
-                <a:latin typeface="Roboto"/>
-                <a:cs typeface="Roboto"/>
+                <a:latin typeface="Times New Roman" panose="02020603050405020304" pitchFamily="18" charset="0"/>
+                <a:cs typeface="Times New Roman" panose="02020603050405020304" pitchFamily="18" charset="0"/>
               </a:rPr>
               <a:t>ts</a:t>
             </a:r>
             <a:endParaRPr sz="3200" dirty="0">
-              <a:latin typeface="Roboto"/>
-              <a:cs typeface="Roboto"/>
+              <a:latin typeface="Times New Roman" panose="02020603050405020304" pitchFamily="18" charset="0"/>
+              <a:cs typeface="Times New Roman" panose="02020603050405020304" pitchFamily="18" charset="0"/>
             </a:endParaRPr>
           </a:p>
         </p:txBody>
@@ -2844,8 +3776,8 @@
         </p:nvSpPr>
         <p:spPr>
           <a:xfrm>
-            <a:off x="111292" y="1447800"/>
-            <a:ext cx="7737308" cy="3459922"/>
+            <a:off x="228600" y="990600"/>
+            <a:ext cx="7737308" cy="3890809"/>
           </a:xfrm>
           <a:prstGeom prst="rect">
             <a:avLst/>
@@ -2873,14 +3805,14 @@
             </a:pPr>
             <a:r>
               <a:rPr sz="2800" b="1" spc="120" dirty="0">
-                <a:latin typeface="Roboto Bk"/>
-                <a:cs typeface="Roboto Bk"/>
+                <a:latin typeface="Times New Roman" panose="02020603050405020304" pitchFamily="18" charset="0"/>
+                <a:cs typeface="Times New Roman" panose="02020603050405020304" pitchFamily="18" charset="0"/>
               </a:rPr>
               <a:t>Introduction</a:t>
             </a:r>
             <a:endParaRPr sz="2800" dirty="0">
-              <a:latin typeface="Roboto Bk"/>
-              <a:cs typeface="Roboto Bk"/>
+              <a:latin typeface="Times New Roman" panose="02020603050405020304" pitchFamily="18" charset="0"/>
+              <a:cs typeface="Times New Roman" panose="02020603050405020304" pitchFamily="18" charset="0"/>
             </a:endParaRPr>
           </a:p>
           <a:p>
@@ -2900,28 +3832,28 @@
             </a:pPr>
             <a:r>
               <a:rPr sz="2800" b="1" spc="110" dirty="0">
-                <a:latin typeface="Roboto Bk"/>
-                <a:cs typeface="Roboto Bk"/>
+                <a:latin typeface="Times New Roman" panose="02020603050405020304" pitchFamily="18" charset="0"/>
+                <a:cs typeface="Times New Roman" panose="02020603050405020304" pitchFamily="18" charset="0"/>
               </a:rPr>
               <a:t>Problem</a:t>
             </a:r>
             <a:r>
               <a:rPr sz="2800" b="1" spc="-10" dirty="0">
-                <a:latin typeface="Roboto Bk"/>
-                <a:cs typeface="Roboto Bk"/>
+                <a:latin typeface="Times New Roman" panose="02020603050405020304" pitchFamily="18" charset="0"/>
+                <a:cs typeface="Times New Roman" panose="02020603050405020304" pitchFamily="18" charset="0"/>
               </a:rPr>
               <a:t> </a:t>
             </a:r>
             <a:r>
               <a:rPr sz="2800" b="1" spc="40" dirty="0">
-                <a:latin typeface="Roboto Bk"/>
-                <a:cs typeface="Roboto Bk"/>
+                <a:latin typeface="Times New Roman" panose="02020603050405020304" pitchFamily="18" charset="0"/>
+                <a:cs typeface="Times New Roman" panose="02020603050405020304" pitchFamily="18" charset="0"/>
               </a:rPr>
               <a:t>Statement</a:t>
             </a:r>
             <a:endParaRPr sz="2800" dirty="0">
-              <a:latin typeface="Roboto Bk"/>
-              <a:cs typeface="Roboto Bk"/>
+              <a:latin typeface="Times New Roman" panose="02020603050405020304" pitchFamily="18" charset="0"/>
+              <a:cs typeface="Times New Roman" panose="02020603050405020304" pitchFamily="18" charset="0"/>
             </a:endParaRPr>
           </a:p>
           <a:p>
@@ -2941,28 +3873,28 @@
             </a:pPr>
             <a:r>
               <a:rPr sz="2800" b="1" spc="80" dirty="0">
-                <a:latin typeface="Roboto Bk"/>
-                <a:cs typeface="Roboto Bk"/>
+                <a:latin typeface="Times New Roman" panose="02020603050405020304" pitchFamily="18" charset="0"/>
+                <a:cs typeface="Times New Roman" panose="02020603050405020304" pitchFamily="18" charset="0"/>
               </a:rPr>
               <a:t>Technical</a:t>
             </a:r>
             <a:r>
               <a:rPr sz="2800" b="1" spc="-15" dirty="0">
-                <a:latin typeface="Roboto Bk"/>
-                <a:cs typeface="Roboto Bk"/>
+                <a:latin typeface="Times New Roman" panose="02020603050405020304" pitchFamily="18" charset="0"/>
+                <a:cs typeface="Times New Roman" panose="02020603050405020304" pitchFamily="18" charset="0"/>
               </a:rPr>
               <a:t> </a:t>
             </a:r>
             <a:r>
               <a:rPr sz="2800" b="1" spc="50" dirty="0">
-                <a:latin typeface="Roboto Bk"/>
-                <a:cs typeface="Roboto Bk"/>
+                <a:latin typeface="Times New Roman" panose="02020603050405020304" pitchFamily="18" charset="0"/>
+                <a:cs typeface="Times New Roman" panose="02020603050405020304" pitchFamily="18" charset="0"/>
               </a:rPr>
               <a:t>Details</a:t>
             </a:r>
             <a:endParaRPr sz="2800" dirty="0">
-              <a:latin typeface="Roboto Bk"/>
-              <a:cs typeface="Roboto Bk"/>
+              <a:latin typeface="Times New Roman" panose="02020603050405020304" pitchFamily="18" charset="0"/>
+              <a:cs typeface="Times New Roman" panose="02020603050405020304" pitchFamily="18" charset="0"/>
             </a:endParaRPr>
           </a:p>
           <a:p>
@@ -2982,28 +3914,28 @@
             </a:pPr>
             <a:r>
               <a:rPr sz="2800" b="1" spc="95" dirty="0">
-                <a:latin typeface="Roboto Bk"/>
-                <a:cs typeface="Roboto Bk"/>
+                <a:latin typeface="Times New Roman" panose="02020603050405020304" pitchFamily="18" charset="0"/>
+                <a:cs typeface="Times New Roman" panose="02020603050405020304" pitchFamily="18" charset="0"/>
               </a:rPr>
               <a:t>Key</a:t>
             </a:r>
             <a:r>
               <a:rPr sz="2800" b="1" spc="-15" dirty="0">
-                <a:latin typeface="Roboto Bk"/>
-                <a:cs typeface="Roboto Bk"/>
+                <a:latin typeface="Times New Roman" panose="02020603050405020304" pitchFamily="18" charset="0"/>
+                <a:cs typeface="Times New Roman" panose="02020603050405020304" pitchFamily="18" charset="0"/>
               </a:rPr>
               <a:t> </a:t>
             </a:r>
             <a:r>
               <a:rPr sz="2800" b="1" spc="60" dirty="0">
-                <a:latin typeface="Roboto Bk"/>
-                <a:cs typeface="Roboto Bk"/>
+                <a:latin typeface="Times New Roman" panose="02020603050405020304" pitchFamily="18" charset="0"/>
+                <a:cs typeface="Times New Roman" panose="02020603050405020304" pitchFamily="18" charset="0"/>
               </a:rPr>
               <a:t>Features</a:t>
             </a:r>
             <a:endParaRPr sz="2800" dirty="0">
-              <a:latin typeface="Roboto Bk"/>
-              <a:cs typeface="Roboto Bk"/>
+              <a:latin typeface="Times New Roman" panose="02020603050405020304" pitchFamily="18" charset="0"/>
+              <a:cs typeface="Times New Roman" panose="02020603050405020304" pitchFamily="18" charset="0"/>
             </a:endParaRPr>
           </a:p>
           <a:p>
@@ -3023,28 +3955,28 @@
             </a:pPr>
             <a:r>
               <a:rPr sz="2800" b="1" spc="45" dirty="0">
-                <a:latin typeface="Roboto Bk"/>
-                <a:cs typeface="Roboto Bk"/>
+                <a:latin typeface="Times New Roman" panose="02020603050405020304" pitchFamily="18" charset="0"/>
+                <a:cs typeface="Times New Roman" panose="02020603050405020304" pitchFamily="18" charset="0"/>
               </a:rPr>
               <a:t>Project</a:t>
             </a:r>
             <a:r>
               <a:rPr sz="2800" b="1" spc="-5" dirty="0">
-                <a:latin typeface="Roboto Bk"/>
-                <a:cs typeface="Roboto Bk"/>
+                <a:latin typeface="Times New Roman" panose="02020603050405020304" pitchFamily="18" charset="0"/>
+                <a:cs typeface="Times New Roman" panose="02020603050405020304" pitchFamily="18" charset="0"/>
               </a:rPr>
               <a:t> </a:t>
             </a:r>
             <a:r>
               <a:rPr sz="2800" b="1" spc="65" dirty="0">
-                <a:latin typeface="Roboto Bk"/>
-                <a:cs typeface="Roboto Bk"/>
+                <a:latin typeface="Times New Roman" panose="02020603050405020304" pitchFamily="18" charset="0"/>
+                <a:cs typeface="Times New Roman" panose="02020603050405020304" pitchFamily="18" charset="0"/>
               </a:rPr>
               <a:t>Highlights</a:t>
             </a:r>
             <a:endParaRPr sz="2800" dirty="0">
-              <a:latin typeface="Roboto Bk"/>
-              <a:cs typeface="Roboto Bk"/>
+              <a:latin typeface="Times New Roman" panose="02020603050405020304" pitchFamily="18" charset="0"/>
+              <a:cs typeface="Times New Roman" panose="02020603050405020304" pitchFamily="18" charset="0"/>
             </a:endParaRPr>
           </a:p>
           <a:p>
@@ -3064,35 +3996,28 @@
             </a:pPr>
             <a:r>
               <a:rPr sz="2800" b="1" spc="65" dirty="0" smtClean="0">
-                <a:latin typeface="Roboto Bk"/>
-                <a:cs typeface="Roboto Bk"/>
+                <a:latin typeface="Times New Roman" panose="02020603050405020304" pitchFamily="18" charset="0"/>
+                <a:cs typeface="Times New Roman" panose="02020603050405020304" pitchFamily="18" charset="0"/>
               </a:rPr>
               <a:t>Bonus</a:t>
             </a:r>
             <a:r>
               <a:rPr lang="en-US" sz="2800" b="1" spc="10" dirty="0">
-                <a:latin typeface="Roboto Bk"/>
-                <a:cs typeface="Roboto Bk"/>
+                <a:latin typeface="Times New Roman" panose="02020603050405020304" pitchFamily="18" charset="0"/>
+                <a:cs typeface="Times New Roman" panose="02020603050405020304" pitchFamily="18" charset="0"/>
               </a:rPr>
               <a:t> </a:t>
             </a:r>
             <a:r>
               <a:rPr sz="2800" b="1" spc="75" dirty="0" smtClean="0">
-                <a:latin typeface="Roboto Bk"/>
-                <a:cs typeface="Roboto Bk"/>
-              </a:rPr>
-              <a:t>Feature(optional</a:t>
-            </a:r>
-            <a:r>
-              <a:rPr sz="2800" b="1" spc="75" dirty="0">
-                <a:latin typeface="Roboto Bk"/>
-                <a:cs typeface="Roboto Bk"/>
-              </a:rPr>
-              <a:t>)</a:t>
+                <a:latin typeface="Times New Roman" panose="02020603050405020304" pitchFamily="18" charset="0"/>
+                <a:cs typeface="Times New Roman" panose="02020603050405020304" pitchFamily="18" charset="0"/>
+              </a:rPr>
+              <a:t>Feature</a:t>
             </a:r>
             <a:endParaRPr sz="2800" dirty="0">
-              <a:latin typeface="Roboto Bk"/>
-              <a:cs typeface="Roboto Bk"/>
+              <a:latin typeface="Times New Roman" panose="02020603050405020304" pitchFamily="18" charset="0"/>
+              <a:cs typeface="Times New Roman" panose="02020603050405020304" pitchFamily="18" charset="0"/>
             </a:endParaRPr>
           </a:p>
           <a:p>
@@ -3111,15 +4036,15 @@
               </a:tabLst>
             </a:pPr>
             <a:r>
-              <a:rPr sz="2800" b="1" spc="65" dirty="0">
-                <a:latin typeface="Roboto Bk"/>
-                <a:cs typeface="Roboto Bk"/>
+              <a:rPr sz="2800" b="1" spc="65" dirty="0" smtClean="0">
+                <a:latin typeface="Times New Roman" panose="02020603050405020304" pitchFamily="18" charset="0"/>
+                <a:cs typeface="Times New Roman" panose="02020603050405020304" pitchFamily="18" charset="0"/>
               </a:rPr>
               <a:t>Conclusion</a:t>
             </a:r>
-            <a:endParaRPr sz="2800" dirty="0">
-              <a:latin typeface="Roboto Bk"/>
-              <a:cs typeface="Roboto Bk"/>
+            <a:endParaRPr lang="en-US" sz="2800" b="1" spc="65" dirty="0" smtClean="0">
+              <a:latin typeface="Times New Roman" panose="02020603050405020304" pitchFamily="18" charset="0"/>
+              <a:cs typeface="Times New Roman" panose="02020603050405020304" pitchFamily="18" charset="0"/>
             </a:endParaRPr>
           </a:p>
           <a:p>
@@ -3138,29 +4063,42 @@
               </a:tabLst>
             </a:pPr>
             <a:r>
-              <a:rPr sz="2800" b="1" spc="40" dirty="0">
-                <a:latin typeface="Roboto Bk"/>
-                <a:cs typeface="Roboto Bk"/>
-              </a:rPr>
-              <a:t>References/Links</a:t>
-            </a:r>
-            <a:r>
-              <a:rPr sz="2800" b="1" spc="5" dirty="0">
-                <a:latin typeface="Roboto Bk"/>
-                <a:cs typeface="Roboto Bk"/>
-              </a:rPr>
-              <a:t> </a:t>
-            </a:r>
-            <a:r>
-              <a:rPr sz="2800" b="1" spc="50" dirty="0">
-                <a:latin typeface="Roboto Bk"/>
-                <a:cs typeface="Roboto Bk"/>
-              </a:rPr>
-              <a:t>used</a:t>
+              <a:rPr lang="en-US" sz="2800" b="1" spc="65" dirty="0" smtClean="0">
+                <a:latin typeface="Times New Roman" panose="02020603050405020304" pitchFamily="18" charset="0"/>
+                <a:cs typeface="Times New Roman" panose="02020603050405020304" pitchFamily="18" charset="0"/>
+              </a:rPr>
+              <a:t>Result</a:t>
+            </a:r>
+            <a:endParaRPr lang="en-US" sz="2800" b="1" spc="65" dirty="0">
+              <a:latin typeface="Times New Roman" panose="02020603050405020304" pitchFamily="18" charset="0"/>
+              <a:cs typeface="Times New Roman" panose="02020603050405020304" pitchFamily="18" charset="0"/>
+            </a:endParaRPr>
+          </a:p>
+          <a:p>
+            <a:pPr marL="372110" indent="-360045">
+              <a:lnSpc>
+                <a:spcPct val="100000"/>
+              </a:lnSpc>
+              <a:spcBef>
+                <a:spcPts val="15"/>
+              </a:spcBef>
+              <a:buFont typeface="Arial MT"/>
+              <a:buChar char="•"/>
+              <a:tabLst>
+                <a:tab pos="372110" algn="l"/>
+                <a:tab pos="372745" algn="l"/>
+              </a:tabLst>
+            </a:pPr>
+            <a:r>
+              <a:rPr lang="en-US" sz="2800" b="1" spc="65" dirty="0" smtClean="0">
+                <a:latin typeface="Times New Roman" panose="02020603050405020304" pitchFamily="18" charset="0"/>
+                <a:cs typeface="Times New Roman" panose="02020603050405020304" pitchFamily="18" charset="0"/>
+              </a:rPr>
+              <a:t>Code Snippets</a:t>
             </a:r>
             <a:endParaRPr sz="2800" dirty="0">
-              <a:latin typeface="Roboto Bk"/>
-              <a:cs typeface="Roboto Bk"/>
+              <a:latin typeface="Times New Roman" panose="02020603050405020304" pitchFamily="18" charset="0"/>
+              <a:cs typeface="Times New Roman" panose="02020603050405020304" pitchFamily="18" charset="0"/>
             </a:endParaRPr>
           </a:p>
         </p:txBody>
@@ -3228,370 +4166,40 @@
                 <a:solidFill>
                   <a:srgbClr val="000000"/>
                 </a:solidFill>
-                <a:latin typeface="Roboto Bk"/>
-                <a:cs typeface="Roboto Bk"/>
+                <a:latin typeface="Times New Roman" panose="02020603050405020304" pitchFamily="18" charset="0"/>
+                <a:cs typeface="Times New Roman" panose="02020603050405020304" pitchFamily="18" charset="0"/>
               </a:rPr>
               <a:t>Introduction</a:t>
             </a:r>
             <a:endParaRPr sz="3200" dirty="0">
-              <a:latin typeface="Roboto Bk"/>
-              <a:cs typeface="Roboto Bk"/>
+              <a:latin typeface="Times New Roman" panose="02020603050405020304" pitchFamily="18" charset="0"/>
+              <a:cs typeface="Times New Roman" panose="02020603050405020304" pitchFamily="18" charset="0"/>
             </a:endParaRPr>
           </a:p>
         </p:txBody>
       </p:sp>
       <p:sp>
         <p:nvSpPr>
-          <p:cNvPr id="3" name="object 3"/>
+          <p:cNvPr id="7" name="object 7"/>
           <p:cNvSpPr txBox="1"/>
           <p:nvPr/>
         </p:nvSpPr>
         <p:spPr>
           <a:xfrm>
-            <a:off x="486960" y="1741720"/>
-            <a:ext cx="7830184" cy="1447800"/>
+            <a:off x="230018" y="2118615"/>
+            <a:ext cx="8672843" cy="3307829"/>
           </a:xfrm>
           <a:prstGeom prst="rect">
             <a:avLst/>
           </a:prstGeom>
         </p:spPr>
         <p:txBody>
-          <a:bodyPr vert="horz" wrap="square" lIns="0" tIns="0" rIns="0" bIns="0" rtlCol="0">
-            <a:spAutoFit/>
-          </a:bodyPr>
-          <a:lstStyle/>
-          <a:p>
-            <a:pPr>
-              <a:lnSpc>
-                <a:spcPts val="3600"/>
-              </a:lnSpc>
-            </a:pPr>
-            <a:r>
-              <a:rPr sz="3200" b="1" spc="65" dirty="0">
-                <a:latin typeface="Roboto Bk"/>
-                <a:cs typeface="Roboto Bk"/>
-              </a:rPr>
-              <a:t>project,</a:t>
-            </a:r>
-            <a:r>
-              <a:rPr sz="3200" b="1" spc="25" dirty="0">
-                <a:latin typeface="Roboto Bk"/>
-                <a:cs typeface="Roboto Bk"/>
-              </a:rPr>
-              <a:t> </a:t>
-            </a:r>
-            <a:r>
-              <a:rPr sz="3200" b="1" spc="90" dirty="0">
-                <a:latin typeface="Roboto Bk"/>
-                <a:cs typeface="Roboto Bk"/>
-              </a:rPr>
-              <a:t>the</a:t>
-            </a:r>
-            <a:r>
-              <a:rPr sz="3200" b="1" spc="25" dirty="0">
-                <a:latin typeface="Roboto Bk"/>
-                <a:cs typeface="Roboto Bk"/>
-              </a:rPr>
-              <a:t> </a:t>
-            </a:r>
-            <a:r>
-              <a:rPr sz="3200" b="1" spc="100" dirty="0">
-                <a:latin typeface="Roboto Bk"/>
-                <a:cs typeface="Roboto Bk"/>
-              </a:rPr>
-              <a:t>team</a:t>
-            </a:r>
-            <a:r>
-              <a:rPr sz="3200" b="1" spc="25" dirty="0">
-                <a:latin typeface="Roboto Bk"/>
-                <a:cs typeface="Roboto Bk"/>
-              </a:rPr>
-              <a:t> </a:t>
-            </a:r>
-            <a:r>
-              <a:rPr sz="3200" b="1" spc="120" dirty="0">
-                <a:latin typeface="Roboto Bk"/>
-                <a:cs typeface="Roboto Bk"/>
-              </a:rPr>
-              <a:t>members'</a:t>
-            </a:r>
-            <a:r>
-              <a:rPr sz="3200" b="1" spc="30" dirty="0">
-                <a:latin typeface="Roboto Bk"/>
-                <a:cs typeface="Roboto Bk"/>
-              </a:rPr>
-              <a:t> </a:t>
-            </a:r>
-            <a:r>
-              <a:rPr sz="3200" b="1" spc="60" dirty="0">
-                <a:latin typeface="Roboto Bk"/>
-                <a:cs typeface="Roboto Bk"/>
-              </a:rPr>
-              <a:t>names,</a:t>
-            </a:r>
-            <a:r>
-              <a:rPr sz="3200" b="1" spc="25" dirty="0">
-                <a:latin typeface="Roboto Bk"/>
-                <a:cs typeface="Roboto Bk"/>
-              </a:rPr>
-              <a:t> </a:t>
-            </a:r>
-            <a:r>
-              <a:rPr sz="3200" b="1" spc="175" dirty="0">
-                <a:latin typeface="Roboto Bk"/>
-                <a:cs typeface="Roboto Bk"/>
-              </a:rPr>
-              <a:t>and</a:t>
-            </a:r>
-            <a:endParaRPr sz="3200">
-              <a:latin typeface="Roboto Bk"/>
-              <a:cs typeface="Roboto Bk"/>
-            </a:endParaRPr>
-          </a:p>
-          <a:p>
-            <a:pPr>
-              <a:lnSpc>
-                <a:spcPts val="3829"/>
-              </a:lnSpc>
-              <a:spcBef>
-                <a:spcPts val="125"/>
-              </a:spcBef>
-            </a:pPr>
-            <a:r>
-              <a:rPr sz="3200" b="1" spc="100" dirty="0">
-                <a:latin typeface="Roboto Bk"/>
-                <a:cs typeface="Roboto Bk"/>
-              </a:rPr>
-              <a:t>a</a:t>
-            </a:r>
-            <a:r>
-              <a:rPr sz="3200" b="1" spc="25" dirty="0">
-                <a:latin typeface="Roboto Bk"/>
-                <a:cs typeface="Roboto Bk"/>
-              </a:rPr>
-              <a:t> </a:t>
-            </a:r>
-            <a:r>
-              <a:rPr sz="3200" b="1" spc="150" dirty="0">
-                <a:latin typeface="Roboto Bk"/>
-                <a:cs typeface="Roboto Bk"/>
-              </a:rPr>
-              <a:t>brief</a:t>
-            </a:r>
-            <a:r>
-              <a:rPr sz="3200" b="1" spc="30" dirty="0">
-                <a:latin typeface="Roboto Bk"/>
-                <a:cs typeface="Roboto Bk"/>
-              </a:rPr>
-              <a:t> </a:t>
-            </a:r>
-            <a:r>
-              <a:rPr sz="3200" b="1" spc="185" dirty="0">
-                <a:latin typeface="Roboto Bk"/>
-                <a:cs typeface="Roboto Bk"/>
-              </a:rPr>
-              <a:t>overview</a:t>
-            </a:r>
-            <a:r>
-              <a:rPr sz="3200" b="1" spc="25" dirty="0">
-                <a:latin typeface="Roboto Bk"/>
-                <a:cs typeface="Roboto Bk"/>
-              </a:rPr>
-              <a:t> </a:t>
-            </a:r>
-            <a:r>
-              <a:rPr sz="3200" b="1" spc="40" dirty="0">
-                <a:latin typeface="Roboto Bk"/>
-                <a:cs typeface="Roboto Bk"/>
-              </a:rPr>
-              <a:t>of</a:t>
-            </a:r>
-            <a:r>
-              <a:rPr sz="3200" b="1" spc="30" dirty="0">
-                <a:latin typeface="Roboto Bk"/>
-                <a:cs typeface="Roboto Bk"/>
-              </a:rPr>
-              <a:t> </a:t>
-            </a:r>
-            <a:r>
-              <a:rPr sz="3200" b="1" spc="90" dirty="0">
-                <a:latin typeface="Roboto Bk"/>
-                <a:cs typeface="Roboto Bk"/>
-              </a:rPr>
-              <a:t>the</a:t>
-            </a:r>
-            <a:r>
-              <a:rPr sz="3200" b="1" spc="30" dirty="0">
-                <a:latin typeface="Roboto Bk"/>
-                <a:cs typeface="Roboto Bk"/>
-              </a:rPr>
-              <a:t> </a:t>
-            </a:r>
-            <a:r>
-              <a:rPr sz="3200" b="1" spc="55" dirty="0">
-                <a:latin typeface="Roboto Bk"/>
-                <a:cs typeface="Roboto Bk"/>
-              </a:rPr>
-              <a:t>project's</a:t>
-            </a:r>
-            <a:r>
-              <a:rPr sz="3200" b="1" spc="25" dirty="0">
-                <a:latin typeface="Roboto Bk"/>
-                <a:cs typeface="Roboto Bk"/>
-              </a:rPr>
-              <a:t> </a:t>
-            </a:r>
-            <a:r>
-              <a:rPr sz="3200" b="1" spc="114" dirty="0">
-                <a:latin typeface="Roboto Bk"/>
-                <a:cs typeface="Roboto Bk"/>
-              </a:rPr>
-              <a:t>purpose </a:t>
-            </a:r>
-            <a:r>
-              <a:rPr sz="3200" b="1" spc="-780" dirty="0">
-                <a:latin typeface="Roboto Bk"/>
-                <a:cs typeface="Roboto Bk"/>
-              </a:rPr>
-              <a:t> </a:t>
-            </a:r>
-            <a:r>
-              <a:rPr sz="3200" b="1" spc="175" dirty="0">
-                <a:latin typeface="Roboto Bk"/>
-                <a:cs typeface="Roboto Bk"/>
-              </a:rPr>
-              <a:t>and</a:t>
-            </a:r>
-            <a:r>
-              <a:rPr sz="3200" b="1" spc="25" dirty="0">
-                <a:latin typeface="Roboto Bk"/>
-                <a:cs typeface="Roboto Bk"/>
-              </a:rPr>
-              <a:t> </a:t>
-            </a:r>
-            <a:r>
-              <a:rPr sz="3200" b="1" spc="-30" dirty="0">
-                <a:latin typeface="Roboto Bk"/>
-                <a:cs typeface="Roboto Bk"/>
-              </a:rPr>
-              <a:t>goals.</a:t>
-            </a:r>
-            <a:endParaRPr sz="3200">
-              <a:latin typeface="Roboto Bk"/>
-              <a:cs typeface="Roboto Bk"/>
-            </a:endParaRPr>
-          </a:p>
-        </p:txBody>
-      </p:sp>
-      <p:grpSp>
-        <p:nvGrpSpPr>
-          <p:cNvPr id="4" name="object 4"/>
-          <p:cNvGrpSpPr/>
-          <p:nvPr/>
-        </p:nvGrpSpPr>
-        <p:grpSpPr>
-          <a:xfrm>
-            <a:off x="233066" y="1088759"/>
-            <a:ext cx="8910955" cy="3347085"/>
-            <a:chOff x="233066" y="1088759"/>
-            <a:chExt cx="8910955" cy="3347085"/>
-          </a:xfrm>
-        </p:grpSpPr>
-        <p:pic>
-          <p:nvPicPr>
-            <p:cNvPr id="5" name="object 5"/>
-            <p:cNvPicPr/>
-            <p:nvPr/>
-          </p:nvPicPr>
-          <p:blipFill>
-            <a:blip r:embed="rId2" cstate="print"/>
-            <a:stretch>
-              <a:fillRect/>
-            </a:stretch>
-          </p:blipFill>
-          <p:spPr>
-            <a:xfrm>
-              <a:off x="233066" y="1088759"/>
-              <a:ext cx="8768012" cy="2475191"/>
-            </a:xfrm>
-            <a:prstGeom prst="rect">
-              <a:avLst/>
-            </a:prstGeom>
-          </p:spPr>
-        </p:pic>
-        <p:sp>
-          <p:nvSpPr>
-            <p:cNvPr id="6" name="object 6"/>
-            <p:cNvSpPr/>
-            <p:nvPr/>
-          </p:nvSpPr>
-          <p:spPr>
-            <a:xfrm>
-              <a:off x="336296" y="1514220"/>
-              <a:ext cx="8808085" cy="2921000"/>
-            </a:xfrm>
-            <a:custGeom>
-              <a:avLst/>
-              <a:gdLst/>
-              <a:ahLst/>
-              <a:cxnLst/>
-              <a:rect l="l" t="t" r="r" b="b"/>
-              <a:pathLst>
-                <a:path w="8808085" h="2921000">
-                  <a:moveTo>
-                    <a:pt x="0" y="2920999"/>
-                  </a:moveTo>
-                  <a:lnTo>
-                    <a:pt x="0" y="0"/>
-                  </a:lnTo>
-                  <a:lnTo>
-                    <a:pt x="8807704" y="0"/>
-                  </a:lnTo>
-                  <a:lnTo>
-                    <a:pt x="8807704" y="2920999"/>
-                  </a:lnTo>
-                  <a:lnTo>
-                    <a:pt x="0" y="2920999"/>
-                  </a:lnTo>
-                  <a:close/>
-                </a:path>
-              </a:pathLst>
-            </a:custGeom>
-            <a:solidFill>
-              <a:srgbClr val="FFFFFF"/>
-            </a:solidFill>
-          </p:spPr>
-          <p:txBody>
-            <a:bodyPr wrap="square" lIns="0" tIns="0" rIns="0" bIns="0" rtlCol="0"/>
-            <a:lstStyle/>
-            <a:p>
-              <a:endParaRPr/>
-            </a:p>
-          </p:txBody>
-        </p:sp>
-      </p:grpSp>
-      <p:sp>
-        <p:nvSpPr>
-          <p:cNvPr id="7" name="object 7"/>
-          <p:cNvSpPr txBox="1"/>
-          <p:nvPr/>
-        </p:nvSpPr>
-        <p:spPr>
-          <a:xfrm>
-            <a:off x="242557" y="1366265"/>
-            <a:ext cx="8672843" cy="3673442"/>
-          </a:xfrm>
-          <a:prstGeom prst="rect">
-            <a:avLst/>
-          </a:prstGeom>
-        </p:spPr>
-        <p:txBody>
           <a:bodyPr vert="horz" wrap="square" lIns="0" tIns="17145" rIns="0" bIns="0" rtlCol="0">
             <a:spAutoFit/>
           </a:bodyPr>
           <a:lstStyle/>
           <a:p>
-            <a:pPr marL="50800" marR="43180" algn="ctr">
+            <a:pPr marL="50800" marR="43180">
               <a:lnSpc>
                 <a:spcPct val="99100"/>
               </a:lnSpc>
@@ -3601,99 +4209,132 @@
             </a:pPr>
             <a:r>
               <a:rPr lang="en-US" sz="2400" dirty="0">
-                <a:latin typeface="Arial MT"/>
-                <a:cs typeface="Arial MT"/>
+                <a:latin typeface="Times New Roman" panose="02020603050405020304" pitchFamily="18" charset="0"/>
+                <a:cs typeface="Times New Roman" panose="02020603050405020304" pitchFamily="18" charset="0"/>
               </a:rPr>
               <a:t>The social share buttons is a simple HTML and CSS </a:t>
             </a:r>
             <a:r>
               <a:rPr sz="2400" dirty="0">
-                <a:latin typeface="Arial MT"/>
-                <a:cs typeface="Arial MT"/>
+                <a:latin typeface="Times New Roman" panose="02020603050405020304" pitchFamily="18" charset="0"/>
+                <a:cs typeface="Times New Roman" panose="02020603050405020304" pitchFamily="18" charset="0"/>
               </a:rPr>
               <a:t>code  </a:t>
             </a:r>
             <a:r>
               <a:rPr sz="2400" spc="-5" dirty="0">
-                <a:latin typeface="Arial MT"/>
-                <a:cs typeface="Arial MT"/>
+                <a:latin typeface="Times New Roman" panose="02020603050405020304" pitchFamily="18" charset="0"/>
+                <a:cs typeface="Times New Roman" panose="02020603050405020304" pitchFamily="18" charset="0"/>
               </a:rPr>
               <a:t>designed </a:t>
             </a:r>
             <a:r>
               <a:rPr sz="2400" dirty="0">
-                <a:latin typeface="Arial MT"/>
-                <a:cs typeface="Arial MT"/>
+                <a:latin typeface="Times New Roman" panose="02020603050405020304" pitchFamily="18" charset="0"/>
+                <a:cs typeface="Times New Roman" panose="02020603050405020304" pitchFamily="18" charset="0"/>
               </a:rPr>
               <a:t>to create </a:t>
             </a:r>
             <a:r>
               <a:rPr sz="2400" spc="-5" dirty="0">
-                <a:latin typeface="Arial MT"/>
-                <a:cs typeface="Arial MT"/>
+                <a:latin typeface="Times New Roman" panose="02020603050405020304" pitchFamily="18" charset="0"/>
+                <a:cs typeface="Times New Roman" panose="02020603050405020304" pitchFamily="18" charset="0"/>
               </a:rPr>
               <a:t>interactive and easy-to-use </a:t>
             </a:r>
             <a:r>
               <a:rPr sz="2400" dirty="0">
-                <a:latin typeface="Arial MT"/>
-                <a:cs typeface="Arial MT"/>
+                <a:latin typeface="Times New Roman" panose="02020603050405020304" pitchFamily="18" charset="0"/>
+                <a:cs typeface="Times New Roman" panose="02020603050405020304" pitchFamily="18" charset="0"/>
               </a:rPr>
               <a:t>social media </a:t>
             </a:r>
             <a:r>
               <a:rPr sz="2400" spc="5" dirty="0">
-                <a:latin typeface="Arial MT"/>
-                <a:cs typeface="Arial MT"/>
+                <a:latin typeface="Times New Roman" panose="02020603050405020304" pitchFamily="18" charset="0"/>
+                <a:cs typeface="Times New Roman" panose="02020603050405020304" pitchFamily="18" charset="0"/>
               </a:rPr>
               <a:t> </a:t>
             </a:r>
             <a:r>
               <a:rPr sz="2400" dirty="0">
-                <a:latin typeface="Arial MT"/>
-                <a:cs typeface="Arial MT"/>
+                <a:latin typeface="Times New Roman" panose="02020603050405020304" pitchFamily="18" charset="0"/>
+                <a:cs typeface="Times New Roman" panose="02020603050405020304" pitchFamily="18" charset="0"/>
               </a:rPr>
               <a:t>sharing </a:t>
             </a:r>
             <a:r>
               <a:rPr sz="2400" spc="-5" dirty="0">
-                <a:latin typeface="Arial MT"/>
-                <a:cs typeface="Arial MT"/>
+                <a:latin typeface="Times New Roman" panose="02020603050405020304" pitchFamily="18" charset="0"/>
+                <a:cs typeface="Times New Roman" panose="02020603050405020304" pitchFamily="18" charset="0"/>
               </a:rPr>
               <a:t>buttons </a:t>
             </a:r>
             <a:r>
               <a:rPr sz="2400" dirty="0">
-                <a:latin typeface="Arial MT"/>
-                <a:cs typeface="Arial MT"/>
+                <a:latin typeface="Times New Roman" panose="02020603050405020304" pitchFamily="18" charset="0"/>
+                <a:cs typeface="Times New Roman" panose="02020603050405020304" pitchFamily="18" charset="0"/>
               </a:rPr>
               <a:t>for a </a:t>
             </a:r>
             <a:r>
               <a:rPr sz="2400" spc="-5" dirty="0" smtClean="0">
-                <a:latin typeface="Arial MT"/>
-                <a:cs typeface="Arial MT"/>
+                <a:latin typeface="Times New Roman" panose="02020603050405020304" pitchFamily="18" charset="0"/>
+                <a:cs typeface="Times New Roman" panose="02020603050405020304" pitchFamily="18" charset="0"/>
               </a:rPr>
               <a:t>website</a:t>
             </a:r>
             <a:r>
               <a:rPr lang="en-US" sz="2400" spc="-5" dirty="0">
-                <a:latin typeface="Arial MT"/>
-                <a:cs typeface="Arial MT"/>
+                <a:latin typeface="Times New Roman" panose="02020603050405020304" pitchFamily="18" charset="0"/>
+                <a:cs typeface="Times New Roman" panose="02020603050405020304" pitchFamily="18" charset="0"/>
               </a:rPr>
               <a:t>. Social share buttons allow website visitors to share content on their social media profiles with just a click of a button. This can be incredibly beneficial for website owners, as it helps to increase the reach of their content and drive more traffic to their website. The buttons are linked to popular social media platforms such as Facebook, Twitter, and LinkedIn, allowing visitors to easily share the content on those platforms</a:t>
             </a:r>
             <a:r>
               <a:rPr lang="en-US" sz="2400" spc="-5" dirty="0" smtClean="0">
-                <a:latin typeface="Arial MT"/>
-                <a:cs typeface="Arial MT"/>
+                <a:latin typeface="Times New Roman" panose="02020603050405020304" pitchFamily="18" charset="0"/>
+                <a:cs typeface="Times New Roman" panose="02020603050405020304" pitchFamily="18" charset="0"/>
               </a:rPr>
               <a:t>.</a:t>
             </a:r>
             <a:endParaRPr lang="en-US" sz="2400" spc="-5" dirty="0">
-              <a:latin typeface="Arial MT"/>
-              <a:cs typeface="Arial MT"/>
+              <a:latin typeface="Times New Roman" panose="02020603050405020304" pitchFamily="18" charset="0"/>
+              <a:cs typeface="Times New Roman" panose="02020603050405020304" pitchFamily="18" charset="0"/>
             </a:endParaRPr>
+          </a:p>
+        </p:txBody>
+      </p:sp>
+      <p:sp>
+        <p:nvSpPr>
+          <p:cNvPr id="8" name="TextBox 7"/>
+          <p:cNvSpPr txBox="1"/>
+          <p:nvPr/>
+        </p:nvSpPr>
+        <p:spPr>
+          <a:xfrm>
+            <a:off x="230017" y="1143000"/>
+            <a:ext cx="8672843" cy="830997"/>
+          </a:xfrm>
+          <a:prstGeom prst="rect">
+            <a:avLst/>
+          </a:prstGeom>
+          <a:noFill/>
+        </p:spPr>
+        <p:txBody>
+          <a:bodyPr wrap="square" rtlCol="0">
+            <a:spAutoFit/>
+          </a:bodyPr>
+          <a:lstStyle/>
+          <a:p>
+            <a:pPr algn="ctr"/>
+            <a:r>
+              <a:rPr lang="en-US" sz="4800" b="1" dirty="0" smtClean="0">
+                <a:latin typeface="Times New Roman" panose="02020603050405020304" pitchFamily="18" charset="0"/>
+                <a:cs typeface="Times New Roman" panose="02020603050405020304" pitchFamily="18" charset="0"/>
+              </a:rPr>
+              <a:t>Social Share Button</a:t>
+            </a:r>
           </a:p>
         </p:txBody>
       </p:sp>
@@ -3760,8 +4401,8 @@
                 <a:solidFill>
                   <a:srgbClr val="000000"/>
                 </a:solidFill>
-                <a:latin typeface="Roboto Bk"/>
-                <a:cs typeface="Roboto Bk"/>
+                <a:latin typeface="Times New Roman" panose="02020603050405020304" pitchFamily="18" charset="0"/>
+                <a:cs typeface="Times New Roman" panose="02020603050405020304" pitchFamily="18" charset="0"/>
               </a:rPr>
               <a:t>Problem</a:t>
             </a:r>
@@ -3770,8 +4411,8 @@
                 <a:solidFill>
                   <a:srgbClr val="000000"/>
                 </a:solidFill>
-                <a:latin typeface="Roboto Bk"/>
-                <a:cs typeface="Roboto Bk"/>
+                <a:latin typeface="Times New Roman" panose="02020603050405020304" pitchFamily="18" charset="0"/>
+                <a:cs typeface="Times New Roman" panose="02020603050405020304" pitchFamily="18" charset="0"/>
               </a:rPr>
               <a:t> </a:t>
             </a:r>
@@ -3780,14 +4421,14 @@
                 <a:solidFill>
                   <a:srgbClr val="000000"/>
                 </a:solidFill>
-                <a:latin typeface="Roboto Bk"/>
-                <a:cs typeface="Roboto Bk"/>
+                <a:latin typeface="Times New Roman" panose="02020603050405020304" pitchFamily="18" charset="0"/>
+                <a:cs typeface="Times New Roman" panose="02020603050405020304" pitchFamily="18" charset="0"/>
               </a:rPr>
               <a:t>Statement</a:t>
             </a:r>
             <a:endParaRPr sz="3200" dirty="0">
-              <a:latin typeface="Roboto Bk"/>
-              <a:cs typeface="Roboto Bk"/>
+              <a:latin typeface="Times New Roman" panose="02020603050405020304" pitchFamily="18" charset="0"/>
+              <a:cs typeface="Times New Roman" panose="02020603050405020304" pitchFamily="18" charset="0"/>
             </a:endParaRPr>
           </a:p>
         </p:txBody>
@@ -3800,8 +4441,8 @@
         </p:nvSpPr>
         <p:spPr>
           <a:xfrm>
-            <a:off x="152400" y="1371600"/>
-            <a:ext cx="8766810" cy="3706143"/>
+            <a:off x="175727" y="1066800"/>
+            <a:ext cx="8766810" cy="4752583"/>
           </a:xfrm>
           <a:prstGeom prst="rect">
             <a:avLst/>
@@ -3822,22 +4463,22 @@
               </a:spcBef>
             </a:pPr>
             <a:r>
-              <a:rPr lang="en-US" sz="2400" dirty="0">
-                <a:latin typeface="Arial MT"/>
-                <a:cs typeface="Arial MT"/>
+              <a:rPr lang="en-US" sz="2800" dirty="0">
+                <a:latin typeface="Times New Roman" panose="02020603050405020304" pitchFamily="18" charset="0"/>
+                <a:cs typeface="Times New Roman" panose="02020603050405020304" pitchFamily="18" charset="0"/>
               </a:rPr>
               <a:t>Despite the prevalence of social share buttons on websites and blogs, many users still struggle to effectively share content on their preferred social media platforms. This can result in frustration, decreased engagement, and missed opportunities for website owners to expand their reach. Additionally, the use of social share buttons can potentially compromise user privacy and security, raising concerns about data collection and tracking practices. Therefore, there is a need for a user-friendly and secure social share button solution that can enhance content sharing while respecting user </a:t>
             </a:r>
             <a:r>
-              <a:rPr lang="en-US" sz="2400" dirty="0" smtClean="0">
-                <a:latin typeface="Arial MT"/>
-                <a:cs typeface="Arial MT"/>
+              <a:rPr lang="en-US" sz="2800" dirty="0" smtClean="0">
+                <a:latin typeface="Times New Roman" panose="02020603050405020304" pitchFamily="18" charset="0"/>
+                <a:cs typeface="Times New Roman" panose="02020603050405020304" pitchFamily="18" charset="0"/>
               </a:rPr>
               <a:t>privacy.</a:t>
             </a:r>
-            <a:endParaRPr lang="en-US" sz="2400" dirty="0">
-              <a:latin typeface="Arial MT"/>
-              <a:cs typeface="Arial MT"/>
+            <a:endParaRPr lang="en-US" sz="2800" dirty="0">
+              <a:latin typeface="Times New Roman" panose="02020603050405020304" pitchFamily="18" charset="0"/>
+              <a:cs typeface="Times New Roman" panose="02020603050405020304" pitchFamily="18" charset="0"/>
             </a:endParaRPr>
           </a:p>
         </p:txBody>
@@ -3905,8 +4546,8 @@
                 <a:solidFill>
                   <a:srgbClr val="000000"/>
                 </a:solidFill>
-                <a:latin typeface="Roboto Bk"/>
-                <a:cs typeface="Roboto Bk"/>
+                <a:latin typeface="Times New Roman" panose="02020603050405020304" pitchFamily="18" charset="0"/>
+                <a:cs typeface="Times New Roman" panose="02020603050405020304" pitchFamily="18" charset="0"/>
               </a:rPr>
               <a:t>Technical</a:t>
             </a:r>
@@ -3915,8 +4556,8 @@
                 <a:solidFill>
                   <a:srgbClr val="000000"/>
                 </a:solidFill>
-                <a:latin typeface="Roboto Bk"/>
-                <a:cs typeface="Roboto Bk"/>
+                <a:latin typeface="Times New Roman" panose="02020603050405020304" pitchFamily="18" charset="0"/>
+                <a:cs typeface="Times New Roman" panose="02020603050405020304" pitchFamily="18" charset="0"/>
               </a:rPr>
               <a:t> </a:t>
             </a:r>
@@ -3925,14 +4566,14 @@
                 <a:solidFill>
                   <a:srgbClr val="000000"/>
                 </a:solidFill>
-                <a:latin typeface="Roboto Bk"/>
-                <a:cs typeface="Roboto Bk"/>
+                <a:latin typeface="Times New Roman" panose="02020603050405020304" pitchFamily="18" charset="0"/>
+                <a:cs typeface="Times New Roman" panose="02020603050405020304" pitchFamily="18" charset="0"/>
               </a:rPr>
               <a:t>Details</a:t>
             </a:r>
             <a:endParaRPr sz="3200" dirty="0">
-              <a:latin typeface="Roboto Bk"/>
-              <a:cs typeface="Roboto Bk"/>
+              <a:latin typeface="Times New Roman" panose="02020603050405020304" pitchFamily="18" charset="0"/>
+              <a:cs typeface="Times New Roman" panose="02020603050405020304" pitchFamily="18" charset="0"/>
             </a:endParaRPr>
           </a:p>
         </p:txBody>
@@ -3965,84 +4606,84 @@
             </a:pPr>
             <a:r>
               <a:rPr sz="3200" b="1" spc="85" dirty="0">
-                <a:latin typeface="Roboto Bk"/>
-                <a:cs typeface="Roboto Bk"/>
+                <a:latin typeface="Times New Roman" panose="02020603050405020304" pitchFamily="18" charset="0"/>
+                <a:cs typeface="Times New Roman" panose="02020603050405020304" pitchFamily="18" charset="0"/>
               </a:rPr>
               <a:t>This</a:t>
             </a:r>
             <a:r>
               <a:rPr sz="3200" b="1" spc="30" dirty="0">
-                <a:latin typeface="Roboto Bk"/>
-                <a:cs typeface="Roboto Bk"/>
+                <a:latin typeface="Times New Roman" panose="02020603050405020304" pitchFamily="18" charset="0"/>
+                <a:cs typeface="Times New Roman" panose="02020603050405020304" pitchFamily="18" charset="0"/>
               </a:rPr>
               <a:t> </a:t>
             </a:r>
             <a:r>
               <a:rPr sz="3200" b="1" spc="55" dirty="0">
-                <a:latin typeface="Roboto Bk"/>
-                <a:cs typeface="Roboto Bk"/>
+                <a:latin typeface="Times New Roman" panose="02020603050405020304" pitchFamily="18" charset="0"/>
+                <a:cs typeface="Times New Roman" panose="02020603050405020304" pitchFamily="18" charset="0"/>
               </a:rPr>
               <a:t>slide</a:t>
             </a:r>
             <a:r>
               <a:rPr sz="3200" b="1" spc="30" dirty="0">
-                <a:latin typeface="Roboto Bk"/>
-                <a:cs typeface="Roboto Bk"/>
+                <a:latin typeface="Times New Roman" panose="02020603050405020304" pitchFamily="18" charset="0"/>
+                <a:cs typeface="Times New Roman" panose="02020603050405020304" pitchFamily="18" charset="0"/>
               </a:rPr>
               <a:t> </a:t>
             </a:r>
             <a:r>
               <a:rPr sz="3200" b="1" spc="100" dirty="0">
-                <a:latin typeface="Roboto Bk"/>
-                <a:cs typeface="Roboto Bk"/>
+                <a:latin typeface="Times New Roman" panose="02020603050405020304" pitchFamily="18" charset="0"/>
+                <a:cs typeface="Times New Roman" panose="02020603050405020304" pitchFamily="18" charset="0"/>
               </a:rPr>
               <a:t>should</a:t>
             </a:r>
             <a:r>
               <a:rPr sz="3200" b="1" spc="35" dirty="0">
-                <a:latin typeface="Roboto Bk"/>
-                <a:cs typeface="Roboto Bk"/>
+                <a:latin typeface="Times New Roman" panose="02020603050405020304" pitchFamily="18" charset="0"/>
+                <a:cs typeface="Times New Roman" panose="02020603050405020304" pitchFamily="18" charset="0"/>
               </a:rPr>
               <a:t> </a:t>
             </a:r>
             <a:r>
               <a:rPr sz="3200" b="1" spc="125" dirty="0">
-                <a:latin typeface="Roboto Bk"/>
-                <a:cs typeface="Roboto Bk"/>
+                <a:latin typeface="Times New Roman" panose="02020603050405020304" pitchFamily="18" charset="0"/>
+                <a:cs typeface="Times New Roman" panose="02020603050405020304" pitchFamily="18" charset="0"/>
               </a:rPr>
               <a:t>include</a:t>
             </a:r>
             <a:r>
               <a:rPr sz="3200" b="1" spc="30" dirty="0">
-                <a:latin typeface="Roboto Bk"/>
-                <a:cs typeface="Roboto Bk"/>
+                <a:latin typeface="Times New Roman" panose="02020603050405020304" pitchFamily="18" charset="0"/>
+                <a:cs typeface="Times New Roman" panose="02020603050405020304" pitchFamily="18" charset="0"/>
               </a:rPr>
               <a:t> </a:t>
             </a:r>
             <a:r>
               <a:rPr sz="3200" b="1" spc="150" dirty="0">
-                <a:latin typeface="Roboto Bk"/>
-                <a:cs typeface="Roboto Bk"/>
+                <a:latin typeface="Times New Roman" panose="02020603050405020304" pitchFamily="18" charset="0"/>
+                <a:cs typeface="Times New Roman" panose="02020603050405020304" pitchFamily="18" charset="0"/>
               </a:rPr>
               <a:t>brief</a:t>
             </a:r>
             <a:r>
               <a:rPr sz="3200" b="1" spc="35" dirty="0">
-                <a:latin typeface="Roboto Bk"/>
-                <a:cs typeface="Roboto Bk"/>
+                <a:latin typeface="Times New Roman" panose="02020603050405020304" pitchFamily="18" charset="0"/>
+                <a:cs typeface="Times New Roman" panose="02020603050405020304" pitchFamily="18" charset="0"/>
               </a:rPr>
               <a:t> </a:t>
             </a:r>
             <a:r>
               <a:rPr sz="3200" b="1" spc="185" dirty="0">
-                <a:latin typeface="Roboto Bk"/>
-                <a:cs typeface="Roboto Bk"/>
+                <a:latin typeface="Times New Roman" panose="02020603050405020304" pitchFamily="18" charset="0"/>
+                <a:cs typeface="Times New Roman" panose="02020603050405020304" pitchFamily="18" charset="0"/>
               </a:rPr>
               <a:t>overview</a:t>
             </a:r>
             <a:endParaRPr sz="3200">
-              <a:latin typeface="Roboto Bk"/>
-              <a:cs typeface="Roboto Bk"/>
+              <a:latin typeface="Times New Roman" panose="02020603050405020304" pitchFamily="18" charset="0"/>
+              <a:cs typeface="Times New Roman" panose="02020603050405020304" pitchFamily="18" charset="0"/>
             </a:endParaRPr>
           </a:p>
           <a:p>
@@ -4053,84 +4694,84 @@
             </a:pPr>
             <a:r>
               <a:rPr sz="3200" b="1" spc="40" dirty="0">
-                <a:latin typeface="Roboto Bk"/>
-                <a:cs typeface="Roboto Bk"/>
+                <a:latin typeface="Times New Roman" panose="02020603050405020304" pitchFamily="18" charset="0"/>
+                <a:cs typeface="Times New Roman" panose="02020603050405020304" pitchFamily="18" charset="0"/>
               </a:rPr>
               <a:t>of</a:t>
             </a:r>
             <a:r>
               <a:rPr sz="3200" b="1" spc="20" dirty="0">
-                <a:latin typeface="Roboto Bk"/>
-                <a:cs typeface="Roboto Bk"/>
+                <a:latin typeface="Times New Roman" panose="02020603050405020304" pitchFamily="18" charset="0"/>
+                <a:cs typeface="Times New Roman" panose="02020603050405020304" pitchFamily="18" charset="0"/>
               </a:rPr>
               <a:t> </a:t>
             </a:r>
             <a:r>
               <a:rPr sz="3200" b="1" spc="90" dirty="0">
-                <a:latin typeface="Roboto Bk"/>
-                <a:cs typeface="Roboto Bk"/>
+                <a:latin typeface="Times New Roman" panose="02020603050405020304" pitchFamily="18" charset="0"/>
+                <a:cs typeface="Times New Roman" panose="02020603050405020304" pitchFamily="18" charset="0"/>
               </a:rPr>
               <a:t>the</a:t>
             </a:r>
             <a:r>
               <a:rPr sz="3200" b="1" spc="25" dirty="0">
-                <a:latin typeface="Roboto Bk"/>
-                <a:cs typeface="Roboto Bk"/>
+                <a:latin typeface="Times New Roman" panose="02020603050405020304" pitchFamily="18" charset="0"/>
+                <a:cs typeface="Times New Roman" panose="02020603050405020304" pitchFamily="18" charset="0"/>
               </a:rPr>
               <a:t> </a:t>
             </a:r>
             <a:r>
               <a:rPr sz="3200" b="1" spc="50" dirty="0">
-                <a:latin typeface="Roboto Bk"/>
-                <a:cs typeface="Roboto Bk"/>
+                <a:latin typeface="Times New Roman" panose="02020603050405020304" pitchFamily="18" charset="0"/>
+                <a:cs typeface="Times New Roman" panose="02020603050405020304" pitchFamily="18" charset="0"/>
               </a:rPr>
               <a:t>technologies</a:t>
             </a:r>
             <a:r>
               <a:rPr sz="3200" b="1" spc="20" dirty="0">
-                <a:latin typeface="Roboto Bk"/>
-                <a:cs typeface="Roboto Bk"/>
+                <a:latin typeface="Times New Roman" panose="02020603050405020304" pitchFamily="18" charset="0"/>
+                <a:cs typeface="Times New Roman" panose="02020603050405020304" pitchFamily="18" charset="0"/>
               </a:rPr>
               <a:t> </a:t>
             </a:r>
             <a:r>
               <a:rPr sz="3200" b="1" spc="175" dirty="0">
-                <a:latin typeface="Roboto Bk"/>
-                <a:cs typeface="Roboto Bk"/>
+                <a:latin typeface="Times New Roman" panose="02020603050405020304" pitchFamily="18" charset="0"/>
+                <a:cs typeface="Times New Roman" panose="02020603050405020304" pitchFamily="18" charset="0"/>
               </a:rPr>
               <a:t>and</a:t>
             </a:r>
             <a:r>
               <a:rPr sz="3200" b="1" spc="25" dirty="0">
-                <a:latin typeface="Roboto Bk"/>
-                <a:cs typeface="Roboto Bk"/>
+                <a:latin typeface="Times New Roman" panose="02020603050405020304" pitchFamily="18" charset="0"/>
+                <a:cs typeface="Times New Roman" panose="02020603050405020304" pitchFamily="18" charset="0"/>
               </a:rPr>
               <a:t> </a:t>
             </a:r>
             <a:r>
               <a:rPr sz="3200" b="1" spc="75" dirty="0">
-                <a:latin typeface="Roboto Bk"/>
-                <a:cs typeface="Roboto Bk"/>
+                <a:latin typeface="Times New Roman" panose="02020603050405020304" pitchFamily="18" charset="0"/>
+                <a:cs typeface="Times New Roman" panose="02020603050405020304" pitchFamily="18" charset="0"/>
               </a:rPr>
               <a:t>methods</a:t>
             </a:r>
             <a:r>
               <a:rPr sz="3200" b="1" spc="20" dirty="0">
-                <a:latin typeface="Roboto Bk"/>
-                <a:cs typeface="Roboto Bk"/>
+                <a:latin typeface="Times New Roman" panose="02020603050405020304" pitchFamily="18" charset="0"/>
+                <a:cs typeface="Times New Roman" panose="02020603050405020304" pitchFamily="18" charset="0"/>
               </a:rPr>
               <a:t> </a:t>
             </a:r>
             <a:r>
               <a:rPr sz="3200" b="1" spc="15" dirty="0">
-                <a:latin typeface="Roboto Bk"/>
-                <a:cs typeface="Roboto Bk"/>
+                <a:latin typeface="Times New Roman" panose="02020603050405020304" pitchFamily="18" charset="0"/>
+                <a:cs typeface="Times New Roman" panose="02020603050405020304" pitchFamily="18" charset="0"/>
               </a:rPr>
               <a:t>used.</a:t>
             </a:r>
             <a:endParaRPr sz="3200">
-              <a:latin typeface="Roboto Bk"/>
-              <a:cs typeface="Roboto Bk"/>
+              <a:latin typeface="Times New Roman" panose="02020603050405020304" pitchFamily="18" charset="0"/>
+              <a:cs typeface="Times New Roman" panose="02020603050405020304" pitchFamily="18" charset="0"/>
             </a:endParaRPr>
           </a:p>
           <a:p>
@@ -4141,14 +4782,14 @@
             </a:pPr>
             <a:r>
               <a:rPr sz="3200" b="1" spc="-170" dirty="0">
-                <a:latin typeface="Roboto Bk"/>
-                <a:cs typeface="Roboto Bk"/>
+                <a:latin typeface="Times New Roman" panose="02020603050405020304" pitchFamily="18" charset="0"/>
+                <a:cs typeface="Times New Roman" panose="02020603050405020304" pitchFamily="18" charset="0"/>
               </a:rPr>
               <a:t>.</a:t>
             </a:r>
             <a:endParaRPr sz="3200">
-              <a:latin typeface="Roboto Bk"/>
-              <a:cs typeface="Roboto Bk"/>
+              <a:latin typeface="Times New Roman" panose="02020603050405020304" pitchFamily="18" charset="0"/>
+              <a:cs typeface="Times New Roman" panose="02020603050405020304" pitchFamily="18" charset="0"/>
             </a:endParaRPr>
           </a:p>
         </p:txBody>
@@ -4199,7 +4840,10 @@
           <a:bodyPr wrap="square" lIns="0" tIns="0" rIns="0" bIns="0" rtlCol="0"/>
           <a:lstStyle/>
           <a:p>
-            <a:endParaRPr/>
+            <a:endParaRPr>
+              <a:latin typeface="Times New Roman" panose="02020603050405020304" pitchFamily="18" charset="0"/>
+              <a:cs typeface="Times New Roman" panose="02020603050405020304" pitchFamily="18" charset="0"/>
+            </a:endParaRPr>
           </a:p>
         </p:txBody>
       </p:sp>
@@ -4212,7 +4856,7 @@
         <p:spPr>
           <a:xfrm>
             <a:off x="188442" y="1120394"/>
-            <a:ext cx="8495030" cy="3336811"/>
+            <a:ext cx="8495030" cy="4321696"/>
           </a:xfrm>
           <a:prstGeom prst="rect">
             <a:avLst/>
@@ -4233,351 +4877,351 @@
               </a:spcBef>
             </a:pPr>
             <a:r>
-              <a:rPr sz="2400" dirty="0">
-                <a:latin typeface="Arial MT"/>
-                <a:cs typeface="Arial MT"/>
+              <a:rPr sz="2800" dirty="0">
+                <a:latin typeface="Times New Roman" panose="02020603050405020304" pitchFamily="18" charset="0"/>
+                <a:cs typeface="Times New Roman" panose="02020603050405020304" pitchFamily="18" charset="0"/>
               </a:rPr>
               <a:t>The social share </a:t>
             </a:r>
             <a:r>
-              <a:rPr sz="2400" spc="-5" dirty="0">
-                <a:latin typeface="Arial MT"/>
-                <a:cs typeface="Arial MT"/>
+              <a:rPr sz="2800" spc="-5" dirty="0">
+                <a:latin typeface="Times New Roman" panose="02020603050405020304" pitchFamily="18" charset="0"/>
+                <a:cs typeface="Times New Roman" panose="02020603050405020304" pitchFamily="18" charset="0"/>
               </a:rPr>
               <a:t>buttons project is built using </a:t>
             </a:r>
             <a:r>
-              <a:rPr sz="2400" spc="-5" dirty="0" smtClean="0">
-                <a:latin typeface="Arial MT"/>
-                <a:cs typeface="Arial MT"/>
+              <a:rPr sz="2800" spc="-5" dirty="0" smtClean="0">
+                <a:latin typeface="Times New Roman" panose="02020603050405020304" pitchFamily="18" charset="0"/>
+                <a:cs typeface="Times New Roman" panose="02020603050405020304" pitchFamily="18" charset="0"/>
               </a:rPr>
               <a:t>HTML</a:t>
             </a:r>
             <a:r>
-              <a:rPr lang="en-US" sz="2400" spc="-5" dirty="0" smtClean="0">
-                <a:latin typeface="Arial MT"/>
-                <a:cs typeface="Arial MT"/>
+              <a:rPr lang="en-US" sz="2800" spc="-5" dirty="0" smtClean="0">
+                <a:latin typeface="Times New Roman" panose="02020603050405020304" pitchFamily="18" charset="0"/>
+                <a:cs typeface="Times New Roman" panose="02020603050405020304" pitchFamily="18" charset="0"/>
               </a:rPr>
               <a:t>, </a:t>
             </a:r>
             <a:r>
-              <a:rPr sz="2400" spc="-5" dirty="0" smtClean="0">
-                <a:latin typeface="Arial MT"/>
-                <a:cs typeface="Arial MT"/>
+              <a:rPr sz="2800" spc="-5" dirty="0" smtClean="0">
+                <a:latin typeface="Times New Roman" panose="02020603050405020304" pitchFamily="18" charset="0"/>
+                <a:cs typeface="Times New Roman" panose="02020603050405020304" pitchFamily="18" charset="0"/>
               </a:rPr>
               <a:t>CSS</a:t>
             </a:r>
             <a:r>
-              <a:rPr lang="en-US" sz="2400" spc="-5" dirty="0" smtClean="0">
-                <a:latin typeface="Arial MT"/>
-                <a:cs typeface="Arial MT"/>
+              <a:rPr lang="en-US" sz="2800" spc="-5" dirty="0" smtClean="0">
+                <a:latin typeface="Times New Roman" panose="02020603050405020304" pitchFamily="18" charset="0"/>
+                <a:cs typeface="Times New Roman" panose="02020603050405020304" pitchFamily="18" charset="0"/>
               </a:rPr>
               <a:t> and JavaScript</a:t>
             </a:r>
             <a:r>
-              <a:rPr sz="2400" spc="-5" dirty="0" smtClean="0">
-                <a:latin typeface="Arial MT"/>
-                <a:cs typeface="Arial MT"/>
+              <a:rPr sz="2800" spc="-5" dirty="0" smtClean="0">
+                <a:latin typeface="Times New Roman" panose="02020603050405020304" pitchFamily="18" charset="0"/>
+                <a:cs typeface="Times New Roman" panose="02020603050405020304" pitchFamily="18" charset="0"/>
               </a:rPr>
               <a:t>. </a:t>
             </a:r>
             <a:r>
-              <a:rPr sz="2400" dirty="0" smtClean="0">
-                <a:latin typeface="Arial MT"/>
-                <a:cs typeface="Arial MT"/>
+              <a:rPr sz="2800" dirty="0" smtClean="0">
+                <a:latin typeface="Times New Roman" panose="02020603050405020304" pitchFamily="18" charset="0"/>
+                <a:cs typeface="Times New Roman" panose="02020603050405020304" pitchFamily="18" charset="0"/>
               </a:rPr>
               <a:t>The </a:t>
             </a:r>
             <a:r>
-              <a:rPr sz="2400" spc="-5" dirty="0">
-                <a:latin typeface="Arial MT"/>
-                <a:cs typeface="Arial MT"/>
+              <a:rPr sz="2800" spc="-5" dirty="0">
+                <a:latin typeface="Times New Roman" panose="02020603050405020304" pitchFamily="18" charset="0"/>
+                <a:cs typeface="Times New Roman" panose="02020603050405020304" pitchFamily="18" charset="0"/>
               </a:rPr>
               <a:t>HTML </a:t>
             </a:r>
             <a:r>
-              <a:rPr sz="2400" dirty="0">
-                <a:latin typeface="Arial MT"/>
-                <a:cs typeface="Arial MT"/>
+              <a:rPr sz="2800" dirty="0">
+                <a:latin typeface="Times New Roman" panose="02020603050405020304" pitchFamily="18" charset="0"/>
+                <a:cs typeface="Times New Roman" panose="02020603050405020304" pitchFamily="18" charset="0"/>
               </a:rPr>
               <a:t>code </a:t>
             </a:r>
             <a:r>
-              <a:rPr sz="2400" spc="-5" dirty="0">
-                <a:latin typeface="Arial MT"/>
-                <a:cs typeface="Arial MT"/>
+              <a:rPr sz="2800" spc="-5" dirty="0">
+                <a:latin typeface="Times New Roman" panose="02020603050405020304" pitchFamily="18" charset="0"/>
+                <a:cs typeface="Times New Roman" panose="02020603050405020304" pitchFamily="18" charset="0"/>
               </a:rPr>
               <a:t>defines </a:t>
             </a:r>
             <a:r>
-              <a:rPr sz="2400" dirty="0">
-                <a:latin typeface="Arial MT"/>
-                <a:cs typeface="Arial MT"/>
+              <a:rPr sz="2800" dirty="0">
+                <a:latin typeface="Times New Roman" panose="02020603050405020304" pitchFamily="18" charset="0"/>
+                <a:cs typeface="Times New Roman" panose="02020603050405020304" pitchFamily="18" charset="0"/>
               </a:rPr>
               <a:t>the structure </a:t>
             </a:r>
             <a:r>
-              <a:rPr sz="2400" spc="-5" dirty="0">
-                <a:latin typeface="Arial MT"/>
-                <a:cs typeface="Arial MT"/>
+              <a:rPr sz="2800" spc="-5" dirty="0">
+                <a:latin typeface="Times New Roman" panose="02020603050405020304" pitchFamily="18" charset="0"/>
+                <a:cs typeface="Times New Roman" panose="02020603050405020304" pitchFamily="18" charset="0"/>
               </a:rPr>
               <a:t>of </a:t>
             </a:r>
             <a:r>
-              <a:rPr sz="2400" dirty="0">
-                <a:latin typeface="Arial MT"/>
-                <a:cs typeface="Arial MT"/>
+              <a:rPr sz="2800" dirty="0">
+                <a:latin typeface="Times New Roman" panose="02020603050405020304" pitchFamily="18" charset="0"/>
+                <a:cs typeface="Times New Roman" panose="02020603050405020304" pitchFamily="18" charset="0"/>
               </a:rPr>
               <a:t>the </a:t>
             </a:r>
             <a:r>
-              <a:rPr sz="2400" spc="-5" dirty="0">
-                <a:latin typeface="Arial MT"/>
-                <a:cs typeface="Arial MT"/>
+              <a:rPr sz="2800" spc="-5" dirty="0">
+                <a:latin typeface="Times New Roman" panose="02020603050405020304" pitchFamily="18" charset="0"/>
+                <a:cs typeface="Times New Roman" panose="02020603050405020304" pitchFamily="18" charset="0"/>
               </a:rPr>
               <a:t>project, while </a:t>
             </a:r>
             <a:r>
-              <a:rPr sz="2400" dirty="0">
-                <a:latin typeface="Arial MT"/>
-                <a:cs typeface="Arial MT"/>
+              <a:rPr sz="2800" dirty="0">
+                <a:latin typeface="Times New Roman" panose="02020603050405020304" pitchFamily="18" charset="0"/>
+                <a:cs typeface="Times New Roman" panose="02020603050405020304" pitchFamily="18" charset="0"/>
               </a:rPr>
               <a:t>the </a:t>
             </a:r>
             <a:r>
-              <a:rPr sz="2400" spc="-5" dirty="0" smtClean="0">
-                <a:latin typeface="Arial MT"/>
-                <a:cs typeface="Arial MT"/>
+              <a:rPr sz="2800" spc="-5" dirty="0" smtClean="0">
+                <a:latin typeface="Times New Roman" panose="02020603050405020304" pitchFamily="18" charset="0"/>
+                <a:cs typeface="Times New Roman" panose="02020603050405020304" pitchFamily="18" charset="0"/>
               </a:rPr>
               <a:t>CSS </a:t>
             </a:r>
             <a:r>
-              <a:rPr sz="2400" dirty="0">
-                <a:latin typeface="Arial MT"/>
-                <a:cs typeface="Arial MT"/>
+              <a:rPr sz="2800" dirty="0">
+                <a:latin typeface="Times New Roman" panose="02020603050405020304" pitchFamily="18" charset="0"/>
+                <a:cs typeface="Times New Roman" panose="02020603050405020304" pitchFamily="18" charset="0"/>
               </a:rPr>
               <a:t>code </a:t>
             </a:r>
             <a:r>
-              <a:rPr sz="2400" spc="-5" dirty="0">
-                <a:latin typeface="Arial MT"/>
-                <a:cs typeface="Arial MT"/>
+              <a:rPr sz="2800" spc="-5" dirty="0">
+                <a:latin typeface="Times New Roman" panose="02020603050405020304" pitchFamily="18" charset="0"/>
+                <a:cs typeface="Times New Roman" panose="02020603050405020304" pitchFamily="18" charset="0"/>
               </a:rPr>
               <a:t>defines </a:t>
             </a:r>
             <a:r>
-              <a:rPr sz="2400" dirty="0">
-                <a:latin typeface="Arial MT"/>
-                <a:cs typeface="Arial MT"/>
+              <a:rPr sz="2800" dirty="0">
+                <a:latin typeface="Times New Roman" panose="02020603050405020304" pitchFamily="18" charset="0"/>
+                <a:cs typeface="Times New Roman" panose="02020603050405020304" pitchFamily="18" charset="0"/>
               </a:rPr>
               <a:t>the styling </a:t>
             </a:r>
             <a:r>
-              <a:rPr sz="2400" spc="-5" dirty="0">
-                <a:latin typeface="Arial MT"/>
-                <a:cs typeface="Arial MT"/>
+              <a:rPr sz="2800" spc="-5" dirty="0">
+                <a:latin typeface="Times New Roman" panose="02020603050405020304" pitchFamily="18" charset="0"/>
+                <a:cs typeface="Times New Roman" panose="02020603050405020304" pitchFamily="18" charset="0"/>
               </a:rPr>
               <a:t>of each element. </a:t>
             </a:r>
             <a:r>
-              <a:rPr sz="2400" dirty="0">
-                <a:latin typeface="Arial MT"/>
-                <a:cs typeface="Arial MT"/>
+              <a:rPr sz="2800" dirty="0">
+                <a:latin typeface="Times New Roman" panose="02020603050405020304" pitchFamily="18" charset="0"/>
+                <a:cs typeface="Times New Roman" panose="02020603050405020304" pitchFamily="18" charset="0"/>
               </a:rPr>
               <a:t>The </a:t>
             </a:r>
             <a:r>
-              <a:rPr sz="2400" spc="-5" dirty="0">
-                <a:latin typeface="Arial MT"/>
-                <a:cs typeface="Arial MT"/>
+              <a:rPr sz="2800" spc="-5" dirty="0">
+                <a:latin typeface="Times New Roman" panose="02020603050405020304" pitchFamily="18" charset="0"/>
+                <a:cs typeface="Times New Roman" panose="02020603050405020304" pitchFamily="18" charset="0"/>
               </a:rPr>
               <a:t>project </a:t>
             </a:r>
             <a:r>
-              <a:rPr sz="2400" dirty="0" smtClean="0">
-                <a:latin typeface="Arial MT"/>
-                <a:cs typeface="Arial MT"/>
+              <a:rPr sz="2800" dirty="0" smtClean="0">
+                <a:latin typeface="Times New Roman" panose="02020603050405020304" pitchFamily="18" charset="0"/>
+                <a:cs typeface="Times New Roman" panose="02020603050405020304" pitchFamily="18" charset="0"/>
               </a:rPr>
               <a:t>makes </a:t>
             </a:r>
             <a:r>
-              <a:rPr sz="2400" spc="-5" dirty="0">
-                <a:latin typeface="Arial MT"/>
-                <a:cs typeface="Arial MT"/>
+              <a:rPr sz="2800" spc="-5" dirty="0">
+                <a:latin typeface="Times New Roman" panose="02020603050405020304" pitchFamily="18" charset="0"/>
+                <a:cs typeface="Times New Roman" panose="02020603050405020304" pitchFamily="18" charset="0"/>
               </a:rPr>
               <a:t>use of </a:t>
             </a:r>
             <a:r>
-              <a:rPr sz="2400" dirty="0">
-                <a:latin typeface="Arial MT"/>
-                <a:cs typeface="Arial MT"/>
+              <a:rPr sz="2800" dirty="0">
+                <a:latin typeface="Times New Roman" panose="02020603050405020304" pitchFamily="18" charset="0"/>
+                <a:cs typeface="Times New Roman" panose="02020603050405020304" pitchFamily="18" charset="0"/>
               </a:rPr>
               <a:t>the </a:t>
             </a:r>
             <a:r>
-              <a:rPr lang="en-US" sz="2400" dirty="0" smtClean="0">
-                <a:latin typeface="Arial MT"/>
-                <a:cs typeface="Arial MT"/>
+              <a:rPr lang="en-US" sz="2800" dirty="0" smtClean="0">
+                <a:latin typeface="Times New Roman" panose="02020603050405020304" pitchFamily="18" charset="0"/>
+                <a:cs typeface="Times New Roman" panose="02020603050405020304" pitchFamily="18" charset="0"/>
               </a:rPr>
               <a:t>JS to add buttons dynamically on any webpage by just including its JS script link in head of the webpage</a:t>
             </a:r>
             <a:r>
-              <a:rPr sz="2400" spc="-5" dirty="0" smtClean="0">
-                <a:latin typeface="Arial MT"/>
-                <a:cs typeface="Arial MT"/>
+              <a:rPr sz="2800" spc="-5" dirty="0" smtClean="0">
+                <a:latin typeface="Times New Roman" panose="02020603050405020304" pitchFamily="18" charset="0"/>
+                <a:cs typeface="Times New Roman" panose="02020603050405020304" pitchFamily="18" charset="0"/>
               </a:rPr>
               <a:t>.</a:t>
             </a:r>
             <a:r>
-              <a:rPr lang="en-US" sz="2400" spc="-5" dirty="0">
-                <a:latin typeface="Arial MT"/>
-                <a:cs typeface="Arial MT"/>
+              <a:rPr lang="en-US" sz="2800" spc="-5" dirty="0">
+                <a:latin typeface="Times New Roman" panose="02020603050405020304" pitchFamily="18" charset="0"/>
+                <a:cs typeface="Times New Roman" panose="02020603050405020304" pitchFamily="18" charset="0"/>
               </a:rPr>
               <a:t> </a:t>
             </a:r>
             <a:r>
-              <a:rPr lang="en-US" sz="2400" spc="-5" dirty="0" smtClean="0">
-                <a:latin typeface="Arial MT"/>
-                <a:cs typeface="Arial MT"/>
+              <a:rPr lang="en-US" sz="2800" spc="-5" dirty="0" smtClean="0">
+                <a:latin typeface="Times New Roman" panose="02020603050405020304" pitchFamily="18" charset="0"/>
+                <a:cs typeface="Times New Roman" panose="02020603050405020304" pitchFamily="18" charset="0"/>
               </a:rPr>
               <a:t>JS also add functionality to open share link in new tab when share button is clicked. </a:t>
             </a:r>
             <a:r>
-              <a:rPr sz="2400" dirty="0" smtClean="0">
-                <a:latin typeface="Arial MT"/>
-                <a:cs typeface="Arial MT"/>
+              <a:rPr sz="2800" dirty="0" smtClean="0">
+                <a:latin typeface="Times New Roman" panose="02020603050405020304" pitchFamily="18" charset="0"/>
+                <a:cs typeface="Times New Roman" panose="02020603050405020304" pitchFamily="18" charset="0"/>
               </a:rPr>
               <a:t>The </a:t>
             </a:r>
             <a:r>
-              <a:rPr sz="2400" spc="-5" dirty="0">
-                <a:latin typeface="Arial MT"/>
-                <a:cs typeface="Arial MT"/>
+              <a:rPr sz="2800" spc="-5" dirty="0">
+                <a:latin typeface="Times New Roman" panose="02020603050405020304" pitchFamily="18" charset="0"/>
+                <a:cs typeface="Times New Roman" panose="02020603050405020304" pitchFamily="18" charset="0"/>
               </a:rPr>
               <a:t>CSS </a:t>
             </a:r>
             <a:r>
-              <a:rPr sz="2400" spc="-655" dirty="0">
-                <a:latin typeface="Arial MT"/>
-                <a:cs typeface="Arial MT"/>
+              <a:rPr sz="2800" spc="-655" dirty="0">
+                <a:latin typeface="Times New Roman" panose="02020603050405020304" pitchFamily="18" charset="0"/>
+                <a:cs typeface="Times New Roman" panose="02020603050405020304" pitchFamily="18" charset="0"/>
               </a:rPr>
               <a:t> </a:t>
             </a:r>
             <a:r>
-              <a:rPr sz="2400" dirty="0">
-                <a:latin typeface="Arial MT"/>
-                <a:cs typeface="Arial MT"/>
+              <a:rPr sz="2800" dirty="0">
+                <a:latin typeface="Times New Roman" panose="02020603050405020304" pitchFamily="18" charset="0"/>
+                <a:cs typeface="Times New Roman" panose="02020603050405020304" pitchFamily="18" charset="0"/>
               </a:rPr>
               <a:t>code </a:t>
             </a:r>
             <a:r>
-              <a:rPr sz="2400" spc="-5" dirty="0">
-                <a:latin typeface="Arial MT"/>
-                <a:cs typeface="Arial MT"/>
+              <a:rPr sz="2800" spc="-5" dirty="0">
+                <a:latin typeface="Times New Roman" panose="02020603050405020304" pitchFamily="18" charset="0"/>
+                <a:cs typeface="Times New Roman" panose="02020603050405020304" pitchFamily="18" charset="0"/>
               </a:rPr>
               <a:t>defines </a:t>
             </a:r>
             <a:r>
-              <a:rPr sz="2400" dirty="0">
-                <a:latin typeface="Arial MT"/>
-                <a:cs typeface="Arial MT"/>
+              <a:rPr sz="2800" dirty="0">
+                <a:latin typeface="Times New Roman" panose="02020603050405020304" pitchFamily="18" charset="0"/>
+                <a:cs typeface="Times New Roman" panose="02020603050405020304" pitchFamily="18" charset="0"/>
               </a:rPr>
               <a:t>the styling </a:t>
             </a:r>
             <a:r>
-              <a:rPr sz="2400" spc="-5" dirty="0">
-                <a:latin typeface="Arial MT"/>
-                <a:cs typeface="Arial MT"/>
+              <a:rPr sz="2800" spc="-5" dirty="0">
+                <a:latin typeface="Times New Roman" panose="02020603050405020304" pitchFamily="18" charset="0"/>
+                <a:cs typeface="Times New Roman" panose="02020603050405020304" pitchFamily="18" charset="0"/>
               </a:rPr>
               <a:t>of each </a:t>
             </a:r>
             <a:r>
-              <a:rPr sz="2400" dirty="0">
-                <a:latin typeface="Arial MT"/>
-                <a:cs typeface="Arial MT"/>
+              <a:rPr sz="2800" dirty="0">
+                <a:latin typeface="Times New Roman" panose="02020603050405020304" pitchFamily="18" charset="0"/>
+                <a:cs typeface="Times New Roman" panose="02020603050405020304" pitchFamily="18" charset="0"/>
               </a:rPr>
               <a:t>share </a:t>
             </a:r>
             <a:r>
-              <a:rPr sz="2400" spc="-5" dirty="0">
-                <a:latin typeface="Arial MT"/>
-                <a:cs typeface="Arial MT"/>
+              <a:rPr sz="2800" spc="-5" dirty="0">
+                <a:latin typeface="Times New Roman" panose="02020603050405020304" pitchFamily="18" charset="0"/>
+                <a:cs typeface="Times New Roman" panose="02020603050405020304" pitchFamily="18" charset="0"/>
               </a:rPr>
               <a:t>button div, including </a:t>
             </a:r>
             <a:r>
-              <a:rPr sz="2400" dirty="0">
-                <a:latin typeface="Arial MT"/>
-                <a:cs typeface="Arial MT"/>
+              <a:rPr sz="2800" dirty="0">
+                <a:latin typeface="Times New Roman" panose="02020603050405020304" pitchFamily="18" charset="0"/>
+                <a:cs typeface="Times New Roman" panose="02020603050405020304" pitchFamily="18" charset="0"/>
               </a:rPr>
               <a:t>the </a:t>
             </a:r>
             <a:r>
-              <a:rPr sz="2400" spc="-655" dirty="0">
-                <a:latin typeface="Arial MT"/>
-                <a:cs typeface="Arial MT"/>
+              <a:rPr sz="2800" spc="-655" dirty="0">
+                <a:latin typeface="Times New Roman" panose="02020603050405020304" pitchFamily="18" charset="0"/>
+                <a:cs typeface="Times New Roman" panose="02020603050405020304" pitchFamily="18" charset="0"/>
               </a:rPr>
               <a:t> </a:t>
             </a:r>
             <a:r>
-              <a:rPr sz="2400" spc="-5" dirty="0">
-                <a:latin typeface="Arial MT"/>
-                <a:cs typeface="Arial MT"/>
+              <a:rPr sz="2800" spc="-5" dirty="0">
+                <a:latin typeface="Times New Roman" panose="02020603050405020304" pitchFamily="18" charset="0"/>
+                <a:cs typeface="Times New Roman" panose="02020603050405020304" pitchFamily="18" charset="0"/>
               </a:rPr>
               <a:t>background</a:t>
             </a:r>
             <a:r>
-              <a:rPr sz="2400" spc="-10" dirty="0">
-                <a:latin typeface="Arial MT"/>
-                <a:cs typeface="Arial MT"/>
+              <a:rPr sz="2800" spc="-10" dirty="0">
+                <a:latin typeface="Times New Roman" panose="02020603050405020304" pitchFamily="18" charset="0"/>
+                <a:cs typeface="Times New Roman" panose="02020603050405020304" pitchFamily="18" charset="0"/>
               </a:rPr>
               <a:t> </a:t>
             </a:r>
             <a:r>
-              <a:rPr sz="2400" dirty="0">
-                <a:latin typeface="Arial MT"/>
-                <a:cs typeface="Arial MT"/>
+              <a:rPr sz="2800" dirty="0">
+                <a:latin typeface="Times New Roman" panose="02020603050405020304" pitchFamily="18" charset="0"/>
+                <a:cs typeface="Times New Roman" panose="02020603050405020304" pitchFamily="18" charset="0"/>
               </a:rPr>
               <a:t>color,</a:t>
             </a:r>
             <a:r>
-              <a:rPr sz="2400" spc="-5" dirty="0">
-                <a:latin typeface="Arial MT"/>
-                <a:cs typeface="Arial MT"/>
+              <a:rPr sz="2800" spc="-5" dirty="0">
+                <a:latin typeface="Times New Roman" panose="02020603050405020304" pitchFamily="18" charset="0"/>
+                <a:cs typeface="Times New Roman" panose="02020603050405020304" pitchFamily="18" charset="0"/>
               </a:rPr>
               <a:t> border </a:t>
             </a:r>
             <a:r>
-              <a:rPr sz="2400" dirty="0">
-                <a:latin typeface="Arial MT"/>
-                <a:cs typeface="Arial MT"/>
+              <a:rPr sz="2800" dirty="0">
+                <a:latin typeface="Times New Roman" panose="02020603050405020304" pitchFamily="18" charset="0"/>
+                <a:cs typeface="Times New Roman" panose="02020603050405020304" pitchFamily="18" charset="0"/>
               </a:rPr>
               <a:t>radius,</a:t>
             </a:r>
             <a:r>
-              <a:rPr sz="2400" spc="-5" dirty="0">
-                <a:latin typeface="Arial MT"/>
-                <a:cs typeface="Arial MT"/>
+              <a:rPr sz="2800" spc="-5" dirty="0">
+                <a:latin typeface="Times New Roman" panose="02020603050405020304" pitchFamily="18" charset="0"/>
+                <a:cs typeface="Times New Roman" panose="02020603050405020304" pitchFamily="18" charset="0"/>
               </a:rPr>
               <a:t> and hover</a:t>
             </a:r>
             <a:r>
-              <a:rPr sz="2400" spc="-10" dirty="0">
-                <a:latin typeface="Arial MT"/>
-                <a:cs typeface="Arial MT"/>
+              <a:rPr sz="2800" spc="-10" dirty="0">
+                <a:latin typeface="Times New Roman" panose="02020603050405020304" pitchFamily="18" charset="0"/>
+                <a:cs typeface="Times New Roman" panose="02020603050405020304" pitchFamily="18" charset="0"/>
               </a:rPr>
               <a:t> </a:t>
             </a:r>
             <a:r>
-              <a:rPr sz="2400" spc="-5" dirty="0">
-                <a:latin typeface="Arial MT"/>
-                <a:cs typeface="Arial MT"/>
+              <a:rPr sz="2800" spc="-5" dirty="0">
+                <a:latin typeface="Times New Roman" panose="02020603050405020304" pitchFamily="18" charset="0"/>
+                <a:cs typeface="Times New Roman" panose="02020603050405020304" pitchFamily="18" charset="0"/>
               </a:rPr>
               <a:t>effect.</a:t>
             </a:r>
-            <a:endParaRPr sz="2400" dirty="0">
-              <a:latin typeface="Arial MT"/>
-              <a:cs typeface="Arial MT"/>
+            <a:endParaRPr sz="2800" dirty="0">
+              <a:latin typeface="Times New Roman" panose="02020603050405020304" pitchFamily="18" charset="0"/>
+              <a:cs typeface="Times New Roman" panose="02020603050405020304" pitchFamily="18" charset="0"/>
             </a:endParaRPr>
           </a:p>
         </p:txBody>
@@ -4645,8 +5289,8 @@
                 <a:solidFill>
                   <a:srgbClr val="000000"/>
                 </a:solidFill>
-                <a:latin typeface="Roboto Bk"/>
-                <a:cs typeface="Roboto Bk"/>
+                <a:latin typeface="Times New Roman" panose="02020603050405020304" pitchFamily="18" charset="0"/>
+                <a:cs typeface="Times New Roman" panose="02020603050405020304" pitchFamily="18" charset="0"/>
               </a:rPr>
               <a:t>Key</a:t>
             </a:r>
@@ -4655,8 +5299,8 @@
                 <a:solidFill>
                   <a:srgbClr val="000000"/>
                 </a:solidFill>
-                <a:latin typeface="Roboto Bk"/>
-                <a:cs typeface="Roboto Bk"/>
+                <a:latin typeface="Times New Roman" panose="02020603050405020304" pitchFamily="18" charset="0"/>
+                <a:cs typeface="Times New Roman" panose="02020603050405020304" pitchFamily="18" charset="0"/>
               </a:rPr>
               <a:t> </a:t>
             </a:r>
@@ -4665,14 +5309,14 @@
                 <a:solidFill>
                   <a:srgbClr val="000000"/>
                 </a:solidFill>
-                <a:latin typeface="Roboto Bk"/>
-                <a:cs typeface="Roboto Bk"/>
+                <a:latin typeface="Times New Roman" panose="02020603050405020304" pitchFamily="18" charset="0"/>
+                <a:cs typeface="Times New Roman" panose="02020603050405020304" pitchFamily="18" charset="0"/>
               </a:rPr>
               <a:t>Features</a:t>
             </a:r>
             <a:endParaRPr sz="3200" dirty="0">
-              <a:latin typeface="Roboto Bk"/>
-              <a:cs typeface="Roboto Bk"/>
+              <a:latin typeface="Times New Roman" panose="02020603050405020304" pitchFamily="18" charset="0"/>
+              <a:cs typeface="Times New Roman" panose="02020603050405020304" pitchFamily="18" charset="0"/>
             </a:endParaRPr>
           </a:p>
         </p:txBody>
@@ -4686,7 +5330,7 @@
         <p:spPr>
           <a:xfrm>
             <a:off x="381000" y="1295400"/>
-            <a:ext cx="8534400" cy="3416320"/>
+            <a:ext cx="8534400" cy="4893647"/>
           </a:xfrm>
           <a:prstGeom prst="rect">
             <a:avLst/>
@@ -4705,9 +5349,17 @@
             </a:pPr>
             <a:r>
               <a:rPr lang="en-US" sz="2400" dirty="0" smtClean="0">
-                <a:latin typeface="Arial MT"/>
-              </a:rPr>
-              <a:t>Very easy to use and implement in any webpage.</a:t>
+                <a:latin typeface="Times New Roman" panose="02020603050405020304" pitchFamily="18" charset="0"/>
+                <a:cs typeface="Times New Roman" panose="02020603050405020304" pitchFamily="18" charset="0"/>
+              </a:rPr>
+              <a:t>Very easy to use and implement in any webpage</a:t>
+            </a:r>
+            <a:r>
+              <a:rPr lang="en-US" sz="2400" dirty="0" smtClean="0">
+                <a:latin typeface="Times New Roman" panose="02020603050405020304" pitchFamily="18" charset="0"/>
+                <a:cs typeface="Times New Roman" panose="02020603050405020304" pitchFamily="18" charset="0"/>
+              </a:rPr>
+              <a:t>.</a:t>
             </a:r>
           </a:p>
           <a:p>
@@ -4715,12 +5367,10 @@
               <a:buFont typeface="Arial" panose="020B0604020202020204" pitchFamily="34" charset="0"/>
               <a:buChar char="•"/>
             </a:pPr>
-            <a:r>
-              <a:rPr lang="en-US" sz="2400" dirty="0" smtClean="0">
-                <a:latin typeface="Arial MT"/>
-              </a:rPr>
-              <a:t>Visually appealing modern design.</a:t>
-            </a:r>
+            <a:endParaRPr lang="en-US" sz="2400" dirty="0" smtClean="0">
+              <a:latin typeface="Times New Roman" panose="02020603050405020304" pitchFamily="18" charset="0"/>
+              <a:cs typeface="Times New Roman" panose="02020603050405020304" pitchFamily="18" charset="0"/>
+            </a:endParaRPr>
           </a:p>
           <a:p>
             <a:pPr marL="285750" indent="-285750">
@@ -4729,45 +5379,27 @@
             </a:pPr>
             <a:r>
               <a:rPr lang="en-US" sz="2400" dirty="0" smtClean="0">
-                <a:latin typeface="Arial MT"/>
-              </a:rPr>
-              <a:t>Includes </a:t>
-            </a:r>
-            <a:r>
-              <a:rPr lang="en-US" sz="2400" dirty="0">
-                <a:latin typeface="Arial MT"/>
-              </a:rPr>
-              <a:t>buttons for popular social media platforms such as Facebook, </a:t>
+                <a:latin typeface="Times New Roman" panose="02020603050405020304" pitchFamily="18" charset="0"/>
+                <a:cs typeface="Times New Roman" panose="02020603050405020304" pitchFamily="18" charset="0"/>
+              </a:rPr>
+              <a:t>Visually appealing modern design</a:t>
             </a:r>
             <a:r>
               <a:rPr lang="en-US" sz="2400" dirty="0" smtClean="0">
-                <a:latin typeface="Arial MT"/>
-              </a:rPr>
-              <a:t>Twitter, LinkedIn, Instagram, WhatsApp, and more.</a:t>
-            </a:r>
-            <a:endParaRPr lang="en-US" sz="2400" dirty="0">
-              <a:latin typeface="Arial MT"/>
-            </a:endParaRPr>
+                <a:latin typeface="Times New Roman" panose="02020603050405020304" pitchFamily="18" charset="0"/>
+                <a:cs typeface="Times New Roman" panose="02020603050405020304" pitchFamily="18" charset="0"/>
+              </a:rPr>
+              <a:t>.</a:t>
+            </a:r>
           </a:p>
           <a:p>
             <a:pPr marL="285750" indent="-285750">
               <a:buFont typeface="Arial" panose="020B0604020202020204" pitchFamily="34" charset="0"/>
               <a:buChar char="•"/>
             </a:pPr>
-            <a:r>
-              <a:rPr lang="en-US" sz="2400" dirty="0">
-                <a:latin typeface="Arial MT"/>
-              </a:rPr>
-              <a:t>The code allows for customization of the share buttons, including the size and color of the buttons</a:t>
-            </a:r>
-            <a:r>
-              <a:rPr lang="en-US" sz="2400" dirty="0" smtClean="0">
-                <a:latin typeface="Arial MT"/>
-              </a:rPr>
-              <a:t>.</a:t>
-            </a:r>
-            <a:endParaRPr lang="en-US" sz="2400" dirty="0">
-              <a:latin typeface="Arial MT"/>
+            <a:endParaRPr lang="en-US" sz="2400" dirty="0" smtClean="0">
+              <a:latin typeface="Times New Roman" panose="02020603050405020304" pitchFamily="18" charset="0"/>
+              <a:cs typeface="Times New Roman" panose="02020603050405020304" pitchFamily="18" charset="0"/>
             </a:endParaRPr>
           </a:p>
           <a:p>
@@ -4777,21 +5409,143 @@
             </a:pPr>
             <a:r>
               <a:rPr lang="en-US" sz="2400" dirty="0" smtClean="0">
-                <a:latin typeface="Arial MT"/>
-              </a:rPr>
-              <a:t>Uses SVG as icons in buttons for better visual experience.</a:t>
-            </a:r>
+                <a:latin typeface="Times New Roman" panose="02020603050405020304" pitchFamily="18" charset="0"/>
+                <a:cs typeface="Times New Roman" panose="02020603050405020304" pitchFamily="18" charset="0"/>
+              </a:rPr>
+              <a:t>Includes </a:t>
+            </a:r>
+            <a:r>
+              <a:rPr lang="en-US" sz="2400" dirty="0">
+                <a:latin typeface="Times New Roman" panose="02020603050405020304" pitchFamily="18" charset="0"/>
+                <a:cs typeface="Times New Roman" panose="02020603050405020304" pitchFamily="18" charset="0"/>
+              </a:rPr>
+              <a:t>buttons for popular social media platforms such as Facebook, </a:t>
+            </a:r>
+            <a:r>
+              <a:rPr lang="en-US" sz="2400" dirty="0" smtClean="0">
+                <a:latin typeface="Times New Roman" panose="02020603050405020304" pitchFamily="18" charset="0"/>
+                <a:cs typeface="Times New Roman" panose="02020603050405020304" pitchFamily="18" charset="0"/>
+              </a:rPr>
+              <a:t>Twitter, LinkedIn, Instagram, WhatsApp, and more.</a:t>
+            </a:r>
+            <a:endParaRPr lang="en-US" sz="2400" dirty="0">
+              <a:latin typeface="Times New Roman" panose="02020603050405020304" pitchFamily="18" charset="0"/>
+              <a:cs typeface="Times New Roman" panose="02020603050405020304" pitchFamily="18" charset="0"/>
+            </a:endParaRPr>
           </a:p>
           <a:p>
             <a:pPr marL="285750" indent="-285750">
               <a:buFont typeface="Arial" panose="020B0604020202020204" pitchFamily="34" charset="0"/>
               <a:buChar char="•"/>
             </a:pPr>
+            <a:endParaRPr lang="en-US" sz="2400" dirty="0" smtClean="0">
+              <a:latin typeface="Times New Roman" panose="02020603050405020304" pitchFamily="18" charset="0"/>
+              <a:cs typeface="Times New Roman" panose="02020603050405020304" pitchFamily="18" charset="0"/>
+            </a:endParaRPr>
+          </a:p>
+          <a:p>
+            <a:pPr marL="285750" indent="-285750">
+              <a:buFont typeface="Arial" panose="020B0604020202020204" pitchFamily="34" charset="0"/>
+              <a:buChar char="•"/>
+            </a:pPr>
             <a:r>
               <a:rPr lang="en-US" sz="2400" dirty="0" smtClean="0">
-                <a:latin typeface="Arial MT"/>
-              </a:rPr>
-              <a:t>Takes URL and Title from webpage dynamically.</a:t>
+                <a:latin typeface="Times New Roman" panose="02020603050405020304" pitchFamily="18" charset="0"/>
+                <a:cs typeface="Times New Roman" panose="02020603050405020304" pitchFamily="18" charset="0"/>
+              </a:rPr>
+              <a:t>The </a:t>
+            </a:r>
+            <a:r>
+              <a:rPr lang="en-US" sz="2400" dirty="0">
+                <a:latin typeface="Times New Roman" panose="02020603050405020304" pitchFamily="18" charset="0"/>
+                <a:cs typeface="Times New Roman" panose="02020603050405020304" pitchFamily="18" charset="0"/>
+              </a:rPr>
+              <a:t>code allows for customization of the share buttons, including </a:t>
+            </a:r>
+            <a:r>
+              <a:rPr lang="en-US" sz="2400" dirty="0" smtClean="0">
+                <a:latin typeface="Times New Roman" panose="02020603050405020304" pitchFamily="18" charset="0"/>
+                <a:cs typeface="Times New Roman" panose="02020603050405020304" pitchFamily="18" charset="0"/>
+              </a:rPr>
+              <a:t>the </a:t>
+            </a:r>
+            <a:r>
+              <a:rPr lang="en-US" sz="2400" dirty="0">
+                <a:latin typeface="Times New Roman" panose="02020603050405020304" pitchFamily="18" charset="0"/>
+                <a:cs typeface="Times New Roman" panose="02020603050405020304" pitchFamily="18" charset="0"/>
+              </a:rPr>
+              <a:t>size and color of the buttons</a:t>
+            </a:r>
+            <a:r>
+              <a:rPr lang="en-US" sz="2400" dirty="0" smtClean="0">
+                <a:latin typeface="Times New Roman" panose="02020603050405020304" pitchFamily="18" charset="0"/>
+                <a:cs typeface="Times New Roman" panose="02020603050405020304" pitchFamily="18" charset="0"/>
+              </a:rPr>
+              <a:t>.</a:t>
+            </a:r>
+            <a:endParaRPr lang="en-US" sz="2400" dirty="0">
+              <a:latin typeface="Times New Roman" panose="02020603050405020304" pitchFamily="18" charset="0"/>
+              <a:cs typeface="Times New Roman" panose="02020603050405020304" pitchFamily="18" charset="0"/>
+            </a:endParaRPr>
+          </a:p>
+          <a:p>
+            <a:pPr marL="285750" indent="-285750">
+              <a:buFont typeface="Arial" panose="020B0604020202020204" pitchFamily="34" charset="0"/>
+              <a:buChar char="•"/>
+            </a:pPr>
+            <a:endParaRPr lang="en-US" sz="2400" dirty="0" smtClean="0">
+              <a:latin typeface="Times New Roman" panose="02020603050405020304" pitchFamily="18" charset="0"/>
+              <a:cs typeface="Times New Roman" panose="02020603050405020304" pitchFamily="18" charset="0"/>
+            </a:endParaRPr>
+          </a:p>
+          <a:p>
+            <a:pPr marL="285750" indent="-285750">
+              <a:buFont typeface="Arial" panose="020B0604020202020204" pitchFamily="34" charset="0"/>
+              <a:buChar char="•"/>
+            </a:pPr>
+            <a:r>
+              <a:rPr lang="en-US" sz="2400" dirty="0" smtClean="0">
+                <a:latin typeface="Times New Roman" panose="02020603050405020304" pitchFamily="18" charset="0"/>
+                <a:cs typeface="Times New Roman" panose="02020603050405020304" pitchFamily="18" charset="0"/>
+              </a:rPr>
+              <a:t>Uses </a:t>
+            </a:r>
+            <a:r>
+              <a:rPr lang="en-US" sz="2400" dirty="0" smtClean="0">
+                <a:latin typeface="Times New Roman" panose="02020603050405020304" pitchFamily="18" charset="0"/>
+                <a:cs typeface="Times New Roman" panose="02020603050405020304" pitchFamily="18" charset="0"/>
+              </a:rPr>
+              <a:t>SVG as icons in buttons for better visual experience.</a:t>
+            </a:r>
+          </a:p>
+          <a:p>
+            <a:pPr marL="285750" indent="-285750">
+              <a:buFont typeface="Arial" panose="020B0604020202020204" pitchFamily="34" charset="0"/>
+              <a:buChar char="•"/>
+            </a:pPr>
+            <a:endParaRPr lang="en-US" sz="2400" dirty="0" smtClean="0">
+              <a:latin typeface="Times New Roman" panose="02020603050405020304" pitchFamily="18" charset="0"/>
+              <a:cs typeface="Times New Roman" panose="02020603050405020304" pitchFamily="18" charset="0"/>
+            </a:endParaRPr>
+          </a:p>
+          <a:p>
+            <a:pPr marL="285750" indent="-285750">
+              <a:buFont typeface="Arial" panose="020B0604020202020204" pitchFamily="34" charset="0"/>
+              <a:buChar char="•"/>
+            </a:pPr>
+            <a:r>
+              <a:rPr lang="en-US" sz="2400" dirty="0" smtClean="0">
+                <a:latin typeface="Times New Roman" panose="02020603050405020304" pitchFamily="18" charset="0"/>
+                <a:cs typeface="Times New Roman" panose="02020603050405020304" pitchFamily="18" charset="0"/>
+              </a:rPr>
+              <a:t>Takes </a:t>
+            </a:r>
+            <a:r>
+              <a:rPr lang="en-US" sz="2400" dirty="0" smtClean="0">
+                <a:latin typeface="Times New Roman" panose="02020603050405020304" pitchFamily="18" charset="0"/>
+                <a:cs typeface="Times New Roman" panose="02020603050405020304" pitchFamily="18" charset="0"/>
+              </a:rPr>
+              <a:t>URL and Title from webpage dynamically.</a:t>
             </a:r>
           </a:p>
         </p:txBody>
@@ -4833,7 +5587,7 @@
         </p:nvSpPr>
         <p:spPr>
           <a:xfrm>
-            <a:off x="152400" y="205528"/>
+            <a:off x="152400" y="228600"/>
             <a:ext cx="4254332" cy="513080"/>
           </a:xfrm>
           <a:prstGeom prst="rect">
@@ -4859,8 +5613,8 @@
                 <a:solidFill>
                   <a:srgbClr val="000000"/>
                 </a:solidFill>
-                <a:latin typeface="Roboto Bk"/>
-                <a:cs typeface="Roboto Bk"/>
+                <a:latin typeface="Times New Roman" panose="02020603050405020304" pitchFamily="18" charset="0"/>
+                <a:cs typeface="Times New Roman" panose="02020603050405020304" pitchFamily="18" charset="0"/>
               </a:rPr>
               <a:t>Project</a:t>
             </a:r>
@@ -4869,8 +5623,8 @@
                 <a:solidFill>
                   <a:srgbClr val="000000"/>
                 </a:solidFill>
-                <a:latin typeface="Roboto Bk"/>
-                <a:cs typeface="Roboto Bk"/>
+                <a:latin typeface="Times New Roman" panose="02020603050405020304" pitchFamily="18" charset="0"/>
+                <a:cs typeface="Times New Roman" panose="02020603050405020304" pitchFamily="18" charset="0"/>
               </a:rPr>
               <a:t> </a:t>
             </a:r>
@@ -4879,456 +5633,15 @@
                 <a:solidFill>
                   <a:srgbClr val="000000"/>
                 </a:solidFill>
-                <a:latin typeface="Roboto Bk"/>
-                <a:cs typeface="Roboto Bk"/>
+                <a:latin typeface="Times New Roman" panose="02020603050405020304" pitchFamily="18" charset="0"/>
+                <a:cs typeface="Times New Roman" panose="02020603050405020304" pitchFamily="18" charset="0"/>
               </a:rPr>
               <a:t>Highlights</a:t>
             </a:r>
             <a:endParaRPr sz="3200" dirty="0">
-              <a:latin typeface="Roboto Bk"/>
-              <a:cs typeface="Roboto Bk"/>
+              <a:latin typeface="Times New Roman" panose="02020603050405020304" pitchFamily="18" charset="0"/>
+              <a:cs typeface="Times New Roman" panose="02020603050405020304" pitchFamily="18" charset="0"/>
             </a:endParaRPr>
-          </a:p>
-        </p:txBody>
-      </p:sp>
-      <p:sp>
-        <p:nvSpPr>
-          <p:cNvPr id="3" name="object 3"/>
-          <p:cNvSpPr txBox="1"/>
-          <p:nvPr/>
-        </p:nvSpPr>
-        <p:spPr>
-          <a:xfrm>
-            <a:off x="486960" y="1255945"/>
-            <a:ext cx="7563484" cy="2905125"/>
-          </a:xfrm>
-          <a:prstGeom prst="rect">
-            <a:avLst/>
-          </a:prstGeom>
-        </p:spPr>
-        <p:txBody>
-          <a:bodyPr vert="horz" wrap="square" lIns="0" tIns="0" rIns="0" bIns="0" rtlCol="0">
-            <a:spAutoFit/>
-          </a:bodyPr>
-          <a:lstStyle/>
-          <a:p>
-            <a:pPr>
-              <a:lnSpc>
-                <a:spcPts val="3600"/>
-              </a:lnSpc>
-            </a:pPr>
-            <a:r>
-              <a:rPr sz="3200" b="1" spc="85" dirty="0">
-                <a:latin typeface="Roboto Bk"/>
-                <a:cs typeface="Roboto Bk"/>
-              </a:rPr>
-              <a:t>This</a:t>
-            </a:r>
-            <a:r>
-              <a:rPr sz="3200" b="1" spc="20" dirty="0">
-                <a:latin typeface="Roboto Bk"/>
-                <a:cs typeface="Roboto Bk"/>
-              </a:rPr>
-              <a:t> </a:t>
-            </a:r>
-            <a:r>
-              <a:rPr sz="3200" b="1" spc="55" dirty="0">
-                <a:latin typeface="Roboto Bk"/>
-                <a:cs typeface="Roboto Bk"/>
-              </a:rPr>
-              <a:t>slide</a:t>
-            </a:r>
-            <a:r>
-              <a:rPr sz="3200" b="1" spc="25" dirty="0">
-                <a:latin typeface="Roboto Bk"/>
-                <a:cs typeface="Roboto Bk"/>
-              </a:rPr>
-              <a:t> </a:t>
-            </a:r>
-            <a:r>
-              <a:rPr sz="3200" b="1" spc="125" dirty="0">
-                <a:latin typeface="Roboto Bk"/>
-                <a:cs typeface="Roboto Bk"/>
-              </a:rPr>
-              <a:t>followed</a:t>
-            </a:r>
-            <a:r>
-              <a:rPr sz="3200" b="1" spc="20" dirty="0">
-                <a:latin typeface="Roboto Bk"/>
-                <a:cs typeface="Roboto Bk"/>
-              </a:rPr>
-              <a:t> </a:t>
-            </a:r>
-            <a:r>
-              <a:rPr sz="3200" b="1" spc="130" dirty="0">
-                <a:latin typeface="Roboto Bk"/>
-                <a:cs typeface="Roboto Bk"/>
-              </a:rPr>
-              <a:t>by</a:t>
-            </a:r>
-            <a:r>
-              <a:rPr sz="3200" b="1" spc="25" dirty="0">
-                <a:latin typeface="Roboto Bk"/>
-                <a:cs typeface="Roboto Bk"/>
-              </a:rPr>
-              <a:t> </a:t>
-            </a:r>
-            <a:r>
-              <a:rPr sz="3200" b="1" spc="180" dirty="0">
-                <a:latin typeface="Roboto Bk"/>
-                <a:cs typeface="Roboto Bk"/>
-              </a:rPr>
-              <a:t>many</a:t>
-            </a:r>
-            <a:r>
-              <a:rPr sz="3200" b="1" spc="20" dirty="0">
-                <a:latin typeface="Roboto Bk"/>
-                <a:cs typeface="Roboto Bk"/>
-              </a:rPr>
-              <a:t> </a:t>
-            </a:r>
-            <a:r>
-              <a:rPr sz="3200" b="1" spc="10" dirty="0">
-                <a:latin typeface="Roboto Bk"/>
-                <a:cs typeface="Roboto Bk"/>
-              </a:rPr>
-              <a:t>slides</a:t>
-            </a:r>
-            <a:endParaRPr sz="3200">
-              <a:latin typeface="Roboto Bk"/>
-              <a:cs typeface="Roboto Bk"/>
-            </a:endParaRPr>
-          </a:p>
-          <a:p>
-            <a:pPr marR="66675">
-              <a:lnSpc>
-                <a:spcPts val="3829"/>
-              </a:lnSpc>
-              <a:spcBef>
-                <a:spcPts val="125"/>
-              </a:spcBef>
-            </a:pPr>
-            <a:r>
-              <a:rPr sz="3200" b="1" spc="125" dirty="0">
-                <a:latin typeface="Roboto Bk"/>
-                <a:cs typeface="Roboto Bk"/>
-              </a:rPr>
-              <a:t>include</a:t>
-            </a:r>
-            <a:r>
-              <a:rPr sz="3200" b="1" spc="25" dirty="0">
-                <a:latin typeface="Roboto Bk"/>
-                <a:cs typeface="Roboto Bk"/>
-              </a:rPr>
-              <a:t> </a:t>
-            </a:r>
-            <a:r>
-              <a:rPr sz="3200" b="1" spc="90" dirty="0">
-                <a:latin typeface="Roboto Bk"/>
-                <a:cs typeface="Roboto Bk"/>
-              </a:rPr>
-              <a:t>the</a:t>
-            </a:r>
-            <a:r>
-              <a:rPr sz="3200" b="1" spc="30" dirty="0">
-                <a:latin typeface="Roboto Bk"/>
-                <a:cs typeface="Roboto Bk"/>
-              </a:rPr>
-              <a:t> </a:t>
-            </a:r>
-            <a:r>
-              <a:rPr sz="3200" b="1" spc="140" dirty="0">
-                <a:latin typeface="Roboto Bk"/>
-                <a:cs typeface="Roboto Bk"/>
-              </a:rPr>
-              <a:t>relevant</a:t>
-            </a:r>
-            <a:r>
-              <a:rPr sz="3200" b="1" spc="30" dirty="0">
-                <a:latin typeface="Roboto Bk"/>
-                <a:cs typeface="Roboto Bk"/>
-              </a:rPr>
-              <a:t> screenshots </a:t>
-            </a:r>
-            <a:r>
-              <a:rPr sz="3200" b="1" spc="40" dirty="0">
-                <a:latin typeface="Roboto Bk"/>
-                <a:cs typeface="Roboto Bk"/>
-              </a:rPr>
-              <a:t>of</a:t>
-            </a:r>
-            <a:r>
-              <a:rPr sz="3200" b="1" spc="30" dirty="0">
-                <a:latin typeface="Roboto Bk"/>
-                <a:cs typeface="Roboto Bk"/>
-              </a:rPr>
-              <a:t> </a:t>
-            </a:r>
-            <a:r>
-              <a:rPr sz="3200" b="1" spc="90" dirty="0">
-                <a:latin typeface="Roboto Bk"/>
-                <a:cs typeface="Roboto Bk"/>
-              </a:rPr>
-              <a:t>the </a:t>
-            </a:r>
-            <a:r>
-              <a:rPr sz="3200" b="1" spc="-785" dirty="0">
-                <a:latin typeface="Roboto Bk"/>
-                <a:cs typeface="Roboto Bk"/>
-              </a:rPr>
-              <a:t> </a:t>
-            </a:r>
-            <a:r>
-              <a:rPr sz="3200" b="1" spc="210" dirty="0">
-                <a:latin typeface="Roboto Bk"/>
-                <a:cs typeface="Roboto Bk"/>
-              </a:rPr>
-              <a:t>running </a:t>
-            </a:r>
-            <a:r>
-              <a:rPr sz="3200" b="1" spc="95" dirty="0">
-                <a:latin typeface="Roboto Bk"/>
-                <a:cs typeface="Roboto Bk"/>
-              </a:rPr>
-              <a:t>project </a:t>
-            </a:r>
-            <a:r>
-              <a:rPr sz="3200" b="1" spc="175" dirty="0">
-                <a:latin typeface="Roboto Bk"/>
-                <a:cs typeface="Roboto Bk"/>
-              </a:rPr>
-              <a:t>and </a:t>
-            </a:r>
-            <a:r>
-              <a:rPr sz="3200" b="1" spc="155" dirty="0">
-                <a:latin typeface="Roboto Bk"/>
-                <a:cs typeface="Roboto Bk"/>
-              </a:rPr>
-              <a:t>their </a:t>
-            </a:r>
-            <a:r>
-              <a:rPr sz="3200" b="1" spc="160" dirty="0">
-                <a:latin typeface="Roboto Bk"/>
-                <a:cs typeface="Roboto Bk"/>
-              </a:rPr>
-              <a:t> </a:t>
-            </a:r>
-            <a:r>
-              <a:rPr sz="3200" b="1" spc="120" dirty="0">
-                <a:latin typeface="Roboto Bk"/>
-                <a:cs typeface="Roboto Bk"/>
-              </a:rPr>
-              <a:t>corresponding</a:t>
-            </a:r>
-            <a:r>
-              <a:rPr sz="3200" b="1" spc="25" dirty="0">
-                <a:latin typeface="Roboto Bk"/>
-                <a:cs typeface="Roboto Bk"/>
-              </a:rPr>
-              <a:t> </a:t>
-            </a:r>
-            <a:r>
-              <a:rPr sz="3200" b="1" spc="45" dirty="0">
-                <a:latin typeface="Roboto Bk"/>
-                <a:cs typeface="Roboto Bk"/>
-              </a:rPr>
-              <a:t>code</a:t>
-            </a:r>
-            <a:r>
-              <a:rPr sz="3200" b="1" spc="25" dirty="0">
-                <a:latin typeface="Roboto Bk"/>
-                <a:cs typeface="Roboto Bk"/>
-              </a:rPr>
-              <a:t> snippets.</a:t>
-            </a:r>
-            <a:endParaRPr sz="3200">
-              <a:latin typeface="Roboto Bk"/>
-              <a:cs typeface="Roboto Bk"/>
-            </a:endParaRPr>
-          </a:p>
-          <a:p>
-            <a:pPr>
-              <a:lnSpc>
-                <a:spcPts val="3679"/>
-              </a:lnSpc>
-            </a:pPr>
-            <a:r>
-              <a:rPr sz="3200" b="1" spc="105" dirty="0">
-                <a:latin typeface="Roboto Bk"/>
-                <a:cs typeface="Roboto Bk"/>
-              </a:rPr>
-              <a:t>It</a:t>
-            </a:r>
-            <a:r>
-              <a:rPr sz="3200" b="1" spc="25" dirty="0">
-                <a:latin typeface="Roboto Bk"/>
-                <a:cs typeface="Roboto Bk"/>
-              </a:rPr>
-              <a:t> </a:t>
-            </a:r>
-            <a:r>
-              <a:rPr sz="3200" b="1" spc="100" dirty="0">
-                <a:latin typeface="Roboto Bk"/>
-                <a:cs typeface="Roboto Bk"/>
-              </a:rPr>
-              <a:t>should</a:t>
-            </a:r>
-            <a:r>
-              <a:rPr sz="3200" b="1" spc="30" dirty="0">
-                <a:latin typeface="Roboto Bk"/>
-                <a:cs typeface="Roboto Bk"/>
-              </a:rPr>
-              <a:t> </a:t>
-            </a:r>
-            <a:r>
-              <a:rPr sz="3200" b="1" spc="150" dirty="0">
-                <a:latin typeface="Roboto Bk"/>
-                <a:cs typeface="Roboto Bk"/>
-              </a:rPr>
-              <a:t>frame</a:t>
-            </a:r>
-            <a:r>
-              <a:rPr sz="3200" b="1" spc="30" dirty="0">
-                <a:latin typeface="Roboto Bk"/>
-                <a:cs typeface="Roboto Bk"/>
-              </a:rPr>
-              <a:t> </a:t>
-            </a:r>
-            <a:r>
-              <a:rPr sz="3200" b="1" spc="90" dirty="0">
-                <a:latin typeface="Roboto Bk"/>
-                <a:cs typeface="Roboto Bk"/>
-              </a:rPr>
-              <a:t>the</a:t>
-            </a:r>
-            <a:r>
-              <a:rPr sz="3200" b="1" spc="25" dirty="0">
-                <a:latin typeface="Roboto Bk"/>
-                <a:cs typeface="Roboto Bk"/>
-              </a:rPr>
-              <a:t> </a:t>
-            </a:r>
-            <a:r>
-              <a:rPr sz="3200" b="1" spc="75" dirty="0">
-                <a:latin typeface="Roboto Bk"/>
-                <a:cs typeface="Roboto Bk"/>
-              </a:rPr>
-              <a:t>complete</a:t>
-            </a:r>
-            <a:r>
-              <a:rPr sz="3200" b="1" spc="30" dirty="0">
-                <a:latin typeface="Roboto Bk"/>
-                <a:cs typeface="Roboto Bk"/>
-              </a:rPr>
-              <a:t> </a:t>
-            </a:r>
-            <a:r>
-              <a:rPr sz="3200" b="1" spc="125" dirty="0">
-                <a:latin typeface="Roboto Bk"/>
-                <a:cs typeface="Roboto Bk"/>
-              </a:rPr>
-              <a:t>picture</a:t>
-            </a:r>
-            <a:r>
-              <a:rPr sz="3200" b="1" spc="30" dirty="0">
-                <a:latin typeface="Roboto Bk"/>
-                <a:cs typeface="Roboto Bk"/>
-              </a:rPr>
-              <a:t> </a:t>
-            </a:r>
-            <a:r>
-              <a:rPr sz="3200" b="1" spc="40" dirty="0">
-                <a:latin typeface="Roboto Bk"/>
-                <a:cs typeface="Roboto Bk"/>
-              </a:rPr>
-              <a:t>of</a:t>
-            </a:r>
-            <a:endParaRPr sz="3200">
-              <a:latin typeface="Roboto Bk"/>
-              <a:cs typeface="Roboto Bk"/>
-            </a:endParaRPr>
-          </a:p>
-          <a:p>
-            <a:pPr>
-              <a:lnSpc>
-                <a:spcPts val="3835"/>
-              </a:lnSpc>
-            </a:pPr>
-            <a:r>
-              <a:rPr sz="3200" b="1" spc="204" dirty="0">
-                <a:latin typeface="Roboto Bk"/>
-                <a:cs typeface="Roboto Bk"/>
-              </a:rPr>
-              <a:t>your</a:t>
-            </a:r>
-            <a:r>
-              <a:rPr sz="3200" b="1" spc="5" dirty="0">
-                <a:latin typeface="Roboto Bk"/>
-                <a:cs typeface="Roboto Bk"/>
-              </a:rPr>
-              <a:t> </a:t>
-            </a:r>
-            <a:r>
-              <a:rPr sz="3200" b="1" spc="50" dirty="0">
-                <a:latin typeface="Roboto Bk"/>
-                <a:cs typeface="Roboto Bk"/>
-              </a:rPr>
-              <a:t>solution.</a:t>
-            </a:r>
-            <a:endParaRPr sz="3200">
-              <a:latin typeface="Roboto Bk"/>
-              <a:cs typeface="Roboto Bk"/>
-            </a:endParaRPr>
-          </a:p>
-        </p:txBody>
-      </p:sp>
-      <p:sp>
-        <p:nvSpPr>
-          <p:cNvPr id="4" name="object 4"/>
-          <p:cNvSpPr/>
-          <p:nvPr/>
-        </p:nvSpPr>
-        <p:spPr>
-          <a:xfrm>
-            <a:off x="332079" y="1147317"/>
-            <a:ext cx="8813800" cy="3657600"/>
-          </a:xfrm>
-          <a:custGeom>
-            <a:avLst/>
-            <a:gdLst/>
-            <a:ahLst/>
-            <a:cxnLst/>
-            <a:rect l="l" t="t" r="r" b="b"/>
-            <a:pathLst>
-              <a:path w="8813800" h="3657600">
-                <a:moveTo>
-                  <a:pt x="8813800" y="3657600"/>
-                </a:moveTo>
-                <a:lnTo>
-                  <a:pt x="0" y="3657600"/>
-                </a:lnTo>
-                <a:lnTo>
-                  <a:pt x="0" y="0"/>
-                </a:lnTo>
-                <a:lnTo>
-                  <a:pt x="8813800" y="0"/>
-                </a:lnTo>
-                <a:lnTo>
-                  <a:pt x="8813800" y="3657600"/>
-                </a:lnTo>
-                <a:close/>
-              </a:path>
-            </a:pathLst>
-          </a:custGeom>
-          <a:solidFill>
-            <a:srgbClr val="FFFFFF"/>
-          </a:solidFill>
-        </p:spPr>
-        <p:txBody>
-          <a:bodyPr wrap="square" lIns="0" tIns="0" rIns="0" bIns="0" rtlCol="0"/>
-          <a:lstStyle/>
-          <a:p>
-            <a:endParaRPr/>
           </a:p>
         </p:txBody>
       </p:sp>
@@ -5340,8 +5653,8 @@
         </p:nvSpPr>
         <p:spPr>
           <a:xfrm>
-            <a:off x="332079" y="1105915"/>
-            <a:ext cx="8811748" cy="4929555"/>
+            <a:off x="298724" y="1318472"/>
+            <a:ext cx="8811748" cy="4521751"/>
           </a:xfrm>
           <a:prstGeom prst="rect">
             <a:avLst/>
@@ -5366,15 +5679,15 @@
             </a:pPr>
             <a:r>
               <a:rPr lang="en-US" sz="2400" dirty="0">
-                <a:latin typeface="Arial MT"/>
-                <a:cs typeface="Arial MT"/>
+                <a:latin typeface="Times New Roman" panose="02020603050405020304" pitchFamily="18" charset="0"/>
+                <a:cs typeface="Times New Roman" panose="02020603050405020304" pitchFamily="18" charset="0"/>
               </a:rPr>
               <a:t>The social share buttons project provides a simple and effective  way to integrate social media into a website</a:t>
             </a:r>
             <a:r>
               <a:rPr lang="en-US" sz="2400" dirty="0" smtClean="0">
-                <a:latin typeface="Arial MT"/>
-                <a:cs typeface="Arial MT"/>
+                <a:latin typeface="Times New Roman" panose="02020603050405020304" pitchFamily="18" charset="0"/>
+                <a:cs typeface="Times New Roman" panose="02020603050405020304" pitchFamily="18" charset="0"/>
               </a:rPr>
               <a:t>.</a:t>
             </a:r>
@@ -5392,8 +5705,8 @@
               </a:tabLst>
             </a:pPr>
             <a:endParaRPr lang="en-US" sz="2400" dirty="0">
-              <a:latin typeface="Arial MT"/>
-              <a:cs typeface="Arial MT"/>
+              <a:latin typeface="Times New Roman" panose="02020603050405020304" pitchFamily="18" charset="0"/>
+              <a:cs typeface="Times New Roman" panose="02020603050405020304" pitchFamily="18" charset="0"/>
             </a:endParaRPr>
           </a:p>
           <a:p>
@@ -5410,24 +5723,10 @@
             </a:pPr>
             <a:r>
               <a:rPr lang="en-US" sz="2400" dirty="0" smtClean="0">
-                <a:latin typeface="Arial MT"/>
-                <a:cs typeface="Arial MT"/>
-              </a:rPr>
-              <a:t>The </a:t>
-            </a:r>
-            <a:r>
-              <a:rPr lang="en-US" sz="2400" dirty="0">
-                <a:latin typeface="Arial MT"/>
-                <a:cs typeface="Arial MT"/>
-              </a:rPr>
-              <a:t>project is easy to use and visually appealing, making it an  excellent addition to any website</a:t>
-            </a:r>
-            <a:r>
-              <a:rPr lang="en-US" sz="2400" dirty="0" smtClean="0">
-                <a:latin typeface="Arial MT"/>
-                <a:cs typeface="Arial MT"/>
-              </a:rPr>
-              <a:t>.</a:t>
+                <a:latin typeface="Times New Roman" panose="02020603050405020304" pitchFamily="18" charset="0"/>
+                <a:cs typeface="Times New Roman" panose="02020603050405020304" pitchFamily="18" charset="0"/>
+              </a:rPr>
+              <a:t>The project is easy to use and visually appealing, making it an  excellent addition to any website.</a:t>
             </a:r>
           </a:p>
           <a:p>
@@ -5443,8 +5742,8 @@
               </a:tabLst>
             </a:pPr>
             <a:endParaRPr lang="en-US" sz="2400" dirty="0" smtClean="0">
-              <a:latin typeface="Arial MT"/>
-              <a:cs typeface="Arial MT"/>
+              <a:latin typeface="Times New Roman" panose="02020603050405020304" pitchFamily="18" charset="0"/>
+              <a:cs typeface="Times New Roman" panose="02020603050405020304" pitchFamily="18" charset="0"/>
             </a:endParaRPr>
           </a:p>
           <a:p>
@@ -5461,18 +5760,33 @@
             </a:pPr>
             <a:r>
               <a:rPr lang="en-US" sz="2400" dirty="0">
-                <a:latin typeface="Arial MT"/>
-                <a:cs typeface="Arial MT"/>
-              </a:rPr>
-              <a:t>The code you provided appears to be efficient and lightweight, minimizing load times and maximizing user </a:t>
+                <a:latin typeface="Times New Roman" panose="02020603050405020304" pitchFamily="18" charset="0"/>
+                <a:cs typeface="Times New Roman" panose="02020603050405020304" pitchFamily="18" charset="0"/>
+              </a:rPr>
+              <a:t>The code allows for customization of the share buttons, including the size and color of the buttons. This enables users to personalize the buttons to match the look and feel of their website</a:t>
             </a:r>
             <a:r>
               <a:rPr lang="en-US" sz="2400" dirty="0" smtClean="0">
-                <a:latin typeface="Arial MT"/>
-                <a:cs typeface="Arial MT"/>
-              </a:rPr>
-              <a:t>experience.</a:t>
-            </a:r>
+                <a:latin typeface="Times New Roman" panose="02020603050405020304" pitchFamily="18" charset="0"/>
+                <a:cs typeface="Times New Roman" panose="02020603050405020304" pitchFamily="18" charset="0"/>
+              </a:rPr>
+              <a:t>.</a:t>
+            </a:r>
+          </a:p>
+          <a:p>
+            <a:pPr marL="37465" marR="30480">
+              <a:spcBef>
+                <a:spcPts val="100"/>
+              </a:spcBef>
+              <a:buSzPct val="133333"/>
+              <a:tabLst>
+                <a:tab pos="263525" algn="l"/>
+              </a:tabLst>
+            </a:pPr>
+            <a:endParaRPr lang="en-US" sz="2400" dirty="0">
+              <a:latin typeface="Times New Roman" panose="02020603050405020304" pitchFamily="18" charset="0"/>
+              <a:cs typeface="Times New Roman" panose="02020603050405020304" pitchFamily="18" charset="0"/>
+            </a:endParaRPr>
           </a:p>
           <a:p>
             <a:pPr marL="380365" marR="30480" indent="-342900">
@@ -5486,94 +5800,23 @@
                 <a:tab pos="263525" algn="l"/>
               </a:tabLst>
             </a:pPr>
-            <a:endParaRPr lang="en-US" sz="2400" dirty="0" smtClean="0">
-              <a:latin typeface="Arial MT"/>
-              <a:cs typeface="Arial MT"/>
-            </a:endParaRPr>
-          </a:p>
-          <a:p>
-            <a:pPr marL="380365" marR="30480" indent="-342900">
-              <a:spcBef>
-                <a:spcPts val="100"/>
-              </a:spcBef>
-              <a:buSzPct val="133333"/>
-              <a:buFont typeface="Arial" panose="020B0604020202020204" pitchFamily="34" charset="0"/>
-              <a:buChar char="•"/>
-              <a:tabLst>
-                <a:tab pos="263525" algn="l"/>
-              </a:tabLst>
-            </a:pPr>
             <a:r>
               <a:rPr lang="en-US" sz="2400" dirty="0">
-                <a:latin typeface="Arial MT"/>
-                <a:cs typeface="Arial MT"/>
-              </a:rPr>
-              <a:t>Responsive design and Cross-browser </a:t>
+                <a:latin typeface="Times New Roman" panose="02020603050405020304" pitchFamily="18" charset="0"/>
+                <a:cs typeface="Times New Roman" panose="02020603050405020304" pitchFamily="18" charset="0"/>
+              </a:rPr>
+              <a:t>The code you provided appears to be efficient and lightweight, minimizing load times and maximizing user experience</a:t>
             </a:r>
             <a:r>
               <a:rPr lang="en-US" sz="2400" dirty="0" smtClean="0">
-                <a:latin typeface="Arial MT"/>
-                <a:cs typeface="Arial MT"/>
-              </a:rPr>
-              <a:t>compatibility.</a:t>
-            </a:r>
-          </a:p>
-          <a:p>
-            <a:pPr marL="380365" marR="30480" indent="-342900">
-              <a:spcBef>
-                <a:spcPts val="100"/>
-              </a:spcBef>
-              <a:buSzPct val="133333"/>
-              <a:buFont typeface="Arial" panose="020B0604020202020204" pitchFamily="34" charset="0"/>
-              <a:buChar char="•"/>
-              <a:tabLst>
-                <a:tab pos="263525" algn="l"/>
-              </a:tabLst>
-            </a:pPr>
-            <a:endParaRPr lang="en-US" sz="2400" dirty="0" smtClean="0">
-              <a:latin typeface="Arial MT"/>
-              <a:cs typeface="Arial MT"/>
-            </a:endParaRPr>
-          </a:p>
-          <a:p>
-            <a:pPr marL="380365" marR="30480" indent="-342900">
-              <a:spcBef>
-                <a:spcPts val="100"/>
-              </a:spcBef>
-              <a:buSzPct val="133333"/>
-              <a:buFont typeface="Arial" panose="020B0604020202020204" pitchFamily="34" charset="0"/>
-              <a:buChar char="•"/>
-              <a:tabLst>
-                <a:tab pos="263525" algn="l"/>
-              </a:tabLst>
-            </a:pPr>
-            <a:r>
-              <a:rPr lang="en-US" sz="2400" dirty="0" smtClean="0">
-                <a:latin typeface="Arial MT"/>
-                <a:cs typeface="Arial MT"/>
-              </a:rPr>
-              <a:t>No tracking or cookies collected.</a:t>
+                <a:latin typeface="Times New Roman" panose="02020603050405020304" pitchFamily="18" charset="0"/>
+                <a:cs typeface="Times New Roman" panose="02020603050405020304" pitchFamily="18" charset="0"/>
+              </a:rPr>
+              <a:t>.</a:t>
             </a:r>
             <a:endParaRPr lang="en-US" sz="2400" dirty="0">
-              <a:latin typeface="Arial MT"/>
-              <a:cs typeface="Arial MT"/>
-            </a:endParaRPr>
-          </a:p>
-          <a:p>
-            <a:pPr marL="380365" marR="30480" indent="-342900">
-              <a:spcBef>
-                <a:spcPts val="100"/>
-              </a:spcBef>
-              <a:buSzPct val="133333"/>
-              <a:buFont typeface="Arial" panose="020B0604020202020204" pitchFamily="34" charset="0"/>
-              <a:buChar char="•"/>
-              <a:tabLst>
-                <a:tab pos="263525" algn="l"/>
-              </a:tabLst>
-            </a:pPr>
-            <a:endParaRPr sz="2400" dirty="0">
-              <a:latin typeface="Arial MT"/>
-              <a:cs typeface="Arial MT"/>
+              <a:latin typeface="Times New Roman" panose="02020603050405020304" pitchFamily="18" charset="0"/>
+              <a:cs typeface="Times New Roman" panose="02020603050405020304" pitchFamily="18" charset="0"/>
             </a:endParaRPr>
           </a:p>
         </p:txBody>
@@ -5605,7 +5848,7 @@
       </p:grpSpPr>
       <p:sp>
         <p:nvSpPr>
-          <p:cNvPr id="2" name="object 2"/>
+          <p:cNvPr id="4" name="object 2"/>
           <p:cNvSpPr txBox="1">
             <a:spLocks noGrp="1"/>
           </p:cNvSpPr>
@@ -5615,8 +5858,8 @@
         </p:nvSpPr>
         <p:spPr>
           <a:xfrm>
-            <a:off x="228600" y="152400"/>
-            <a:ext cx="5211848" cy="513080"/>
+            <a:off x="152400" y="205528"/>
+            <a:ext cx="4254332" cy="513080"/>
           </a:xfrm>
           <a:prstGeom prst="rect">
             <a:avLst/>
@@ -5637,107 +5880,260 @@
               </a:spcBef>
             </a:pPr>
             <a:r>
+              <a:rPr sz="3200" b="1" spc="55" dirty="0">
+                <a:solidFill>
+                  <a:srgbClr val="000000"/>
+                </a:solidFill>
+                <a:latin typeface="Times New Roman" panose="02020603050405020304" pitchFamily="18" charset="0"/>
+                <a:cs typeface="Times New Roman" panose="02020603050405020304" pitchFamily="18" charset="0"/>
+              </a:rPr>
+              <a:t>Project</a:t>
+            </a:r>
+            <a:r>
+              <a:rPr sz="3200" b="1" spc="-45" dirty="0">
+                <a:solidFill>
+                  <a:srgbClr val="000000"/>
+                </a:solidFill>
+                <a:latin typeface="Times New Roman" panose="02020603050405020304" pitchFamily="18" charset="0"/>
+                <a:cs typeface="Times New Roman" panose="02020603050405020304" pitchFamily="18" charset="0"/>
+              </a:rPr>
+              <a:t> </a:t>
+            </a:r>
+            <a:r>
               <a:rPr sz="3200" b="1" spc="80" dirty="0">
                 <a:solidFill>
                   <a:srgbClr val="000000"/>
                 </a:solidFill>
-                <a:latin typeface="Roboto Bk"/>
-                <a:cs typeface="Roboto Bk"/>
-              </a:rPr>
-              <a:t>Bonus</a:t>
-            </a:r>
-            <a:r>
-              <a:rPr sz="3200" b="1" spc="10" dirty="0">
-                <a:solidFill>
-                  <a:srgbClr val="000000"/>
-                </a:solidFill>
-                <a:latin typeface="Roboto Bk"/>
-                <a:cs typeface="Roboto Bk"/>
-              </a:rPr>
-              <a:t> </a:t>
-            </a:r>
-            <a:r>
-              <a:rPr sz="3200" b="1" spc="90" dirty="0">
-                <a:solidFill>
-                  <a:srgbClr val="000000"/>
-                </a:solidFill>
-                <a:latin typeface="Roboto Bk"/>
-                <a:cs typeface="Roboto Bk"/>
-              </a:rPr>
-              <a:t>Feature(optional)</a:t>
+                <a:latin typeface="Times New Roman" panose="02020603050405020304" pitchFamily="18" charset="0"/>
+                <a:cs typeface="Times New Roman" panose="02020603050405020304" pitchFamily="18" charset="0"/>
+              </a:rPr>
+              <a:t>Highlights</a:t>
             </a:r>
             <a:endParaRPr sz="3200" dirty="0">
-              <a:latin typeface="Roboto Bk"/>
-              <a:cs typeface="Roboto Bk"/>
+              <a:latin typeface="Times New Roman" panose="02020603050405020304" pitchFamily="18" charset="0"/>
+              <a:cs typeface="Times New Roman" panose="02020603050405020304" pitchFamily="18" charset="0"/>
             </a:endParaRPr>
           </a:p>
         </p:txBody>
       </p:sp>
       <p:sp>
         <p:nvSpPr>
-          <p:cNvPr id="11" name="TextBox 10"/>
+          <p:cNvPr id="5" name="object 5"/>
           <p:cNvSpPr txBox="1"/>
           <p:nvPr/>
         </p:nvSpPr>
         <p:spPr>
           <a:xfrm>
-            <a:off x="381000" y="1143000"/>
-            <a:ext cx="8382000" cy="1938992"/>
+            <a:off x="256052" y="1295400"/>
+            <a:ext cx="8811748" cy="4903907"/>
           </a:xfrm>
           <a:prstGeom prst="rect">
             <a:avLst/>
           </a:prstGeom>
-          <a:noFill/>
         </p:spPr>
         <p:txBody>
-          <a:bodyPr wrap="square" rtlCol="0">
+          <a:bodyPr vert="horz" wrap="square" lIns="0" tIns="12700" rIns="0" bIns="0" rtlCol="0">
             <a:spAutoFit/>
           </a:bodyPr>
           <a:lstStyle/>
           <a:p>
-            <a:pPr marL="342900" indent="-342900">
+            <a:pPr marL="380365" marR="30480" indent="-342900">
+              <a:spcBef>
+                <a:spcPts val="100"/>
+              </a:spcBef>
+              <a:buSzPct val="133333"/>
               <a:buFont typeface="Arial" panose="020B0604020202020204" pitchFamily="34" charset="0"/>
               <a:buChar char="•"/>
+              <a:tabLst>
+                <a:tab pos="263525" algn="l"/>
+              </a:tabLst>
             </a:pPr>
             <a:r>
               <a:rPr lang="en-US" sz="2400" dirty="0" smtClean="0">
-                <a:latin typeface="Arial MT"/>
-              </a:rPr>
-              <a:t>Ability to add share buttons without writing any HTML or CSS.</a:t>
-            </a:r>
-          </a:p>
-          <a:p>
-            <a:pPr marL="342900" indent="-342900">
+                <a:latin typeface="Times New Roman" panose="02020603050405020304" pitchFamily="18" charset="0"/>
+                <a:cs typeface="Times New Roman" panose="02020603050405020304" pitchFamily="18" charset="0"/>
+              </a:rPr>
+              <a:t>Responsive </a:t>
+            </a:r>
+            <a:r>
+              <a:rPr lang="en-US" sz="2400" dirty="0">
+                <a:latin typeface="Times New Roman" panose="02020603050405020304" pitchFamily="18" charset="0"/>
+                <a:cs typeface="Times New Roman" panose="02020603050405020304" pitchFamily="18" charset="0"/>
+              </a:rPr>
+              <a:t>design and Cross-browser compatibility</a:t>
+            </a:r>
+            <a:r>
+              <a:rPr lang="en-US" sz="2400" dirty="0" smtClean="0">
+                <a:latin typeface="Times New Roman" panose="02020603050405020304" pitchFamily="18" charset="0"/>
+                <a:cs typeface="Times New Roman" panose="02020603050405020304" pitchFamily="18" charset="0"/>
+              </a:rPr>
+              <a:t>.</a:t>
+            </a:r>
+          </a:p>
+          <a:p>
+            <a:pPr marL="380365" marR="30480" indent="-342900">
+              <a:spcBef>
+                <a:spcPts val="100"/>
+              </a:spcBef>
+              <a:buSzPct val="133333"/>
               <a:buFont typeface="Arial" panose="020B0604020202020204" pitchFamily="34" charset="0"/>
               <a:buChar char="•"/>
+              <a:tabLst>
+                <a:tab pos="263525" algn="l"/>
+              </a:tabLst>
             </a:pPr>
-            <a:endParaRPr lang="en-US" sz="2400" dirty="0" smtClean="0">
-              <a:latin typeface="Arial MT"/>
+            <a:endParaRPr lang="en-US" sz="2400" dirty="0">
+              <a:latin typeface="Times New Roman" panose="02020603050405020304" pitchFamily="18" charset="0"/>
+              <a:cs typeface="Times New Roman" panose="02020603050405020304" pitchFamily="18" charset="0"/>
             </a:endParaRPr>
           </a:p>
           <a:p>
-            <a:endParaRPr lang="en-US" sz="2400" dirty="0" smtClean="0">
-              <a:latin typeface="Arial MT"/>
-            </a:endParaRPr>
-          </a:p>
-          <a:p>
-            <a:pPr marL="342900" indent="-342900">
+            <a:pPr marL="380365" marR="30480" indent="-342900">
+              <a:spcBef>
+                <a:spcPts val="100"/>
+              </a:spcBef>
+              <a:buSzPct val="133333"/>
               <a:buFont typeface="Arial" panose="020B0604020202020204" pitchFamily="34" charset="0"/>
               <a:buChar char="•"/>
+              <a:tabLst>
+                <a:tab pos="263525" algn="l"/>
+              </a:tabLst>
             </a:pPr>
             <a:r>
               <a:rPr lang="en-US" sz="2400" dirty="0" smtClean="0">
-                <a:latin typeface="Arial MT"/>
-              </a:rPr>
-              <a:t>Customizable style for every elements in share window.</a:t>
-            </a:r>
-            <a:endParaRPr lang="en-IN" sz="2400" dirty="0">
-              <a:latin typeface="Arial MT"/>
+                <a:latin typeface="Times New Roman" panose="02020603050405020304" pitchFamily="18" charset="0"/>
+                <a:cs typeface="Times New Roman" panose="02020603050405020304" pitchFamily="18" charset="0"/>
+              </a:rPr>
+              <a:t>No </a:t>
+            </a:r>
+            <a:r>
+              <a:rPr lang="en-US" sz="2400" dirty="0">
+                <a:latin typeface="Times New Roman" panose="02020603050405020304" pitchFamily="18" charset="0"/>
+                <a:cs typeface="Times New Roman" panose="02020603050405020304" pitchFamily="18" charset="0"/>
+              </a:rPr>
+              <a:t>tracking or cookies collected</a:t>
+            </a:r>
+            <a:r>
+              <a:rPr lang="en-US" sz="2400" dirty="0" smtClean="0">
+                <a:latin typeface="Times New Roman" panose="02020603050405020304" pitchFamily="18" charset="0"/>
+                <a:cs typeface="Times New Roman" panose="02020603050405020304" pitchFamily="18" charset="0"/>
+              </a:rPr>
+              <a:t>.</a:t>
+            </a:r>
+          </a:p>
+          <a:p>
+            <a:pPr marL="380365" marR="30480" indent="-342900">
+              <a:spcBef>
+                <a:spcPts val="100"/>
+              </a:spcBef>
+              <a:buSzPct val="133333"/>
+              <a:buFont typeface="Arial" panose="020B0604020202020204" pitchFamily="34" charset="0"/>
+              <a:buChar char="•"/>
+              <a:tabLst>
+                <a:tab pos="263525" algn="l"/>
+              </a:tabLst>
+            </a:pPr>
+            <a:endParaRPr lang="en-US" sz="2400" dirty="0">
+              <a:latin typeface="Times New Roman" panose="02020603050405020304" pitchFamily="18" charset="0"/>
+              <a:cs typeface="Times New Roman" panose="02020603050405020304" pitchFamily="18" charset="0"/>
             </a:endParaRPr>
           </a:p>
+          <a:p>
+            <a:pPr marL="380365" marR="30480" indent="-342900">
+              <a:spcBef>
+                <a:spcPts val="100"/>
+              </a:spcBef>
+              <a:buSzPct val="133333"/>
+              <a:buFont typeface="Arial" panose="020B0604020202020204" pitchFamily="34" charset="0"/>
+              <a:buChar char="•"/>
+              <a:tabLst>
+                <a:tab pos="263525" algn="l"/>
+              </a:tabLst>
+            </a:pPr>
+            <a:r>
+              <a:rPr lang="en-US" sz="2400" dirty="0">
+                <a:latin typeface="Times New Roman" panose="02020603050405020304" pitchFamily="18" charset="0"/>
+                <a:cs typeface="Times New Roman" panose="02020603050405020304" pitchFamily="18" charset="0"/>
+              </a:rPr>
+              <a:t>The code dynamically takes the URL and title from the webpage, making it easy for users to share content without having to manually enter the information</a:t>
+            </a:r>
+            <a:r>
+              <a:rPr lang="en-US" sz="2400" dirty="0" smtClean="0">
+                <a:latin typeface="Times New Roman" panose="02020603050405020304" pitchFamily="18" charset="0"/>
+                <a:cs typeface="Times New Roman" panose="02020603050405020304" pitchFamily="18" charset="0"/>
+              </a:rPr>
+              <a:t>.</a:t>
+            </a:r>
+          </a:p>
+          <a:p>
+            <a:pPr marL="380365" marR="30480" indent="-342900">
+              <a:spcBef>
+                <a:spcPts val="100"/>
+              </a:spcBef>
+              <a:buSzPct val="133333"/>
+              <a:buFont typeface="Arial" panose="020B0604020202020204" pitchFamily="34" charset="0"/>
+              <a:buChar char="•"/>
+              <a:tabLst>
+                <a:tab pos="263525" algn="l"/>
+              </a:tabLst>
+            </a:pPr>
+            <a:endParaRPr lang="en-US" sz="2400" dirty="0">
+              <a:latin typeface="Times New Roman" panose="02020603050405020304" pitchFamily="18" charset="0"/>
+              <a:cs typeface="Times New Roman" panose="02020603050405020304" pitchFamily="18" charset="0"/>
+            </a:endParaRPr>
+          </a:p>
+          <a:p>
+            <a:pPr marL="380365" marR="30480" indent="-342900">
+              <a:spcBef>
+                <a:spcPts val="100"/>
+              </a:spcBef>
+              <a:buSzPct val="133333"/>
+              <a:buFont typeface="Arial" panose="020B0604020202020204" pitchFamily="34" charset="0"/>
+              <a:buChar char="•"/>
+              <a:tabLst>
+                <a:tab pos="263525" algn="l"/>
+              </a:tabLst>
+            </a:pPr>
+            <a:r>
+              <a:rPr lang="en-US" sz="2400" dirty="0">
+                <a:latin typeface="Times New Roman" panose="02020603050405020304" pitchFamily="18" charset="0"/>
+                <a:cs typeface="Times New Roman" panose="02020603050405020304" pitchFamily="18" charset="0"/>
+              </a:rPr>
+              <a:t>The social share buttons include buttons for popular social media platforms such as Facebook, Twitter, LinkedIn, Instagram, WhatsApp, and more. This makes it easier for users to share content on the platforms they use most frequently. </a:t>
+            </a:r>
+            <a:r>
+              <a:rPr lang="en-US" sz="2400" dirty="0" smtClean="0">
+                <a:latin typeface="Times New Roman" panose="02020603050405020304" pitchFamily="18" charset="0"/>
+                <a:cs typeface="Times New Roman" panose="02020603050405020304" pitchFamily="18" charset="0"/>
+              </a:rPr>
+              <a:t>	</a:t>
+            </a:r>
+          </a:p>
+          <a:p>
+            <a:pPr marL="380365" marR="30480" indent="-342900">
+              <a:spcBef>
+                <a:spcPts val="100"/>
+              </a:spcBef>
+              <a:buSzPct val="133333"/>
+              <a:buFont typeface="Arial" panose="020B0604020202020204" pitchFamily="34" charset="0"/>
+              <a:buChar char="•"/>
+              <a:tabLst>
+                <a:tab pos="263525" algn="l"/>
+              </a:tabLst>
+            </a:pPr>
+            <a:endParaRPr lang="en-US" sz="2400" dirty="0">
+              <a:latin typeface="Times New Roman" panose="02020603050405020304" pitchFamily="18" charset="0"/>
+              <a:cs typeface="Times New Roman" panose="02020603050405020304" pitchFamily="18" charset="0"/>
+            </a:endParaRPr>
+          </a:p>
         </p:txBody>
       </p:sp>
     </p:spTree>
+    <p:extLst>
+      <p:ext uri="{BB962C8B-B14F-4D97-AF65-F5344CB8AC3E}">
+        <p14:creationId xmlns:p14="http://schemas.microsoft.com/office/powerpoint/2010/main" val="1884713"/>
+      </p:ext>
+    </p:extLst>
   </p:cSld>
   <p:clrMapOvr>
     <a:masterClrMapping/>
@@ -5764,7 +6160,7 @@
       </p:grpSpPr>
       <p:sp>
         <p:nvSpPr>
-          <p:cNvPr id="4" name="object 2"/>
+          <p:cNvPr id="2" name="object 2"/>
           <p:cNvSpPr txBox="1">
             <a:spLocks noGrp="1"/>
           </p:cNvSpPr>
@@ -5796,32 +6192,52 @@
               </a:spcBef>
             </a:pPr>
             <a:r>
-              <a:rPr lang="en-US" sz="3200" b="1" spc="80" dirty="0" smtClean="0">
+              <a:rPr sz="3200" b="1" spc="80" dirty="0">
                 <a:solidFill>
                   <a:srgbClr val="000000"/>
                 </a:solidFill>
-                <a:latin typeface="Roboto Bk"/>
-                <a:cs typeface="Roboto Bk"/>
-              </a:rPr>
-              <a:t>Future Scope</a:t>
+                <a:latin typeface="Times New Roman" panose="02020603050405020304" pitchFamily="18" charset="0"/>
+                <a:cs typeface="Times New Roman" panose="02020603050405020304" pitchFamily="18" charset="0"/>
+              </a:rPr>
+              <a:t>Bonus</a:t>
+            </a:r>
+            <a:r>
+              <a:rPr sz="3200" b="1" spc="10" dirty="0">
+                <a:solidFill>
+                  <a:srgbClr val="000000"/>
+                </a:solidFill>
+                <a:latin typeface="Times New Roman" panose="02020603050405020304" pitchFamily="18" charset="0"/>
+                <a:cs typeface="Times New Roman" panose="02020603050405020304" pitchFamily="18" charset="0"/>
+              </a:rPr>
+              <a:t> </a:t>
+            </a:r>
+            <a:r>
+              <a:rPr sz="3200" b="1" spc="90" dirty="0" smtClean="0">
+                <a:solidFill>
+                  <a:srgbClr val="000000"/>
+                </a:solidFill>
+                <a:latin typeface="Times New Roman" panose="02020603050405020304" pitchFamily="18" charset="0"/>
+                <a:cs typeface="Times New Roman" panose="02020603050405020304" pitchFamily="18" charset="0"/>
+              </a:rPr>
+              <a:t>Feature</a:t>
             </a:r>
             <a:endParaRPr sz="3200" dirty="0">
-              <a:latin typeface="Roboto Bk"/>
-              <a:cs typeface="Roboto Bk"/>
+              <a:latin typeface="Times New Roman" panose="02020603050405020304" pitchFamily="18" charset="0"/>
+              <a:cs typeface="Times New Roman" panose="02020603050405020304" pitchFamily="18" charset="0"/>
             </a:endParaRPr>
           </a:p>
         </p:txBody>
       </p:sp>
       <p:sp>
         <p:nvSpPr>
-          <p:cNvPr id="5" name="TextBox 4"/>
+          <p:cNvPr id="11" name="TextBox 10"/>
           <p:cNvSpPr txBox="1"/>
           <p:nvPr/>
         </p:nvSpPr>
         <p:spPr>
           <a:xfrm>
             <a:off x="381000" y="1143000"/>
-            <a:ext cx="8382000" cy="1938992"/>
+            <a:ext cx="8382000" cy="2677656"/>
           </a:xfrm>
           <a:prstGeom prst="rect">
             <a:avLst/>
@@ -5840,9 +6256,29 @@
             </a:pPr>
             <a:r>
               <a:rPr lang="en-US" sz="2400" dirty="0" smtClean="0">
-                <a:latin typeface="Arial MT"/>
-              </a:rPr>
-              <a:t>Ability to add buttons for custom site using JS can be added to give developer more flexibility.</a:t>
+                <a:latin typeface="Times New Roman" panose="02020603050405020304" pitchFamily="18" charset="0"/>
+                <a:cs typeface="Times New Roman" panose="02020603050405020304" pitchFamily="18" charset="0"/>
+              </a:rPr>
+              <a:t>Ability to add share buttons without writing any HTML or CSS.</a:t>
+            </a:r>
+          </a:p>
+          <a:p>
+            <a:endParaRPr lang="en-US" sz="2400" dirty="0" smtClean="0">
+              <a:latin typeface="Times New Roman" panose="02020603050405020304" pitchFamily="18" charset="0"/>
+              <a:cs typeface="Times New Roman" panose="02020603050405020304" pitchFamily="18" charset="0"/>
+            </a:endParaRPr>
+          </a:p>
+          <a:p>
+            <a:pPr marL="342900" indent="-342900">
+              <a:buFont typeface="Arial" panose="020B0604020202020204" pitchFamily="34" charset="0"/>
+              <a:buChar char="•"/>
+            </a:pPr>
+            <a:r>
+              <a:rPr lang="en-US" sz="2400" dirty="0" smtClean="0">
+                <a:latin typeface="Times New Roman" panose="02020603050405020304" pitchFamily="18" charset="0"/>
+                <a:cs typeface="Times New Roman" panose="02020603050405020304" pitchFamily="18" charset="0"/>
+              </a:rPr>
+              <a:t>Add custom message with share link.</a:t>
             </a:r>
           </a:p>
           <a:p>
@@ -5851,7 +6287,8 @@
               <a:buChar char="•"/>
             </a:pPr>
             <a:endParaRPr lang="en-US" sz="2400" dirty="0">
-              <a:latin typeface="Arial MT"/>
+              <a:latin typeface="Times New Roman" panose="02020603050405020304" pitchFamily="18" charset="0"/>
+              <a:cs typeface="Times New Roman" panose="02020603050405020304" pitchFamily="18" charset="0"/>
             </a:endParaRPr>
           </a:p>
           <a:p>
@@ -5861,31 +6298,38 @@
             </a:pPr>
             <a:r>
               <a:rPr lang="en-US" sz="2400" dirty="0" smtClean="0">
-                <a:latin typeface="Arial MT"/>
-              </a:rPr>
-              <a:t>Ability to customize message shared along with link.</a:t>
-            </a:r>
-            <a:endParaRPr lang="en-US" sz="2400" dirty="0">
-              <a:latin typeface="Arial MT"/>
-            </a:endParaRPr>
+                <a:latin typeface="Times New Roman" panose="02020603050405020304" pitchFamily="18" charset="0"/>
+                <a:cs typeface="Times New Roman" panose="02020603050405020304" pitchFamily="18" charset="0"/>
+              </a:rPr>
+              <a:t>Fully customizable share button.</a:t>
+            </a:r>
           </a:p>
           <a:p>
             <a:pPr marL="342900" indent="-342900">
               <a:buFont typeface="Arial" panose="020B0604020202020204" pitchFamily="34" charset="0"/>
               <a:buChar char="•"/>
             </a:pPr>
-            <a:endParaRPr lang="en-IN" sz="2400" dirty="0">
-              <a:latin typeface="Arial MT"/>
+            <a:endParaRPr lang="en-US" sz="2400" dirty="0">
+              <a:latin typeface="Times New Roman" panose="02020603050405020304" pitchFamily="18" charset="0"/>
+              <a:cs typeface="Times New Roman" panose="02020603050405020304" pitchFamily="18" charset="0"/>
             </a:endParaRPr>
           </a:p>
+          <a:p>
+            <a:pPr marL="342900" indent="-342900">
+              <a:buFont typeface="Arial" panose="020B0604020202020204" pitchFamily="34" charset="0"/>
+              <a:buChar char="•"/>
+            </a:pPr>
+            <a:r>
+              <a:rPr lang="en-US" sz="2400" dirty="0" smtClean="0">
+                <a:latin typeface="Times New Roman" panose="02020603050405020304" pitchFamily="18" charset="0"/>
+                <a:cs typeface="Times New Roman" panose="02020603050405020304" pitchFamily="18" charset="0"/>
+              </a:rPr>
+              <a:t>Add custom share button.</a:t>
+            </a:r>
+          </a:p>
         </p:txBody>
       </p:sp>
     </p:spTree>
-    <p:extLst>
-      <p:ext uri="{BB962C8B-B14F-4D97-AF65-F5344CB8AC3E}">
-        <p14:creationId xmlns:p14="http://schemas.microsoft.com/office/powerpoint/2010/main" val="4273078771"/>
-      </p:ext>
-    </p:extLst>
   </p:cSld>
   <p:clrMapOvr>
     <a:masterClrMapping/>
